--- a/palautukset/Systeemityo/tyyliopas.pptx
+++ b/palautukset/Systeemityo/tyyliopas.pptx
@@ -5,10 +5,10 @@
     <p:sldMasterId id="2147483648" r:id="rId1"/>
   </p:sldMasterIdLst>
   <p:notesMasterIdLst>
-    <p:notesMasterId r:id="rId11"/>
+    <p:notesMasterId r:id="rId13"/>
   </p:notesMasterIdLst>
   <p:handoutMasterIdLst>
-    <p:handoutMasterId r:id="rId12"/>
+    <p:handoutMasterId r:id="rId14"/>
   </p:handoutMasterIdLst>
   <p:sldIdLst>
     <p:sldId id="257" r:id="rId2"/>
@@ -17,9 +17,11 @@
     <p:sldId id="259" r:id="rId5"/>
     <p:sldId id="260" r:id="rId6"/>
     <p:sldId id="261" r:id="rId7"/>
-    <p:sldId id="262" r:id="rId8"/>
-    <p:sldId id="263" r:id="rId9"/>
-    <p:sldId id="264" r:id="rId10"/>
+    <p:sldId id="266" r:id="rId8"/>
+    <p:sldId id="262" r:id="rId9"/>
+    <p:sldId id="263" r:id="rId10"/>
+    <p:sldId id="264" r:id="rId11"/>
+    <p:sldId id="265" r:id="rId12"/>
   </p:sldIdLst>
   <p:sldSz cx="12192000" cy="6858000"/>
   <p:notesSz cx="6858000" cy="9144000"/>
@@ -223,7 +225,7 @@
           <a:p>
             <a:fld id="{33203A5C-A9D6-4BA8-8E6F-0923129E611B}" type="datetimeFigureOut">
               <a:rPr lang="fi-FI" smtClean="0"/>
-              <a:t>21.2.2019</a:t>
+              <a:t>6.3.2019</a:t>
             </a:fld>
             <a:endParaRPr lang="fi-FI" dirty="0"/>
           </a:p>
@@ -388,7 +390,7 @@
           <a:p>
             <a:fld id="{EC89E51C-B321-48B8-A010-E3C8CB10AACF}" type="datetimeFigureOut">
               <a:rPr lang="fi-FI" smtClean="0"/>
-              <a:t>21.2.2019</a:t>
+              <a:t>6.3.2019</a:t>
             </a:fld>
             <a:endParaRPr lang="fi-FI"/>
           </a:p>
@@ -787,7 +789,7 @@
           <a:p>
             <a:fld id="{21985336-F12A-4DCE-923F-63775A70E1EE}" type="datetimeFigureOut">
               <a:rPr lang="fi-FI" smtClean="0"/>
-              <a:t>21.2.2019</a:t>
+              <a:t>6.3.2019</a:t>
             </a:fld>
             <a:endParaRPr lang="fi-FI" dirty="0"/>
           </a:p>
@@ -964,7 +966,7 @@
           <a:p>
             <a:fld id="{21985336-F12A-4DCE-923F-63775A70E1EE}" type="datetimeFigureOut">
               <a:rPr lang="fi-FI" smtClean="0"/>
-              <a:t>21.2.2019</a:t>
+              <a:t>6.3.2019</a:t>
             </a:fld>
             <a:endParaRPr lang="fi-FI" dirty="0"/>
           </a:p>
@@ -1144,7 +1146,7 @@
           <a:p>
             <a:fld id="{21985336-F12A-4DCE-923F-63775A70E1EE}" type="datetimeFigureOut">
               <a:rPr lang="fi-FI" smtClean="0"/>
-              <a:t>21.2.2019</a:t>
+              <a:t>6.3.2019</a:t>
             </a:fld>
             <a:endParaRPr lang="fi-FI" dirty="0"/>
           </a:p>
@@ -1314,7 +1316,7 @@
           <a:p>
             <a:fld id="{21985336-F12A-4DCE-923F-63775A70E1EE}" type="datetimeFigureOut">
               <a:rPr lang="fi-FI" smtClean="0"/>
-              <a:t>21.2.2019</a:t>
+              <a:t>6.3.2019</a:t>
             </a:fld>
             <a:endParaRPr lang="fi-FI" dirty="0"/>
           </a:p>
@@ -1567,7 +1569,7 @@
           <a:p>
             <a:fld id="{21985336-F12A-4DCE-923F-63775A70E1EE}" type="datetimeFigureOut">
               <a:rPr lang="fi-FI" smtClean="0"/>
-              <a:t>21.2.2019</a:t>
+              <a:t>6.3.2019</a:t>
             </a:fld>
             <a:endParaRPr lang="fi-FI" dirty="0"/>
           </a:p>
@@ -1806,7 +1808,7 @@
           <a:p>
             <a:fld id="{21985336-F12A-4DCE-923F-63775A70E1EE}" type="datetimeFigureOut">
               <a:rPr lang="fi-FI" smtClean="0"/>
-              <a:t>21.2.2019</a:t>
+              <a:t>6.3.2019</a:t>
             </a:fld>
             <a:endParaRPr lang="fi-FI" dirty="0"/>
           </a:p>
@@ -2173,7 +2175,7 @@
           <a:p>
             <a:fld id="{21985336-F12A-4DCE-923F-63775A70E1EE}" type="datetimeFigureOut">
               <a:rPr lang="fi-FI" smtClean="0"/>
-              <a:t>21.2.2019</a:t>
+              <a:t>6.3.2019</a:t>
             </a:fld>
             <a:endParaRPr lang="fi-FI" dirty="0"/>
           </a:p>
@@ -2291,7 +2293,7 @@
           <a:p>
             <a:fld id="{21985336-F12A-4DCE-923F-63775A70E1EE}" type="datetimeFigureOut">
               <a:rPr lang="fi-FI" smtClean="0"/>
-              <a:t>21.2.2019</a:t>
+              <a:t>6.3.2019</a:t>
             </a:fld>
             <a:endParaRPr lang="fi-FI" dirty="0"/>
           </a:p>
@@ -2386,7 +2388,7 @@
           <a:p>
             <a:fld id="{21985336-F12A-4DCE-923F-63775A70E1EE}" type="datetimeFigureOut">
               <a:rPr lang="fi-FI" smtClean="0"/>
-              <a:t>21.2.2019</a:t>
+              <a:t>6.3.2019</a:t>
             </a:fld>
             <a:endParaRPr lang="fi-FI" dirty="0"/>
           </a:p>
@@ -2663,7 +2665,7 @@
           <a:p>
             <a:fld id="{21985336-F12A-4DCE-923F-63775A70E1EE}" type="datetimeFigureOut">
               <a:rPr lang="fi-FI" smtClean="0"/>
-              <a:t>21.2.2019</a:t>
+              <a:t>6.3.2019</a:t>
             </a:fld>
             <a:endParaRPr lang="fi-FI" dirty="0"/>
           </a:p>
@@ -2916,7 +2918,7 @@
           <a:p>
             <a:fld id="{21985336-F12A-4DCE-923F-63775A70E1EE}" type="datetimeFigureOut">
               <a:rPr lang="fi-FI" smtClean="0"/>
-              <a:t>21.2.2019</a:t>
+              <a:t>6.3.2019</a:t>
             </a:fld>
             <a:endParaRPr lang="fi-FI" dirty="0"/>
           </a:p>
@@ -3159,7 +3161,7 @@
           <a:p>
             <a:fld id="{21985336-F12A-4DCE-923F-63775A70E1EE}" type="datetimeFigureOut">
               <a:rPr lang="fi-FI" smtClean="0"/>
-              <a:t>21.2.2019</a:t>
+              <a:t>6.3.2019</a:t>
             </a:fld>
             <a:endParaRPr lang="fi-FI" dirty="0"/>
           </a:p>
@@ -4053,6 +4055,3772 @@
 </p:sld>
 </file>
 
+<file path=ppt/slides/slide10.xml><?xml version="1.0" encoding="utf-8"?>
+<p:sld xmlns:a="http://schemas.openxmlformats.org/drawingml/2006/main" xmlns:r="http://schemas.openxmlformats.org/officeDocument/2006/relationships" xmlns:p="http://schemas.openxmlformats.org/presentationml/2006/main">
+  <p:cSld>
+    <p:spTree>
+      <p:nvGrpSpPr>
+        <p:cNvPr id="1" name=""/>
+        <p:cNvGrpSpPr/>
+        <p:nvPr/>
+      </p:nvGrpSpPr>
+      <p:grpSpPr>
+        <a:xfrm>
+          <a:off x="0" y="0"/>
+          <a:ext cx="0" cy="0"/>
+          <a:chOff x="0" y="0"/>
+          <a:chExt cx="0" cy="0"/>
+        </a:xfrm>
+      </p:grpSpPr>
+      <p:sp>
+        <p:nvSpPr>
+          <p:cNvPr id="2" name="Rectangle 1"/>
+          <p:cNvSpPr/>
+          <p:nvPr/>
+        </p:nvSpPr>
+        <p:spPr>
+          <a:xfrm>
+            <a:off x="0" y="1521229"/>
+            <a:ext cx="1911927" cy="5336771"/>
+          </a:xfrm>
+          <a:prstGeom prst="rect">
+            <a:avLst/>
+          </a:prstGeom>
+          <a:solidFill>
+            <a:srgbClr val="2186BB"/>
+          </a:solidFill>
+          <a:ln>
+            <a:noFill/>
+          </a:ln>
+        </p:spPr>
+        <p:style>
+          <a:lnRef idx="2">
+            <a:schemeClr val="accent3">
+              <a:shade val="50000"/>
+            </a:schemeClr>
+          </a:lnRef>
+          <a:fillRef idx="1">
+            <a:schemeClr val="accent3"/>
+          </a:fillRef>
+          <a:effectRef idx="0">
+            <a:schemeClr val="accent3"/>
+          </a:effectRef>
+          <a:fontRef idx="minor">
+            <a:schemeClr val="lt1"/>
+          </a:fontRef>
+        </p:style>
+        <p:txBody>
+          <a:bodyPr rtlCol="0" anchor="ctr"/>
+          <a:lstStyle/>
+          <a:p>
+            <a:pPr algn="ctr"/>
+            <a:endParaRPr lang="fi-FI" sz="1600" dirty="0">
+              <a:latin typeface="Yu Gothic Light" panose="020B0300000000000000" pitchFamily="34" charset="-128"/>
+              <a:ea typeface="Yu Gothic Light" panose="020B0300000000000000" pitchFamily="34" charset="-128"/>
+            </a:endParaRPr>
+          </a:p>
+        </p:txBody>
+      </p:sp>
+      <p:sp>
+        <p:nvSpPr>
+          <p:cNvPr id="3" name="Rectangle 2"/>
+          <p:cNvSpPr/>
+          <p:nvPr/>
+        </p:nvSpPr>
+        <p:spPr>
+          <a:xfrm>
+            <a:off x="0" y="2480283"/>
+            <a:ext cx="1911927" cy="349134"/>
+          </a:xfrm>
+          <a:prstGeom prst="rect">
+            <a:avLst/>
+          </a:prstGeom>
+          <a:solidFill>
+            <a:srgbClr val="2186BB"/>
+          </a:solidFill>
+          <a:ln>
+            <a:noFill/>
+          </a:ln>
+        </p:spPr>
+        <p:style>
+          <a:lnRef idx="2">
+            <a:schemeClr val="accent1">
+              <a:shade val="50000"/>
+            </a:schemeClr>
+          </a:lnRef>
+          <a:fillRef idx="1">
+            <a:schemeClr val="accent1"/>
+          </a:fillRef>
+          <a:effectRef idx="0">
+            <a:schemeClr val="accent1"/>
+          </a:effectRef>
+          <a:fontRef idx="minor">
+            <a:schemeClr val="lt1"/>
+          </a:fontRef>
+        </p:style>
+        <p:txBody>
+          <a:bodyPr rtlCol="0" anchor="ctr"/>
+          <a:lstStyle/>
+          <a:p>
+            <a:pPr algn="ctr"/>
+            <a:r>
+              <a:rPr lang="fi-FI" sz="1600" dirty="0" smtClean="0">
+                <a:latin typeface="Yu Gothic Light" panose="020B0300000000000000" pitchFamily="34" charset="-128"/>
+                <a:ea typeface="Yu Gothic Light" panose="020B0300000000000000" pitchFamily="34" charset="-128"/>
+              </a:rPr>
+              <a:t>Etusivu</a:t>
+            </a:r>
+            <a:endParaRPr lang="fi-FI" sz="1600" dirty="0">
+              <a:latin typeface="Yu Gothic Light" panose="020B0300000000000000" pitchFamily="34" charset="-128"/>
+              <a:ea typeface="Yu Gothic Light" panose="020B0300000000000000" pitchFamily="34" charset="-128"/>
+            </a:endParaRPr>
+          </a:p>
+        </p:txBody>
+      </p:sp>
+      <p:sp>
+        <p:nvSpPr>
+          <p:cNvPr id="11" name="Rectangle 10"/>
+          <p:cNvSpPr/>
+          <p:nvPr/>
+        </p:nvSpPr>
+        <p:spPr>
+          <a:xfrm>
+            <a:off x="-3" y="2920859"/>
+            <a:ext cx="1911927" cy="349134"/>
+          </a:xfrm>
+          <a:prstGeom prst="rect">
+            <a:avLst/>
+          </a:prstGeom>
+          <a:solidFill>
+            <a:srgbClr val="2186BB"/>
+          </a:solidFill>
+          <a:ln>
+            <a:noFill/>
+          </a:ln>
+        </p:spPr>
+        <p:style>
+          <a:lnRef idx="2">
+            <a:schemeClr val="accent1">
+              <a:shade val="50000"/>
+            </a:schemeClr>
+          </a:lnRef>
+          <a:fillRef idx="1">
+            <a:schemeClr val="accent1"/>
+          </a:fillRef>
+          <a:effectRef idx="0">
+            <a:schemeClr val="accent1"/>
+          </a:effectRef>
+          <a:fontRef idx="minor">
+            <a:schemeClr val="lt1"/>
+          </a:fontRef>
+        </p:style>
+        <p:txBody>
+          <a:bodyPr rtlCol="0" anchor="ctr"/>
+          <a:lstStyle/>
+          <a:p>
+            <a:pPr algn="ctr"/>
+            <a:r>
+              <a:rPr lang="fi-FI" sz="1600" dirty="0" smtClean="0">
+                <a:latin typeface="Yu Gothic Light" panose="020B0300000000000000" pitchFamily="34" charset="-128"/>
+                <a:ea typeface="Yu Gothic Light" panose="020B0300000000000000" pitchFamily="34" charset="-128"/>
+              </a:rPr>
+              <a:t>Turnaukset</a:t>
+            </a:r>
+            <a:endParaRPr lang="fi-FI" sz="1600" dirty="0">
+              <a:latin typeface="Yu Gothic Light" panose="020B0300000000000000" pitchFamily="34" charset="-128"/>
+              <a:ea typeface="Yu Gothic Light" panose="020B0300000000000000" pitchFamily="34" charset="-128"/>
+            </a:endParaRPr>
+          </a:p>
+        </p:txBody>
+      </p:sp>
+      <p:sp>
+        <p:nvSpPr>
+          <p:cNvPr id="12" name="Rectangle 11"/>
+          <p:cNvSpPr/>
+          <p:nvPr/>
+        </p:nvSpPr>
+        <p:spPr>
+          <a:xfrm>
+            <a:off x="-3" y="3361435"/>
+            <a:ext cx="1911927" cy="349134"/>
+          </a:xfrm>
+          <a:prstGeom prst="rect">
+            <a:avLst/>
+          </a:prstGeom>
+          <a:solidFill>
+            <a:srgbClr val="2186BB"/>
+          </a:solidFill>
+          <a:ln>
+            <a:noFill/>
+          </a:ln>
+        </p:spPr>
+        <p:style>
+          <a:lnRef idx="2">
+            <a:schemeClr val="accent1">
+              <a:shade val="50000"/>
+            </a:schemeClr>
+          </a:lnRef>
+          <a:fillRef idx="1">
+            <a:schemeClr val="accent1"/>
+          </a:fillRef>
+          <a:effectRef idx="0">
+            <a:schemeClr val="accent1"/>
+          </a:effectRef>
+          <a:fontRef idx="minor">
+            <a:schemeClr val="lt1"/>
+          </a:fontRef>
+        </p:style>
+        <p:txBody>
+          <a:bodyPr rtlCol="0" anchor="ctr"/>
+          <a:lstStyle/>
+          <a:p>
+            <a:pPr algn="ctr"/>
+            <a:r>
+              <a:rPr lang="fi-FI" sz="1600" dirty="0" smtClean="0">
+                <a:latin typeface="Yu Gothic Light" panose="020B0300000000000000" pitchFamily="34" charset="-128"/>
+                <a:ea typeface="Yu Gothic Light" panose="020B0300000000000000" pitchFamily="34" charset="-128"/>
+              </a:rPr>
+              <a:t>Päiväkirja</a:t>
+            </a:r>
+            <a:endParaRPr lang="fi-FI" sz="1600" dirty="0">
+              <a:latin typeface="Yu Gothic Light" panose="020B0300000000000000" pitchFamily="34" charset="-128"/>
+              <a:ea typeface="Yu Gothic Light" panose="020B0300000000000000" pitchFamily="34" charset="-128"/>
+            </a:endParaRPr>
+          </a:p>
+        </p:txBody>
+      </p:sp>
+      <p:sp>
+        <p:nvSpPr>
+          <p:cNvPr id="13" name="Rectangle 12"/>
+          <p:cNvSpPr/>
+          <p:nvPr/>
+        </p:nvSpPr>
+        <p:spPr>
+          <a:xfrm>
+            <a:off x="0" y="3802011"/>
+            <a:ext cx="1911927" cy="432261"/>
+          </a:xfrm>
+          <a:prstGeom prst="rect">
+            <a:avLst/>
+          </a:prstGeom>
+          <a:solidFill>
+            <a:srgbClr val="2186BB"/>
+          </a:solidFill>
+          <a:ln>
+            <a:noFill/>
+          </a:ln>
+        </p:spPr>
+        <p:style>
+          <a:lnRef idx="2">
+            <a:schemeClr val="accent1">
+              <a:shade val="50000"/>
+            </a:schemeClr>
+          </a:lnRef>
+          <a:fillRef idx="1">
+            <a:schemeClr val="accent1"/>
+          </a:fillRef>
+          <a:effectRef idx="0">
+            <a:schemeClr val="accent1"/>
+          </a:effectRef>
+          <a:fontRef idx="minor">
+            <a:schemeClr val="lt1"/>
+          </a:fontRef>
+        </p:style>
+        <p:txBody>
+          <a:bodyPr rtlCol="0" anchor="ctr"/>
+          <a:lstStyle/>
+          <a:p>
+            <a:pPr algn="ctr"/>
+            <a:r>
+              <a:rPr lang="fi-FI" sz="1600" dirty="0" smtClean="0">
+                <a:latin typeface="Yu Gothic Light" panose="020B0300000000000000" pitchFamily="34" charset="-128"/>
+                <a:ea typeface="Yu Gothic Light" panose="020B0300000000000000" pitchFamily="34" charset="-128"/>
+              </a:rPr>
+              <a:t>Uutiset</a:t>
+            </a:r>
+            <a:endParaRPr lang="fi-FI" sz="1600" dirty="0">
+              <a:latin typeface="Yu Gothic Light" panose="020B0300000000000000" pitchFamily="34" charset="-128"/>
+              <a:ea typeface="Yu Gothic Light" panose="020B0300000000000000" pitchFamily="34" charset="-128"/>
+            </a:endParaRPr>
+          </a:p>
+        </p:txBody>
+      </p:sp>
+      <p:sp>
+        <p:nvSpPr>
+          <p:cNvPr id="14" name="Rectangle 13"/>
+          <p:cNvSpPr/>
+          <p:nvPr/>
+        </p:nvSpPr>
+        <p:spPr>
+          <a:xfrm>
+            <a:off x="0" y="4325714"/>
+            <a:ext cx="1911927" cy="432261"/>
+          </a:xfrm>
+          <a:prstGeom prst="rect">
+            <a:avLst/>
+          </a:prstGeom>
+          <a:solidFill>
+            <a:srgbClr val="2186BB"/>
+          </a:solidFill>
+          <a:ln>
+            <a:noFill/>
+          </a:ln>
+        </p:spPr>
+        <p:style>
+          <a:lnRef idx="2">
+            <a:schemeClr val="accent1">
+              <a:shade val="50000"/>
+            </a:schemeClr>
+          </a:lnRef>
+          <a:fillRef idx="1">
+            <a:schemeClr val="accent1"/>
+          </a:fillRef>
+          <a:effectRef idx="0">
+            <a:schemeClr val="accent1"/>
+          </a:effectRef>
+          <a:fontRef idx="minor">
+            <a:schemeClr val="lt1"/>
+          </a:fontRef>
+        </p:style>
+        <p:txBody>
+          <a:bodyPr rtlCol="0" anchor="ctr"/>
+          <a:lstStyle/>
+          <a:p>
+            <a:pPr algn="ctr"/>
+            <a:r>
+              <a:rPr lang="fi-FI" sz="1600" dirty="0" smtClean="0">
+                <a:latin typeface="Yu Gothic Light" panose="020B0300000000000000" pitchFamily="34" charset="-128"/>
+                <a:ea typeface="Yu Gothic Light" panose="020B0300000000000000" pitchFamily="34" charset="-128"/>
+              </a:rPr>
+              <a:t>Viestit</a:t>
+            </a:r>
+            <a:endParaRPr lang="fi-FI" sz="1600" dirty="0">
+              <a:latin typeface="Yu Gothic Light" panose="020B0300000000000000" pitchFamily="34" charset="-128"/>
+              <a:ea typeface="Yu Gothic Light" panose="020B0300000000000000" pitchFamily="34" charset="-128"/>
+            </a:endParaRPr>
+          </a:p>
+        </p:txBody>
+      </p:sp>
+      <p:sp>
+        <p:nvSpPr>
+          <p:cNvPr id="4" name="TextBox 3"/>
+          <p:cNvSpPr txBox="1"/>
+          <p:nvPr/>
+        </p:nvSpPr>
+        <p:spPr>
+          <a:xfrm>
+            <a:off x="141316" y="1587731"/>
+            <a:ext cx="1554480" cy="338554"/>
+          </a:xfrm>
+          <a:prstGeom prst="rect">
+            <a:avLst/>
+          </a:prstGeom>
+          <a:noFill/>
+        </p:spPr>
+        <p:txBody>
+          <a:bodyPr wrap="square" rtlCol="0">
+            <a:spAutoFit/>
+          </a:bodyPr>
+          <a:lstStyle/>
+          <a:p>
+            <a:r>
+              <a:rPr lang="fi-FI" sz="1600" b="1" dirty="0" smtClean="0">
+                <a:solidFill>
+                  <a:schemeClr val="bg1"/>
+                </a:solidFill>
+                <a:latin typeface="Yu Gothic Light" panose="020B0300000000000000" pitchFamily="34" charset="-128"/>
+                <a:ea typeface="Yu Gothic Light" panose="020B0300000000000000" pitchFamily="34" charset="-128"/>
+              </a:rPr>
+              <a:t>Käyttäjänimi</a:t>
+            </a:r>
+            <a:endParaRPr lang="fi-FI" sz="1600" b="1" dirty="0">
+              <a:solidFill>
+                <a:schemeClr val="bg1"/>
+              </a:solidFill>
+              <a:latin typeface="Yu Gothic Light" panose="020B0300000000000000" pitchFamily="34" charset="-128"/>
+              <a:ea typeface="Yu Gothic Light" panose="020B0300000000000000" pitchFamily="34" charset="-128"/>
+            </a:endParaRPr>
+          </a:p>
+        </p:txBody>
+      </p:sp>
+      <p:sp>
+        <p:nvSpPr>
+          <p:cNvPr id="5" name="TextBox 4"/>
+          <p:cNvSpPr txBox="1"/>
+          <p:nvPr/>
+        </p:nvSpPr>
+        <p:spPr>
+          <a:xfrm>
+            <a:off x="141316" y="1926285"/>
+            <a:ext cx="1379913" cy="246221"/>
+          </a:xfrm>
+          <a:prstGeom prst="rect">
+            <a:avLst/>
+          </a:prstGeom>
+          <a:noFill/>
+        </p:spPr>
+        <p:txBody>
+          <a:bodyPr wrap="square" rtlCol="0">
+            <a:spAutoFit/>
+          </a:bodyPr>
+          <a:lstStyle/>
+          <a:p>
+            <a:r>
+              <a:rPr lang="fi-FI" sz="1000" dirty="0" smtClean="0">
+                <a:solidFill>
+                  <a:srgbClr val="88D1D9"/>
+                </a:solidFill>
+                <a:latin typeface="Yu Gothic Light" panose="020B0300000000000000" pitchFamily="34" charset="-128"/>
+                <a:ea typeface="Yu Gothic Light" panose="020B0300000000000000" pitchFamily="34" charset="-128"/>
+              </a:rPr>
+              <a:t>Kirjaudu ulos</a:t>
+            </a:r>
+            <a:endParaRPr lang="fi-FI" sz="1000" dirty="0">
+              <a:solidFill>
+                <a:srgbClr val="88D1D9"/>
+              </a:solidFill>
+              <a:latin typeface="Yu Gothic Light" panose="020B0300000000000000" pitchFamily="34" charset="-128"/>
+              <a:ea typeface="Yu Gothic Light" panose="020B0300000000000000" pitchFamily="34" charset="-128"/>
+            </a:endParaRPr>
+          </a:p>
+        </p:txBody>
+      </p:sp>
+      <p:sp>
+        <p:nvSpPr>
+          <p:cNvPr id="10" name="Rectangle 9"/>
+          <p:cNvSpPr/>
+          <p:nvPr/>
+        </p:nvSpPr>
+        <p:spPr>
+          <a:xfrm>
+            <a:off x="0" y="4849417"/>
+            <a:ext cx="1911927" cy="349134"/>
+          </a:xfrm>
+          <a:prstGeom prst="rect">
+            <a:avLst/>
+          </a:prstGeom>
+          <a:solidFill>
+            <a:srgbClr val="307FB4"/>
+          </a:solidFill>
+          <a:ln>
+            <a:noFill/>
+          </a:ln>
+        </p:spPr>
+        <p:style>
+          <a:lnRef idx="2">
+            <a:schemeClr val="accent1">
+              <a:shade val="50000"/>
+            </a:schemeClr>
+          </a:lnRef>
+          <a:fillRef idx="1">
+            <a:schemeClr val="accent1"/>
+          </a:fillRef>
+          <a:effectRef idx="0">
+            <a:schemeClr val="accent1"/>
+          </a:effectRef>
+          <a:fontRef idx="minor">
+            <a:schemeClr val="lt1"/>
+          </a:fontRef>
+        </p:style>
+        <p:txBody>
+          <a:bodyPr rtlCol="0" anchor="ctr"/>
+          <a:lstStyle/>
+          <a:p>
+            <a:pPr algn="ctr"/>
+            <a:r>
+              <a:rPr lang="fi-FI" sz="1600" dirty="0" smtClean="0">
+                <a:latin typeface="Yu Gothic Light" panose="020B0300000000000000" pitchFamily="34" charset="-128"/>
+                <a:ea typeface="Yu Gothic Light" panose="020B0300000000000000" pitchFamily="34" charset="-128"/>
+              </a:rPr>
+              <a:t>Tiimi</a:t>
+            </a:r>
+            <a:endParaRPr lang="fi-FI" sz="1600" dirty="0">
+              <a:latin typeface="Yu Gothic Light" panose="020B0300000000000000" pitchFamily="34" charset="-128"/>
+              <a:ea typeface="Yu Gothic Light" panose="020B0300000000000000" pitchFamily="34" charset="-128"/>
+            </a:endParaRPr>
+          </a:p>
+        </p:txBody>
+      </p:sp>
+      <p:sp>
+        <p:nvSpPr>
+          <p:cNvPr id="6" name="Rectangle 5"/>
+          <p:cNvSpPr/>
+          <p:nvPr/>
+        </p:nvSpPr>
+        <p:spPr>
+          <a:xfrm>
+            <a:off x="1911924" y="1521228"/>
+            <a:ext cx="10280076" cy="342789"/>
+          </a:xfrm>
+          <a:prstGeom prst="rect">
+            <a:avLst/>
+          </a:prstGeom>
+          <a:solidFill>
+            <a:schemeClr val="bg1">
+              <a:lumMod val="95000"/>
+            </a:schemeClr>
+          </a:solidFill>
+          <a:ln>
+            <a:noFill/>
+          </a:ln>
+        </p:spPr>
+        <p:style>
+          <a:lnRef idx="2">
+            <a:schemeClr val="accent1">
+              <a:shade val="50000"/>
+            </a:schemeClr>
+          </a:lnRef>
+          <a:fillRef idx="1">
+            <a:schemeClr val="accent1"/>
+          </a:fillRef>
+          <a:effectRef idx="0">
+            <a:schemeClr val="accent1"/>
+          </a:effectRef>
+          <a:fontRef idx="minor">
+            <a:schemeClr val="lt1"/>
+          </a:fontRef>
+        </p:style>
+        <p:txBody>
+          <a:bodyPr rtlCol="0" anchor="ctr"/>
+          <a:lstStyle/>
+          <a:p>
+            <a:endParaRPr lang="fi-FI" sz="1200" dirty="0">
+              <a:solidFill>
+                <a:schemeClr val="tx1"/>
+              </a:solidFill>
+              <a:latin typeface="Yu Gothic Light" panose="020B0300000000000000" pitchFamily="34" charset="-128"/>
+              <a:ea typeface="Yu Gothic Light" panose="020B0300000000000000" pitchFamily="34" charset="-128"/>
+            </a:endParaRPr>
+          </a:p>
+        </p:txBody>
+      </p:sp>
+      <p:sp>
+        <p:nvSpPr>
+          <p:cNvPr id="15" name="Rectangle 14"/>
+          <p:cNvSpPr/>
+          <p:nvPr/>
+        </p:nvSpPr>
+        <p:spPr>
+          <a:xfrm>
+            <a:off x="2053240" y="2012502"/>
+            <a:ext cx="9957783" cy="816915"/>
+          </a:xfrm>
+          <a:prstGeom prst="rect">
+            <a:avLst/>
+          </a:prstGeom>
+          <a:noFill/>
+        </p:spPr>
+        <p:style>
+          <a:lnRef idx="2">
+            <a:schemeClr val="accent1">
+              <a:shade val="50000"/>
+            </a:schemeClr>
+          </a:lnRef>
+          <a:fillRef idx="1">
+            <a:schemeClr val="accent1"/>
+          </a:fillRef>
+          <a:effectRef idx="0">
+            <a:schemeClr val="accent1"/>
+          </a:effectRef>
+          <a:fontRef idx="minor">
+            <a:schemeClr val="lt1"/>
+          </a:fontRef>
+        </p:style>
+        <p:txBody>
+          <a:bodyPr rtlCol="0" anchor="ctr"/>
+          <a:lstStyle/>
+          <a:p>
+            <a:pPr algn="ctr"/>
+            <a:endParaRPr lang="fi-FI">
+              <a:latin typeface="Yu Gothic Light" panose="020B0300000000000000" pitchFamily="34" charset="-128"/>
+              <a:ea typeface="Yu Gothic Light" panose="020B0300000000000000" pitchFamily="34" charset="-128"/>
+            </a:endParaRPr>
+          </a:p>
+        </p:txBody>
+      </p:sp>
+      <p:sp>
+        <p:nvSpPr>
+          <p:cNvPr id="16" name="Rectangle 15"/>
+          <p:cNvSpPr/>
+          <p:nvPr/>
+        </p:nvSpPr>
+        <p:spPr>
+          <a:xfrm>
+            <a:off x="2053240" y="2960153"/>
+            <a:ext cx="9957783" cy="816915"/>
+          </a:xfrm>
+          <a:prstGeom prst="rect">
+            <a:avLst/>
+          </a:prstGeom>
+          <a:noFill/>
+        </p:spPr>
+        <p:style>
+          <a:lnRef idx="2">
+            <a:schemeClr val="accent1">
+              <a:shade val="50000"/>
+            </a:schemeClr>
+          </a:lnRef>
+          <a:fillRef idx="1">
+            <a:schemeClr val="accent1"/>
+          </a:fillRef>
+          <a:effectRef idx="0">
+            <a:schemeClr val="accent1"/>
+          </a:effectRef>
+          <a:fontRef idx="minor">
+            <a:schemeClr val="lt1"/>
+          </a:fontRef>
+        </p:style>
+        <p:txBody>
+          <a:bodyPr rtlCol="0" anchor="ctr"/>
+          <a:lstStyle/>
+          <a:p>
+            <a:pPr algn="ctr"/>
+            <a:endParaRPr lang="fi-FI">
+              <a:latin typeface="Yu Gothic Light" panose="020B0300000000000000" pitchFamily="34" charset="-128"/>
+              <a:ea typeface="Yu Gothic Light" panose="020B0300000000000000" pitchFamily="34" charset="-128"/>
+            </a:endParaRPr>
+          </a:p>
+        </p:txBody>
+      </p:sp>
+      <p:sp>
+        <p:nvSpPr>
+          <p:cNvPr id="17" name="Rectangle 16"/>
+          <p:cNvSpPr/>
+          <p:nvPr/>
+        </p:nvSpPr>
+        <p:spPr>
+          <a:xfrm>
+            <a:off x="2053239" y="3912031"/>
+            <a:ext cx="9957783" cy="816915"/>
+          </a:xfrm>
+          <a:prstGeom prst="rect">
+            <a:avLst/>
+          </a:prstGeom>
+          <a:noFill/>
+        </p:spPr>
+        <p:style>
+          <a:lnRef idx="2">
+            <a:schemeClr val="accent1">
+              <a:shade val="50000"/>
+            </a:schemeClr>
+          </a:lnRef>
+          <a:fillRef idx="1">
+            <a:schemeClr val="accent1"/>
+          </a:fillRef>
+          <a:effectRef idx="0">
+            <a:schemeClr val="accent1"/>
+          </a:effectRef>
+          <a:fontRef idx="minor">
+            <a:schemeClr val="lt1"/>
+          </a:fontRef>
+        </p:style>
+        <p:txBody>
+          <a:bodyPr rtlCol="0" anchor="ctr"/>
+          <a:lstStyle/>
+          <a:p>
+            <a:pPr algn="ctr"/>
+            <a:endParaRPr lang="fi-FI">
+              <a:latin typeface="Yu Gothic Light" panose="020B0300000000000000" pitchFamily="34" charset="-128"/>
+              <a:ea typeface="Yu Gothic Light" panose="020B0300000000000000" pitchFamily="34" charset="-128"/>
+            </a:endParaRPr>
+          </a:p>
+        </p:txBody>
+      </p:sp>
+      <p:sp>
+        <p:nvSpPr>
+          <p:cNvPr id="18" name="Rectangle 17"/>
+          <p:cNvSpPr/>
+          <p:nvPr/>
+        </p:nvSpPr>
+        <p:spPr>
+          <a:xfrm>
+            <a:off x="2053236" y="4859682"/>
+            <a:ext cx="9957783" cy="816915"/>
+          </a:xfrm>
+          <a:prstGeom prst="rect">
+            <a:avLst/>
+          </a:prstGeom>
+          <a:noFill/>
+        </p:spPr>
+        <p:style>
+          <a:lnRef idx="2">
+            <a:schemeClr val="accent1">
+              <a:shade val="50000"/>
+            </a:schemeClr>
+          </a:lnRef>
+          <a:fillRef idx="1">
+            <a:schemeClr val="accent1"/>
+          </a:fillRef>
+          <a:effectRef idx="0">
+            <a:schemeClr val="accent1"/>
+          </a:effectRef>
+          <a:fontRef idx="minor">
+            <a:schemeClr val="lt1"/>
+          </a:fontRef>
+        </p:style>
+        <p:txBody>
+          <a:bodyPr rtlCol="0" anchor="ctr"/>
+          <a:lstStyle/>
+          <a:p>
+            <a:pPr algn="ctr"/>
+            <a:endParaRPr lang="fi-FI">
+              <a:latin typeface="Yu Gothic Light" panose="020B0300000000000000" pitchFamily="34" charset="-128"/>
+              <a:ea typeface="Yu Gothic Light" panose="020B0300000000000000" pitchFamily="34" charset="-128"/>
+            </a:endParaRPr>
+          </a:p>
+        </p:txBody>
+      </p:sp>
+      <p:sp>
+        <p:nvSpPr>
+          <p:cNvPr id="19" name="Rectangle 18"/>
+          <p:cNvSpPr/>
+          <p:nvPr/>
+        </p:nvSpPr>
+        <p:spPr>
+          <a:xfrm>
+            <a:off x="2053236" y="5807333"/>
+            <a:ext cx="9957783" cy="816915"/>
+          </a:xfrm>
+          <a:prstGeom prst="rect">
+            <a:avLst/>
+          </a:prstGeom>
+          <a:noFill/>
+        </p:spPr>
+        <p:style>
+          <a:lnRef idx="2">
+            <a:schemeClr val="accent1">
+              <a:shade val="50000"/>
+            </a:schemeClr>
+          </a:lnRef>
+          <a:fillRef idx="1">
+            <a:schemeClr val="accent1"/>
+          </a:fillRef>
+          <a:effectRef idx="0">
+            <a:schemeClr val="accent1"/>
+          </a:effectRef>
+          <a:fontRef idx="minor">
+            <a:schemeClr val="lt1"/>
+          </a:fontRef>
+        </p:style>
+        <p:txBody>
+          <a:bodyPr rtlCol="0" anchor="ctr"/>
+          <a:lstStyle/>
+          <a:p>
+            <a:pPr algn="ctr"/>
+            <a:endParaRPr lang="fi-FI">
+              <a:latin typeface="Yu Gothic Light" panose="020B0300000000000000" pitchFamily="34" charset="-128"/>
+              <a:ea typeface="Yu Gothic Light" panose="020B0300000000000000" pitchFamily="34" charset="-128"/>
+            </a:endParaRPr>
+          </a:p>
+        </p:txBody>
+      </p:sp>
+      <p:sp>
+        <p:nvSpPr>
+          <p:cNvPr id="20" name="TextBox 19"/>
+          <p:cNvSpPr txBox="1"/>
+          <p:nvPr/>
+        </p:nvSpPr>
+        <p:spPr>
+          <a:xfrm>
+            <a:off x="2053236" y="2012502"/>
+            <a:ext cx="4004662" cy="369332"/>
+          </a:xfrm>
+          <a:prstGeom prst="rect">
+            <a:avLst/>
+          </a:prstGeom>
+          <a:noFill/>
+        </p:spPr>
+        <p:txBody>
+          <a:bodyPr wrap="square" rtlCol="0">
+            <a:spAutoFit/>
+          </a:bodyPr>
+          <a:lstStyle/>
+          <a:p>
+            <a:r>
+              <a:rPr lang="fi-FI" dirty="0" smtClean="0">
+                <a:latin typeface="Yu Gothic Light" panose="020B0300000000000000" pitchFamily="34" charset="-128"/>
+                <a:ea typeface="Yu Gothic Light" panose="020B0300000000000000" pitchFamily="34" charset="-128"/>
+              </a:rPr>
+              <a:t>Tiimin nimi</a:t>
+            </a:r>
+            <a:endParaRPr lang="fi-FI" dirty="0">
+              <a:latin typeface="Yu Gothic Light" panose="020B0300000000000000" pitchFamily="34" charset="-128"/>
+              <a:ea typeface="Yu Gothic Light" panose="020B0300000000000000" pitchFamily="34" charset="-128"/>
+            </a:endParaRPr>
+          </a:p>
+        </p:txBody>
+      </p:sp>
+      <p:sp>
+        <p:nvSpPr>
+          <p:cNvPr id="23" name="TextBox 22"/>
+          <p:cNvSpPr txBox="1"/>
+          <p:nvPr/>
+        </p:nvSpPr>
+        <p:spPr>
+          <a:xfrm>
+            <a:off x="2053236" y="2315446"/>
+            <a:ext cx="1421302" cy="276999"/>
+          </a:xfrm>
+          <a:prstGeom prst="rect">
+            <a:avLst/>
+          </a:prstGeom>
+          <a:noFill/>
+        </p:spPr>
+        <p:txBody>
+          <a:bodyPr wrap="square" rtlCol="0">
+            <a:spAutoFit/>
+          </a:bodyPr>
+          <a:lstStyle/>
+          <a:p>
+            <a:r>
+              <a:rPr lang="fi-FI" sz="1200" dirty="0" smtClean="0">
+                <a:latin typeface="Yu Gothic Light" panose="020B0300000000000000" pitchFamily="34" charset="-128"/>
+                <a:ea typeface="Yu Gothic Light" panose="020B0300000000000000" pitchFamily="34" charset="-128"/>
+              </a:rPr>
+              <a:t>Johtaja</a:t>
+            </a:r>
+            <a:endParaRPr lang="fi-FI" sz="1200" dirty="0">
+              <a:latin typeface="Yu Gothic Light" panose="020B0300000000000000" pitchFamily="34" charset="-128"/>
+              <a:ea typeface="Yu Gothic Light" panose="020B0300000000000000" pitchFamily="34" charset="-128"/>
+            </a:endParaRPr>
+          </a:p>
+        </p:txBody>
+      </p:sp>
+      <p:sp>
+        <p:nvSpPr>
+          <p:cNvPr id="24" name="Rectangle 23"/>
+          <p:cNvSpPr/>
+          <p:nvPr/>
+        </p:nvSpPr>
+        <p:spPr>
+          <a:xfrm>
+            <a:off x="11296648" y="2012502"/>
+            <a:ext cx="714371" cy="816915"/>
+          </a:xfrm>
+          <a:prstGeom prst="rect">
+            <a:avLst/>
+          </a:prstGeom>
+          <a:solidFill>
+            <a:schemeClr val="bg1"/>
+          </a:solidFill>
+        </p:spPr>
+        <p:style>
+          <a:lnRef idx="2">
+            <a:schemeClr val="accent1">
+              <a:shade val="50000"/>
+            </a:schemeClr>
+          </a:lnRef>
+          <a:fillRef idx="1">
+            <a:schemeClr val="accent1"/>
+          </a:fillRef>
+          <a:effectRef idx="0">
+            <a:schemeClr val="accent1"/>
+          </a:effectRef>
+          <a:fontRef idx="minor">
+            <a:schemeClr val="lt1"/>
+          </a:fontRef>
+        </p:style>
+        <p:txBody>
+          <a:bodyPr rtlCol="0" anchor="ctr"/>
+          <a:lstStyle/>
+          <a:p>
+            <a:pPr algn="ctr"/>
+            <a:endParaRPr lang="fi-FI"/>
+          </a:p>
+        </p:txBody>
+      </p:sp>
+      <p:sp>
+        <p:nvSpPr>
+          <p:cNvPr id="25" name="Right Arrow 24"/>
+          <p:cNvSpPr/>
+          <p:nvPr/>
+        </p:nvSpPr>
+        <p:spPr>
+          <a:xfrm>
+            <a:off x="11429995" y="2265582"/>
+            <a:ext cx="447675" cy="316907"/>
+          </a:xfrm>
+          <a:prstGeom prst="rightArrow">
+            <a:avLst/>
+          </a:prstGeom>
+        </p:spPr>
+        <p:style>
+          <a:lnRef idx="2">
+            <a:schemeClr val="accent1">
+              <a:shade val="50000"/>
+            </a:schemeClr>
+          </a:lnRef>
+          <a:fillRef idx="1">
+            <a:schemeClr val="accent1"/>
+          </a:fillRef>
+          <a:effectRef idx="0">
+            <a:schemeClr val="accent1"/>
+          </a:effectRef>
+          <a:fontRef idx="minor">
+            <a:schemeClr val="lt1"/>
+          </a:fontRef>
+        </p:style>
+        <p:txBody>
+          <a:bodyPr rtlCol="0" anchor="ctr"/>
+          <a:lstStyle/>
+          <a:p>
+            <a:pPr algn="ctr"/>
+            <a:endParaRPr lang="fi-FI"/>
+          </a:p>
+        </p:txBody>
+      </p:sp>
+      <p:sp>
+        <p:nvSpPr>
+          <p:cNvPr id="29" name="Rectangle 28"/>
+          <p:cNvSpPr/>
+          <p:nvPr/>
+        </p:nvSpPr>
+        <p:spPr>
+          <a:xfrm>
+            <a:off x="11296648" y="2963372"/>
+            <a:ext cx="714371" cy="819622"/>
+          </a:xfrm>
+          <a:prstGeom prst="rect">
+            <a:avLst/>
+          </a:prstGeom>
+          <a:solidFill>
+            <a:schemeClr val="bg1"/>
+          </a:solidFill>
+        </p:spPr>
+        <p:style>
+          <a:lnRef idx="2">
+            <a:schemeClr val="accent1">
+              <a:shade val="50000"/>
+            </a:schemeClr>
+          </a:lnRef>
+          <a:fillRef idx="1">
+            <a:schemeClr val="accent1"/>
+          </a:fillRef>
+          <a:effectRef idx="0">
+            <a:schemeClr val="accent1"/>
+          </a:effectRef>
+          <a:fontRef idx="minor">
+            <a:schemeClr val="lt1"/>
+          </a:fontRef>
+        </p:style>
+        <p:txBody>
+          <a:bodyPr rtlCol="0" anchor="ctr"/>
+          <a:lstStyle/>
+          <a:p>
+            <a:pPr algn="ctr"/>
+            <a:endParaRPr lang="fi-FI"/>
+          </a:p>
+        </p:txBody>
+      </p:sp>
+      <p:sp>
+        <p:nvSpPr>
+          <p:cNvPr id="30" name="Right Arrow 29"/>
+          <p:cNvSpPr/>
+          <p:nvPr/>
+        </p:nvSpPr>
+        <p:spPr>
+          <a:xfrm>
+            <a:off x="11429995" y="3219159"/>
+            <a:ext cx="447675" cy="316907"/>
+          </a:xfrm>
+          <a:prstGeom prst="rightArrow">
+            <a:avLst/>
+          </a:prstGeom>
+        </p:spPr>
+        <p:style>
+          <a:lnRef idx="2">
+            <a:schemeClr val="accent1">
+              <a:shade val="50000"/>
+            </a:schemeClr>
+          </a:lnRef>
+          <a:fillRef idx="1">
+            <a:schemeClr val="accent1"/>
+          </a:fillRef>
+          <a:effectRef idx="0">
+            <a:schemeClr val="accent1"/>
+          </a:effectRef>
+          <a:fontRef idx="minor">
+            <a:schemeClr val="lt1"/>
+          </a:fontRef>
+        </p:style>
+        <p:txBody>
+          <a:bodyPr rtlCol="0" anchor="ctr"/>
+          <a:lstStyle/>
+          <a:p>
+            <a:pPr algn="ctr"/>
+            <a:endParaRPr lang="fi-FI"/>
+          </a:p>
+        </p:txBody>
+      </p:sp>
+      <p:sp>
+        <p:nvSpPr>
+          <p:cNvPr id="34" name="Rectangle 33"/>
+          <p:cNvSpPr/>
+          <p:nvPr/>
+        </p:nvSpPr>
+        <p:spPr>
+          <a:xfrm>
+            <a:off x="11296648" y="3916120"/>
+            <a:ext cx="714371" cy="810097"/>
+          </a:xfrm>
+          <a:prstGeom prst="rect">
+            <a:avLst/>
+          </a:prstGeom>
+          <a:solidFill>
+            <a:schemeClr val="bg1"/>
+          </a:solidFill>
+        </p:spPr>
+        <p:style>
+          <a:lnRef idx="2">
+            <a:schemeClr val="accent1">
+              <a:shade val="50000"/>
+            </a:schemeClr>
+          </a:lnRef>
+          <a:fillRef idx="1">
+            <a:schemeClr val="accent1"/>
+          </a:fillRef>
+          <a:effectRef idx="0">
+            <a:schemeClr val="accent1"/>
+          </a:effectRef>
+          <a:fontRef idx="minor">
+            <a:schemeClr val="lt1"/>
+          </a:fontRef>
+        </p:style>
+        <p:txBody>
+          <a:bodyPr rtlCol="0" anchor="ctr"/>
+          <a:lstStyle/>
+          <a:p>
+            <a:pPr algn="ctr"/>
+            <a:endParaRPr lang="fi-FI"/>
+          </a:p>
+        </p:txBody>
+      </p:sp>
+      <p:sp>
+        <p:nvSpPr>
+          <p:cNvPr id="35" name="Right Arrow 34"/>
+          <p:cNvSpPr/>
+          <p:nvPr/>
+        </p:nvSpPr>
+        <p:spPr>
+          <a:xfrm>
+            <a:off x="11429995" y="4171907"/>
+            <a:ext cx="447675" cy="316907"/>
+          </a:xfrm>
+          <a:prstGeom prst="rightArrow">
+            <a:avLst/>
+          </a:prstGeom>
+        </p:spPr>
+        <p:style>
+          <a:lnRef idx="2">
+            <a:schemeClr val="accent1">
+              <a:shade val="50000"/>
+            </a:schemeClr>
+          </a:lnRef>
+          <a:fillRef idx="1">
+            <a:schemeClr val="accent1"/>
+          </a:fillRef>
+          <a:effectRef idx="0">
+            <a:schemeClr val="accent1"/>
+          </a:effectRef>
+          <a:fontRef idx="minor">
+            <a:schemeClr val="lt1"/>
+          </a:fontRef>
+        </p:style>
+        <p:txBody>
+          <a:bodyPr rtlCol="0" anchor="ctr"/>
+          <a:lstStyle/>
+          <a:p>
+            <a:pPr algn="ctr"/>
+            <a:endParaRPr lang="fi-FI"/>
+          </a:p>
+        </p:txBody>
+      </p:sp>
+      <p:sp>
+        <p:nvSpPr>
+          <p:cNvPr id="39" name="Rectangle 38"/>
+          <p:cNvSpPr/>
+          <p:nvPr/>
+        </p:nvSpPr>
+        <p:spPr>
+          <a:xfrm>
+            <a:off x="11316482" y="4860172"/>
+            <a:ext cx="714371" cy="816915"/>
+          </a:xfrm>
+          <a:prstGeom prst="rect">
+            <a:avLst/>
+          </a:prstGeom>
+          <a:solidFill>
+            <a:schemeClr val="bg1"/>
+          </a:solidFill>
+        </p:spPr>
+        <p:style>
+          <a:lnRef idx="2">
+            <a:schemeClr val="accent1">
+              <a:shade val="50000"/>
+            </a:schemeClr>
+          </a:lnRef>
+          <a:fillRef idx="1">
+            <a:schemeClr val="accent1"/>
+          </a:fillRef>
+          <a:effectRef idx="0">
+            <a:schemeClr val="accent1"/>
+          </a:effectRef>
+          <a:fontRef idx="minor">
+            <a:schemeClr val="lt1"/>
+          </a:fontRef>
+        </p:style>
+        <p:txBody>
+          <a:bodyPr rtlCol="0" anchor="ctr"/>
+          <a:lstStyle/>
+          <a:p>
+            <a:pPr algn="ctr"/>
+            <a:endParaRPr lang="fi-FI"/>
+          </a:p>
+        </p:txBody>
+      </p:sp>
+      <p:sp>
+        <p:nvSpPr>
+          <p:cNvPr id="40" name="Right Arrow 39"/>
+          <p:cNvSpPr/>
+          <p:nvPr/>
+        </p:nvSpPr>
+        <p:spPr>
+          <a:xfrm>
+            <a:off x="11449829" y="5113252"/>
+            <a:ext cx="447675" cy="316907"/>
+          </a:xfrm>
+          <a:prstGeom prst="rightArrow">
+            <a:avLst/>
+          </a:prstGeom>
+        </p:spPr>
+        <p:style>
+          <a:lnRef idx="2">
+            <a:schemeClr val="accent1">
+              <a:shade val="50000"/>
+            </a:schemeClr>
+          </a:lnRef>
+          <a:fillRef idx="1">
+            <a:schemeClr val="accent1"/>
+          </a:fillRef>
+          <a:effectRef idx="0">
+            <a:schemeClr val="accent1"/>
+          </a:effectRef>
+          <a:fontRef idx="minor">
+            <a:schemeClr val="lt1"/>
+          </a:fontRef>
+        </p:style>
+        <p:txBody>
+          <a:bodyPr rtlCol="0" anchor="ctr"/>
+          <a:lstStyle/>
+          <a:p>
+            <a:pPr algn="ctr"/>
+            <a:endParaRPr lang="fi-FI"/>
+          </a:p>
+        </p:txBody>
+      </p:sp>
+      <p:sp>
+        <p:nvSpPr>
+          <p:cNvPr id="44" name="Rectangle 43"/>
+          <p:cNvSpPr/>
+          <p:nvPr/>
+        </p:nvSpPr>
+        <p:spPr>
+          <a:xfrm>
+            <a:off x="11296648" y="5813243"/>
+            <a:ext cx="714371" cy="811005"/>
+          </a:xfrm>
+          <a:prstGeom prst="rect">
+            <a:avLst/>
+          </a:prstGeom>
+          <a:solidFill>
+            <a:schemeClr val="bg1"/>
+          </a:solidFill>
+        </p:spPr>
+        <p:style>
+          <a:lnRef idx="2">
+            <a:schemeClr val="accent1">
+              <a:shade val="50000"/>
+            </a:schemeClr>
+          </a:lnRef>
+          <a:fillRef idx="1">
+            <a:schemeClr val="accent1"/>
+          </a:fillRef>
+          <a:effectRef idx="0">
+            <a:schemeClr val="accent1"/>
+          </a:effectRef>
+          <a:fontRef idx="minor">
+            <a:schemeClr val="lt1"/>
+          </a:fontRef>
+        </p:style>
+        <p:txBody>
+          <a:bodyPr rtlCol="0" anchor="ctr"/>
+          <a:lstStyle/>
+          <a:p>
+            <a:pPr algn="ctr"/>
+            <a:endParaRPr lang="fi-FI"/>
+          </a:p>
+        </p:txBody>
+      </p:sp>
+      <p:sp>
+        <p:nvSpPr>
+          <p:cNvPr id="45" name="Right Arrow 44"/>
+          <p:cNvSpPr/>
+          <p:nvPr/>
+        </p:nvSpPr>
+        <p:spPr>
+          <a:xfrm>
+            <a:off x="11429995" y="6066323"/>
+            <a:ext cx="447675" cy="316907"/>
+          </a:xfrm>
+          <a:prstGeom prst="rightArrow">
+            <a:avLst/>
+          </a:prstGeom>
+        </p:spPr>
+        <p:style>
+          <a:lnRef idx="2">
+            <a:schemeClr val="accent1">
+              <a:shade val="50000"/>
+            </a:schemeClr>
+          </a:lnRef>
+          <a:fillRef idx="1">
+            <a:schemeClr val="accent1"/>
+          </a:fillRef>
+          <a:effectRef idx="0">
+            <a:schemeClr val="accent1"/>
+          </a:effectRef>
+          <a:fontRef idx="minor">
+            <a:schemeClr val="lt1"/>
+          </a:fontRef>
+        </p:style>
+        <p:txBody>
+          <a:bodyPr rtlCol="0" anchor="ctr"/>
+          <a:lstStyle/>
+          <a:p>
+            <a:pPr algn="ctr"/>
+            <a:endParaRPr lang="fi-FI"/>
+          </a:p>
+        </p:txBody>
+      </p:sp>
+      <p:sp>
+        <p:nvSpPr>
+          <p:cNvPr id="46" name="Rectangle 45"/>
+          <p:cNvSpPr/>
+          <p:nvPr/>
+        </p:nvSpPr>
+        <p:spPr>
+          <a:xfrm>
+            <a:off x="1911924" y="6593487"/>
+            <a:ext cx="10280076" cy="274320"/>
+          </a:xfrm>
+          <a:prstGeom prst="rect">
+            <a:avLst/>
+          </a:prstGeom>
+          <a:solidFill>
+            <a:schemeClr val="bg1">
+              <a:lumMod val="95000"/>
+            </a:schemeClr>
+          </a:solidFill>
+          <a:ln>
+            <a:noFill/>
+          </a:ln>
+        </p:spPr>
+        <p:style>
+          <a:lnRef idx="2">
+            <a:schemeClr val="accent1">
+              <a:shade val="50000"/>
+            </a:schemeClr>
+          </a:lnRef>
+          <a:fillRef idx="1">
+            <a:schemeClr val="accent1"/>
+          </a:fillRef>
+          <a:effectRef idx="0">
+            <a:schemeClr val="accent1"/>
+          </a:effectRef>
+          <a:fontRef idx="minor">
+            <a:schemeClr val="lt1"/>
+          </a:fontRef>
+        </p:style>
+        <p:txBody>
+          <a:bodyPr rtlCol="0" anchor="ctr"/>
+          <a:lstStyle/>
+          <a:p>
+            <a:r>
+              <a:rPr lang="fi-FI" sz="1200" dirty="0" smtClean="0">
+                <a:solidFill>
+                  <a:schemeClr val="tx1"/>
+                </a:solidFill>
+                <a:latin typeface="Yu Gothic Light" panose="020B0300000000000000" pitchFamily="34" charset="-128"/>
+                <a:ea typeface="Yu Gothic Light" panose="020B0300000000000000" pitchFamily="34" charset="-128"/>
+              </a:rPr>
+              <a:t>Haun tuloksia</a:t>
+            </a:r>
+            <a:endParaRPr lang="fi-FI" sz="1200" dirty="0">
+              <a:solidFill>
+                <a:schemeClr val="tx1"/>
+              </a:solidFill>
+              <a:latin typeface="Yu Gothic Light" panose="020B0300000000000000" pitchFamily="34" charset="-128"/>
+              <a:ea typeface="Yu Gothic Light" panose="020B0300000000000000" pitchFamily="34" charset="-128"/>
+            </a:endParaRPr>
+          </a:p>
+        </p:txBody>
+      </p:sp>
+      <p:sp>
+        <p:nvSpPr>
+          <p:cNvPr id="47" name="Rectangle 46"/>
+          <p:cNvSpPr/>
+          <p:nvPr/>
+        </p:nvSpPr>
+        <p:spPr>
+          <a:xfrm>
+            <a:off x="10390989" y="1588070"/>
+            <a:ext cx="1620030" cy="209103"/>
+          </a:xfrm>
+          <a:prstGeom prst="rect">
+            <a:avLst/>
+          </a:prstGeom>
+          <a:solidFill>
+            <a:schemeClr val="bg1"/>
+          </a:solidFill>
+        </p:spPr>
+        <p:style>
+          <a:lnRef idx="2">
+            <a:schemeClr val="accent1">
+              <a:shade val="50000"/>
+            </a:schemeClr>
+          </a:lnRef>
+          <a:fillRef idx="1">
+            <a:schemeClr val="accent1"/>
+          </a:fillRef>
+          <a:effectRef idx="0">
+            <a:schemeClr val="accent1"/>
+          </a:effectRef>
+          <a:fontRef idx="minor">
+            <a:schemeClr val="lt1"/>
+          </a:fontRef>
+        </p:style>
+        <p:txBody>
+          <a:bodyPr rtlCol="0" anchor="ctr"/>
+          <a:lstStyle/>
+          <a:p>
+            <a:r>
+              <a:rPr lang="fi-FI" sz="1200" dirty="0" smtClean="0">
+                <a:solidFill>
+                  <a:schemeClr val="tx1"/>
+                </a:solidFill>
+                <a:latin typeface="Yu Gothic Light" panose="020B0300000000000000" pitchFamily="34" charset="-128"/>
+                <a:ea typeface="Yu Gothic Light" panose="020B0300000000000000" pitchFamily="34" charset="-128"/>
+              </a:rPr>
+              <a:t>Haku...</a:t>
+            </a:r>
+            <a:endParaRPr lang="fi-FI" sz="1200" dirty="0">
+              <a:solidFill>
+                <a:schemeClr val="tx1"/>
+              </a:solidFill>
+              <a:latin typeface="Yu Gothic Light" panose="020B0300000000000000" pitchFamily="34" charset="-128"/>
+              <a:ea typeface="Yu Gothic Light" panose="020B0300000000000000" pitchFamily="34" charset="-128"/>
+            </a:endParaRPr>
+          </a:p>
+        </p:txBody>
+      </p:sp>
+      <p:sp>
+        <p:nvSpPr>
+          <p:cNvPr id="7" name="TextBox 6"/>
+          <p:cNvSpPr txBox="1"/>
+          <p:nvPr/>
+        </p:nvSpPr>
+        <p:spPr>
+          <a:xfrm>
+            <a:off x="4067175" y="2012502"/>
+            <a:ext cx="7229473" cy="276999"/>
+          </a:xfrm>
+          <a:prstGeom prst="rect">
+            <a:avLst/>
+          </a:prstGeom>
+          <a:noFill/>
+        </p:spPr>
+        <p:txBody>
+          <a:bodyPr wrap="square" rtlCol="0">
+            <a:spAutoFit/>
+          </a:bodyPr>
+          <a:lstStyle/>
+          <a:p>
+            <a:r>
+              <a:rPr lang="fi-FI" sz="1200" dirty="0" smtClean="0">
+                <a:latin typeface="Yu Gothic Light" panose="020B0300000000000000" pitchFamily="34" charset="-128"/>
+                <a:ea typeface="Yu Gothic Light" panose="020B0300000000000000" pitchFamily="34" charset="-128"/>
+              </a:rPr>
+              <a:t>Kuvaus</a:t>
+            </a:r>
+            <a:endParaRPr lang="fi-FI" sz="1200" dirty="0">
+              <a:latin typeface="Yu Gothic Light" panose="020B0300000000000000" pitchFamily="34" charset="-128"/>
+              <a:ea typeface="Yu Gothic Light" panose="020B0300000000000000" pitchFamily="34" charset="-128"/>
+            </a:endParaRPr>
+          </a:p>
+        </p:txBody>
+      </p:sp>
+      <p:sp>
+        <p:nvSpPr>
+          <p:cNvPr id="48" name="TextBox 47"/>
+          <p:cNvSpPr txBox="1"/>
+          <p:nvPr/>
+        </p:nvSpPr>
+        <p:spPr>
+          <a:xfrm>
+            <a:off x="2045271" y="2945508"/>
+            <a:ext cx="4004662" cy="369332"/>
+          </a:xfrm>
+          <a:prstGeom prst="rect">
+            <a:avLst/>
+          </a:prstGeom>
+          <a:noFill/>
+        </p:spPr>
+        <p:txBody>
+          <a:bodyPr wrap="square" rtlCol="0">
+            <a:spAutoFit/>
+          </a:bodyPr>
+          <a:lstStyle/>
+          <a:p>
+            <a:r>
+              <a:rPr lang="fi-FI" dirty="0" smtClean="0">
+                <a:latin typeface="Yu Gothic Light" panose="020B0300000000000000" pitchFamily="34" charset="-128"/>
+                <a:ea typeface="Yu Gothic Light" panose="020B0300000000000000" pitchFamily="34" charset="-128"/>
+              </a:rPr>
+              <a:t>Tiimin nimi</a:t>
+            </a:r>
+            <a:endParaRPr lang="fi-FI" dirty="0">
+              <a:latin typeface="Yu Gothic Light" panose="020B0300000000000000" pitchFamily="34" charset="-128"/>
+              <a:ea typeface="Yu Gothic Light" panose="020B0300000000000000" pitchFamily="34" charset="-128"/>
+            </a:endParaRPr>
+          </a:p>
+        </p:txBody>
+      </p:sp>
+      <p:sp>
+        <p:nvSpPr>
+          <p:cNvPr id="49" name="TextBox 48"/>
+          <p:cNvSpPr txBox="1"/>
+          <p:nvPr/>
+        </p:nvSpPr>
+        <p:spPr>
+          <a:xfrm>
+            <a:off x="2045271" y="3248452"/>
+            <a:ext cx="1421302" cy="276999"/>
+          </a:xfrm>
+          <a:prstGeom prst="rect">
+            <a:avLst/>
+          </a:prstGeom>
+          <a:noFill/>
+        </p:spPr>
+        <p:txBody>
+          <a:bodyPr wrap="square" rtlCol="0">
+            <a:spAutoFit/>
+          </a:bodyPr>
+          <a:lstStyle/>
+          <a:p>
+            <a:r>
+              <a:rPr lang="fi-FI" sz="1200" dirty="0" smtClean="0">
+                <a:latin typeface="Yu Gothic Light" panose="020B0300000000000000" pitchFamily="34" charset="-128"/>
+                <a:ea typeface="Yu Gothic Light" panose="020B0300000000000000" pitchFamily="34" charset="-128"/>
+              </a:rPr>
+              <a:t>Johtaja</a:t>
+            </a:r>
+            <a:endParaRPr lang="fi-FI" sz="1200" dirty="0">
+              <a:latin typeface="Yu Gothic Light" panose="020B0300000000000000" pitchFamily="34" charset="-128"/>
+              <a:ea typeface="Yu Gothic Light" panose="020B0300000000000000" pitchFamily="34" charset="-128"/>
+            </a:endParaRPr>
+          </a:p>
+        </p:txBody>
+      </p:sp>
+      <p:sp>
+        <p:nvSpPr>
+          <p:cNvPr id="50" name="TextBox 49"/>
+          <p:cNvSpPr txBox="1"/>
+          <p:nvPr/>
+        </p:nvSpPr>
+        <p:spPr>
+          <a:xfrm>
+            <a:off x="4059210" y="2945508"/>
+            <a:ext cx="7229473" cy="276999"/>
+          </a:xfrm>
+          <a:prstGeom prst="rect">
+            <a:avLst/>
+          </a:prstGeom>
+          <a:noFill/>
+        </p:spPr>
+        <p:txBody>
+          <a:bodyPr wrap="square" rtlCol="0">
+            <a:spAutoFit/>
+          </a:bodyPr>
+          <a:lstStyle/>
+          <a:p>
+            <a:r>
+              <a:rPr lang="fi-FI" sz="1200" dirty="0" smtClean="0">
+                <a:latin typeface="Yu Gothic Light" panose="020B0300000000000000" pitchFamily="34" charset="-128"/>
+                <a:ea typeface="Yu Gothic Light" panose="020B0300000000000000" pitchFamily="34" charset="-128"/>
+              </a:rPr>
+              <a:t>Kuvaus</a:t>
+            </a:r>
+            <a:endParaRPr lang="fi-FI" sz="1200" dirty="0">
+              <a:latin typeface="Yu Gothic Light" panose="020B0300000000000000" pitchFamily="34" charset="-128"/>
+              <a:ea typeface="Yu Gothic Light" panose="020B0300000000000000" pitchFamily="34" charset="-128"/>
+            </a:endParaRPr>
+          </a:p>
+        </p:txBody>
+      </p:sp>
+      <p:sp>
+        <p:nvSpPr>
+          <p:cNvPr id="51" name="TextBox 50"/>
+          <p:cNvSpPr txBox="1"/>
+          <p:nvPr/>
+        </p:nvSpPr>
+        <p:spPr>
+          <a:xfrm>
+            <a:off x="2053236" y="3956584"/>
+            <a:ext cx="4004662" cy="369332"/>
+          </a:xfrm>
+          <a:prstGeom prst="rect">
+            <a:avLst/>
+          </a:prstGeom>
+          <a:noFill/>
+        </p:spPr>
+        <p:txBody>
+          <a:bodyPr wrap="square" rtlCol="0">
+            <a:spAutoFit/>
+          </a:bodyPr>
+          <a:lstStyle/>
+          <a:p>
+            <a:r>
+              <a:rPr lang="fi-FI" dirty="0" smtClean="0">
+                <a:latin typeface="Yu Gothic Light" panose="020B0300000000000000" pitchFamily="34" charset="-128"/>
+                <a:ea typeface="Yu Gothic Light" panose="020B0300000000000000" pitchFamily="34" charset="-128"/>
+              </a:rPr>
+              <a:t>Tiimin nimi</a:t>
+            </a:r>
+            <a:endParaRPr lang="fi-FI" dirty="0">
+              <a:latin typeface="Yu Gothic Light" panose="020B0300000000000000" pitchFamily="34" charset="-128"/>
+              <a:ea typeface="Yu Gothic Light" panose="020B0300000000000000" pitchFamily="34" charset="-128"/>
+            </a:endParaRPr>
+          </a:p>
+        </p:txBody>
+      </p:sp>
+      <p:sp>
+        <p:nvSpPr>
+          <p:cNvPr id="52" name="TextBox 51"/>
+          <p:cNvSpPr txBox="1"/>
+          <p:nvPr/>
+        </p:nvSpPr>
+        <p:spPr>
+          <a:xfrm>
+            <a:off x="2053236" y="4259528"/>
+            <a:ext cx="1421302" cy="276999"/>
+          </a:xfrm>
+          <a:prstGeom prst="rect">
+            <a:avLst/>
+          </a:prstGeom>
+          <a:noFill/>
+        </p:spPr>
+        <p:txBody>
+          <a:bodyPr wrap="square" rtlCol="0">
+            <a:spAutoFit/>
+          </a:bodyPr>
+          <a:lstStyle/>
+          <a:p>
+            <a:r>
+              <a:rPr lang="fi-FI" sz="1200" dirty="0" smtClean="0">
+                <a:latin typeface="Yu Gothic Light" panose="020B0300000000000000" pitchFamily="34" charset="-128"/>
+                <a:ea typeface="Yu Gothic Light" panose="020B0300000000000000" pitchFamily="34" charset="-128"/>
+              </a:rPr>
+              <a:t>Johtaja</a:t>
+            </a:r>
+            <a:endParaRPr lang="fi-FI" sz="1200" dirty="0">
+              <a:latin typeface="Yu Gothic Light" panose="020B0300000000000000" pitchFamily="34" charset="-128"/>
+              <a:ea typeface="Yu Gothic Light" panose="020B0300000000000000" pitchFamily="34" charset="-128"/>
+            </a:endParaRPr>
+          </a:p>
+        </p:txBody>
+      </p:sp>
+      <p:sp>
+        <p:nvSpPr>
+          <p:cNvPr id="53" name="TextBox 52"/>
+          <p:cNvSpPr txBox="1"/>
+          <p:nvPr/>
+        </p:nvSpPr>
+        <p:spPr>
+          <a:xfrm>
+            <a:off x="4067175" y="3956584"/>
+            <a:ext cx="7229473" cy="276999"/>
+          </a:xfrm>
+          <a:prstGeom prst="rect">
+            <a:avLst/>
+          </a:prstGeom>
+          <a:noFill/>
+        </p:spPr>
+        <p:txBody>
+          <a:bodyPr wrap="square" rtlCol="0">
+            <a:spAutoFit/>
+          </a:bodyPr>
+          <a:lstStyle/>
+          <a:p>
+            <a:r>
+              <a:rPr lang="fi-FI" sz="1200" dirty="0" smtClean="0">
+                <a:latin typeface="Yu Gothic Light" panose="020B0300000000000000" pitchFamily="34" charset="-128"/>
+                <a:ea typeface="Yu Gothic Light" panose="020B0300000000000000" pitchFamily="34" charset="-128"/>
+              </a:rPr>
+              <a:t>Kuvaus</a:t>
+            </a:r>
+            <a:endParaRPr lang="fi-FI" sz="1200" dirty="0">
+              <a:latin typeface="Yu Gothic Light" panose="020B0300000000000000" pitchFamily="34" charset="-128"/>
+              <a:ea typeface="Yu Gothic Light" panose="020B0300000000000000" pitchFamily="34" charset="-128"/>
+            </a:endParaRPr>
+          </a:p>
+        </p:txBody>
+      </p:sp>
+      <p:sp>
+        <p:nvSpPr>
+          <p:cNvPr id="54" name="TextBox 53"/>
+          <p:cNvSpPr txBox="1"/>
+          <p:nvPr/>
+        </p:nvSpPr>
+        <p:spPr>
+          <a:xfrm>
+            <a:off x="2063153" y="4861249"/>
+            <a:ext cx="4004662" cy="369332"/>
+          </a:xfrm>
+          <a:prstGeom prst="rect">
+            <a:avLst/>
+          </a:prstGeom>
+          <a:noFill/>
+        </p:spPr>
+        <p:txBody>
+          <a:bodyPr wrap="square" rtlCol="0">
+            <a:spAutoFit/>
+          </a:bodyPr>
+          <a:lstStyle/>
+          <a:p>
+            <a:r>
+              <a:rPr lang="fi-FI" dirty="0" smtClean="0">
+                <a:latin typeface="Yu Gothic Light" panose="020B0300000000000000" pitchFamily="34" charset="-128"/>
+                <a:ea typeface="Yu Gothic Light" panose="020B0300000000000000" pitchFamily="34" charset="-128"/>
+              </a:rPr>
+              <a:t>Tiimin nimi</a:t>
+            </a:r>
+            <a:endParaRPr lang="fi-FI" dirty="0">
+              <a:latin typeface="Yu Gothic Light" panose="020B0300000000000000" pitchFamily="34" charset="-128"/>
+              <a:ea typeface="Yu Gothic Light" panose="020B0300000000000000" pitchFamily="34" charset="-128"/>
+            </a:endParaRPr>
+          </a:p>
+        </p:txBody>
+      </p:sp>
+      <p:sp>
+        <p:nvSpPr>
+          <p:cNvPr id="55" name="TextBox 54"/>
+          <p:cNvSpPr txBox="1"/>
+          <p:nvPr/>
+        </p:nvSpPr>
+        <p:spPr>
+          <a:xfrm>
+            <a:off x="2063153" y="5164193"/>
+            <a:ext cx="1421302" cy="276999"/>
+          </a:xfrm>
+          <a:prstGeom prst="rect">
+            <a:avLst/>
+          </a:prstGeom>
+          <a:noFill/>
+        </p:spPr>
+        <p:txBody>
+          <a:bodyPr wrap="square" rtlCol="0">
+            <a:spAutoFit/>
+          </a:bodyPr>
+          <a:lstStyle/>
+          <a:p>
+            <a:r>
+              <a:rPr lang="fi-FI" sz="1200" dirty="0" smtClean="0">
+                <a:latin typeface="Yu Gothic Light" panose="020B0300000000000000" pitchFamily="34" charset="-128"/>
+                <a:ea typeface="Yu Gothic Light" panose="020B0300000000000000" pitchFamily="34" charset="-128"/>
+              </a:rPr>
+              <a:t>Johtaja</a:t>
+            </a:r>
+            <a:endParaRPr lang="fi-FI" sz="1200" dirty="0">
+              <a:latin typeface="Yu Gothic Light" panose="020B0300000000000000" pitchFamily="34" charset="-128"/>
+              <a:ea typeface="Yu Gothic Light" panose="020B0300000000000000" pitchFamily="34" charset="-128"/>
+            </a:endParaRPr>
+          </a:p>
+        </p:txBody>
+      </p:sp>
+      <p:sp>
+        <p:nvSpPr>
+          <p:cNvPr id="56" name="TextBox 55"/>
+          <p:cNvSpPr txBox="1"/>
+          <p:nvPr/>
+        </p:nvSpPr>
+        <p:spPr>
+          <a:xfrm>
+            <a:off x="4077092" y="4861249"/>
+            <a:ext cx="7229473" cy="276999"/>
+          </a:xfrm>
+          <a:prstGeom prst="rect">
+            <a:avLst/>
+          </a:prstGeom>
+          <a:noFill/>
+        </p:spPr>
+        <p:txBody>
+          <a:bodyPr wrap="square" rtlCol="0">
+            <a:spAutoFit/>
+          </a:bodyPr>
+          <a:lstStyle/>
+          <a:p>
+            <a:r>
+              <a:rPr lang="fi-FI" sz="1200" dirty="0" smtClean="0">
+                <a:latin typeface="Yu Gothic Light" panose="020B0300000000000000" pitchFamily="34" charset="-128"/>
+                <a:ea typeface="Yu Gothic Light" panose="020B0300000000000000" pitchFamily="34" charset="-128"/>
+              </a:rPr>
+              <a:t>Kuvaus</a:t>
+            </a:r>
+            <a:endParaRPr lang="fi-FI" sz="1200" dirty="0">
+              <a:latin typeface="Yu Gothic Light" panose="020B0300000000000000" pitchFamily="34" charset="-128"/>
+              <a:ea typeface="Yu Gothic Light" panose="020B0300000000000000" pitchFamily="34" charset="-128"/>
+            </a:endParaRPr>
+          </a:p>
+        </p:txBody>
+      </p:sp>
+      <p:sp>
+        <p:nvSpPr>
+          <p:cNvPr id="57" name="TextBox 56"/>
+          <p:cNvSpPr txBox="1"/>
+          <p:nvPr/>
+        </p:nvSpPr>
+        <p:spPr>
+          <a:xfrm>
+            <a:off x="2073070" y="5815338"/>
+            <a:ext cx="4004662" cy="369332"/>
+          </a:xfrm>
+          <a:prstGeom prst="rect">
+            <a:avLst/>
+          </a:prstGeom>
+          <a:noFill/>
+        </p:spPr>
+        <p:txBody>
+          <a:bodyPr wrap="square" rtlCol="0">
+            <a:spAutoFit/>
+          </a:bodyPr>
+          <a:lstStyle/>
+          <a:p>
+            <a:r>
+              <a:rPr lang="fi-FI" dirty="0" smtClean="0">
+                <a:latin typeface="Yu Gothic Light" panose="020B0300000000000000" pitchFamily="34" charset="-128"/>
+                <a:ea typeface="Yu Gothic Light" panose="020B0300000000000000" pitchFamily="34" charset="-128"/>
+              </a:rPr>
+              <a:t>Tiimin nimi</a:t>
+            </a:r>
+            <a:endParaRPr lang="fi-FI" dirty="0">
+              <a:latin typeface="Yu Gothic Light" panose="020B0300000000000000" pitchFamily="34" charset="-128"/>
+              <a:ea typeface="Yu Gothic Light" panose="020B0300000000000000" pitchFamily="34" charset="-128"/>
+            </a:endParaRPr>
+          </a:p>
+        </p:txBody>
+      </p:sp>
+      <p:sp>
+        <p:nvSpPr>
+          <p:cNvPr id="58" name="TextBox 57"/>
+          <p:cNvSpPr txBox="1"/>
+          <p:nvPr/>
+        </p:nvSpPr>
+        <p:spPr>
+          <a:xfrm>
+            <a:off x="2073070" y="6118282"/>
+            <a:ext cx="1421302" cy="276999"/>
+          </a:xfrm>
+          <a:prstGeom prst="rect">
+            <a:avLst/>
+          </a:prstGeom>
+          <a:noFill/>
+        </p:spPr>
+        <p:txBody>
+          <a:bodyPr wrap="square" rtlCol="0">
+            <a:spAutoFit/>
+          </a:bodyPr>
+          <a:lstStyle/>
+          <a:p>
+            <a:r>
+              <a:rPr lang="fi-FI" sz="1200" dirty="0" smtClean="0">
+                <a:latin typeface="Yu Gothic Light" panose="020B0300000000000000" pitchFamily="34" charset="-128"/>
+                <a:ea typeface="Yu Gothic Light" panose="020B0300000000000000" pitchFamily="34" charset="-128"/>
+              </a:rPr>
+              <a:t>Johtaja</a:t>
+            </a:r>
+            <a:endParaRPr lang="fi-FI" sz="1200" dirty="0">
+              <a:latin typeface="Yu Gothic Light" panose="020B0300000000000000" pitchFamily="34" charset="-128"/>
+              <a:ea typeface="Yu Gothic Light" panose="020B0300000000000000" pitchFamily="34" charset="-128"/>
+            </a:endParaRPr>
+          </a:p>
+        </p:txBody>
+      </p:sp>
+      <p:sp>
+        <p:nvSpPr>
+          <p:cNvPr id="59" name="TextBox 58"/>
+          <p:cNvSpPr txBox="1"/>
+          <p:nvPr/>
+        </p:nvSpPr>
+        <p:spPr>
+          <a:xfrm>
+            <a:off x="4087009" y="5815338"/>
+            <a:ext cx="7229473" cy="276999"/>
+          </a:xfrm>
+          <a:prstGeom prst="rect">
+            <a:avLst/>
+          </a:prstGeom>
+          <a:noFill/>
+        </p:spPr>
+        <p:txBody>
+          <a:bodyPr wrap="square" rtlCol="0">
+            <a:spAutoFit/>
+          </a:bodyPr>
+          <a:lstStyle/>
+          <a:p>
+            <a:r>
+              <a:rPr lang="fi-FI" sz="1200" dirty="0" smtClean="0">
+                <a:latin typeface="Yu Gothic Light" panose="020B0300000000000000" pitchFamily="34" charset="-128"/>
+                <a:ea typeface="Yu Gothic Light" panose="020B0300000000000000" pitchFamily="34" charset="-128"/>
+              </a:rPr>
+              <a:t>Kuvaus</a:t>
+            </a:r>
+            <a:endParaRPr lang="fi-FI" sz="1200" dirty="0">
+              <a:latin typeface="Yu Gothic Light" panose="020B0300000000000000" pitchFamily="34" charset="-128"/>
+              <a:ea typeface="Yu Gothic Light" panose="020B0300000000000000" pitchFamily="34" charset="-128"/>
+            </a:endParaRPr>
+          </a:p>
+        </p:txBody>
+      </p:sp>
+    </p:spTree>
+    <p:extLst>
+      <p:ext uri="{BB962C8B-B14F-4D97-AF65-F5344CB8AC3E}">
+        <p14:creationId xmlns:p14="http://schemas.microsoft.com/office/powerpoint/2010/main" val="1046872507"/>
+      </p:ext>
+    </p:extLst>
+  </p:cSld>
+  <p:clrMapOvr>
+    <a:masterClrMapping/>
+  </p:clrMapOvr>
+  <p:timing>
+    <p:tnLst>
+      <p:par>
+        <p:cTn id="1" dur="indefinite" restart="never" nodeType="tmRoot"/>
+      </p:par>
+    </p:tnLst>
+  </p:timing>
+</p:sld>
+</file>
+
+<file path=ppt/slides/slide11.xml><?xml version="1.0" encoding="utf-8"?>
+<p:sld xmlns:a="http://schemas.openxmlformats.org/drawingml/2006/main" xmlns:r="http://schemas.openxmlformats.org/officeDocument/2006/relationships" xmlns:p="http://schemas.openxmlformats.org/presentationml/2006/main">
+  <p:cSld>
+    <p:spTree>
+      <p:nvGrpSpPr>
+        <p:cNvPr id="1" name=""/>
+        <p:cNvGrpSpPr/>
+        <p:nvPr/>
+      </p:nvGrpSpPr>
+      <p:grpSpPr>
+        <a:xfrm>
+          <a:off x="0" y="0"/>
+          <a:ext cx="0" cy="0"/>
+          <a:chOff x="0" y="0"/>
+          <a:chExt cx="0" cy="0"/>
+        </a:xfrm>
+      </p:grpSpPr>
+      <p:sp>
+        <p:nvSpPr>
+          <p:cNvPr id="2" name="Rectangle 1"/>
+          <p:cNvSpPr/>
+          <p:nvPr/>
+        </p:nvSpPr>
+        <p:spPr>
+          <a:xfrm>
+            <a:off x="0" y="1521229"/>
+            <a:ext cx="1911927" cy="5336771"/>
+          </a:xfrm>
+          <a:prstGeom prst="rect">
+            <a:avLst/>
+          </a:prstGeom>
+          <a:solidFill>
+            <a:srgbClr val="2186BB"/>
+          </a:solidFill>
+          <a:ln>
+            <a:noFill/>
+          </a:ln>
+        </p:spPr>
+        <p:style>
+          <a:lnRef idx="2">
+            <a:schemeClr val="accent3">
+              <a:shade val="50000"/>
+            </a:schemeClr>
+          </a:lnRef>
+          <a:fillRef idx="1">
+            <a:schemeClr val="accent3"/>
+          </a:fillRef>
+          <a:effectRef idx="0">
+            <a:schemeClr val="accent3"/>
+          </a:effectRef>
+          <a:fontRef idx="minor">
+            <a:schemeClr val="lt1"/>
+          </a:fontRef>
+        </p:style>
+        <p:txBody>
+          <a:bodyPr rtlCol="0" anchor="ctr"/>
+          <a:lstStyle/>
+          <a:p>
+            <a:pPr algn="ctr"/>
+            <a:endParaRPr lang="fi-FI" sz="1600" dirty="0">
+              <a:latin typeface="Yu Gothic Light" panose="020B0300000000000000" pitchFamily="34" charset="-128"/>
+              <a:ea typeface="Yu Gothic Light" panose="020B0300000000000000" pitchFamily="34" charset="-128"/>
+            </a:endParaRPr>
+          </a:p>
+        </p:txBody>
+      </p:sp>
+      <p:sp>
+        <p:nvSpPr>
+          <p:cNvPr id="3" name="Rectangle 2"/>
+          <p:cNvSpPr/>
+          <p:nvPr/>
+        </p:nvSpPr>
+        <p:spPr>
+          <a:xfrm>
+            <a:off x="0" y="2480283"/>
+            <a:ext cx="1911927" cy="349134"/>
+          </a:xfrm>
+          <a:prstGeom prst="rect">
+            <a:avLst/>
+          </a:prstGeom>
+          <a:solidFill>
+            <a:srgbClr val="2186BB"/>
+          </a:solidFill>
+          <a:ln>
+            <a:noFill/>
+          </a:ln>
+        </p:spPr>
+        <p:style>
+          <a:lnRef idx="2">
+            <a:schemeClr val="accent1">
+              <a:shade val="50000"/>
+            </a:schemeClr>
+          </a:lnRef>
+          <a:fillRef idx="1">
+            <a:schemeClr val="accent1"/>
+          </a:fillRef>
+          <a:effectRef idx="0">
+            <a:schemeClr val="accent1"/>
+          </a:effectRef>
+          <a:fontRef idx="minor">
+            <a:schemeClr val="lt1"/>
+          </a:fontRef>
+        </p:style>
+        <p:txBody>
+          <a:bodyPr rtlCol="0" anchor="ctr"/>
+          <a:lstStyle/>
+          <a:p>
+            <a:pPr algn="ctr"/>
+            <a:r>
+              <a:rPr lang="fi-FI" sz="1600" dirty="0" smtClean="0">
+                <a:latin typeface="Yu Gothic Light" panose="020B0300000000000000" pitchFamily="34" charset="-128"/>
+                <a:ea typeface="Yu Gothic Light" panose="020B0300000000000000" pitchFamily="34" charset="-128"/>
+              </a:rPr>
+              <a:t>Etusivu</a:t>
+            </a:r>
+            <a:endParaRPr lang="fi-FI" sz="1600" dirty="0">
+              <a:latin typeface="Yu Gothic Light" panose="020B0300000000000000" pitchFamily="34" charset="-128"/>
+              <a:ea typeface="Yu Gothic Light" panose="020B0300000000000000" pitchFamily="34" charset="-128"/>
+            </a:endParaRPr>
+          </a:p>
+        </p:txBody>
+      </p:sp>
+      <p:sp>
+        <p:nvSpPr>
+          <p:cNvPr id="11" name="Rectangle 10"/>
+          <p:cNvSpPr/>
+          <p:nvPr/>
+        </p:nvSpPr>
+        <p:spPr>
+          <a:xfrm>
+            <a:off x="-3" y="2920859"/>
+            <a:ext cx="1911927" cy="349134"/>
+          </a:xfrm>
+          <a:prstGeom prst="rect">
+            <a:avLst/>
+          </a:prstGeom>
+          <a:solidFill>
+            <a:srgbClr val="2186BB"/>
+          </a:solidFill>
+          <a:ln>
+            <a:noFill/>
+          </a:ln>
+        </p:spPr>
+        <p:style>
+          <a:lnRef idx="2">
+            <a:schemeClr val="accent1">
+              <a:shade val="50000"/>
+            </a:schemeClr>
+          </a:lnRef>
+          <a:fillRef idx="1">
+            <a:schemeClr val="accent1"/>
+          </a:fillRef>
+          <a:effectRef idx="0">
+            <a:schemeClr val="accent1"/>
+          </a:effectRef>
+          <a:fontRef idx="minor">
+            <a:schemeClr val="lt1"/>
+          </a:fontRef>
+        </p:style>
+        <p:txBody>
+          <a:bodyPr rtlCol="0" anchor="ctr"/>
+          <a:lstStyle/>
+          <a:p>
+            <a:pPr algn="ctr"/>
+            <a:r>
+              <a:rPr lang="fi-FI" sz="1600" dirty="0" smtClean="0">
+                <a:latin typeface="Yu Gothic Light" panose="020B0300000000000000" pitchFamily="34" charset="-128"/>
+                <a:ea typeface="Yu Gothic Light" panose="020B0300000000000000" pitchFamily="34" charset="-128"/>
+              </a:rPr>
+              <a:t>Oppilaat</a:t>
+            </a:r>
+            <a:endParaRPr lang="fi-FI" sz="1600" dirty="0">
+              <a:latin typeface="Yu Gothic Light" panose="020B0300000000000000" pitchFamily="34" charset="-128"/>
+              <a:ea typeface="Yu Gothic Light" panose="020B0300000000000000" pitchFamily="34" charset="-128"/>
+            </a:endParaRPr>
+          </a:p>
+        </p:txBody>
+      </p:sp>
+      <p:sp>
+        <p:nvSpPr>
+          <p:cNvPr id="12" name="Rectangle 11"/>
+          <p:cNvSpPr/>
+          <p:nvPr/>
+        </p:nvSpPr>
+        <p:spPr>
+          <a:xfrm>
+            <a:off x="-3" y="3361435"/>
+            <a:ext cx="1911927" cy="349134"/>
+          </a:xfrm>
+          <a:prstGeom prst="rect">
+            <a:avLst/>
+          </a:prstGeom>
+          <a:solidFill>
+            <a:srgbClr val="2186BB"/>
+          </a:solidFill>
+          <a:ln>
+            <a:noFill/>
+          </a:ln>
+        </p:spPr>
+        <p:style>
+          <a:lnRef idx="2">
+            <a:schemeClr val="accent1">
+              <a:shade val="50000"/>
+            </a:schemeClr>
+          </a:lnRef>
+          <a:fillRef idx="1">
+            <a:schemeClr val="accent1"/>
+          </a:fillRef>
+          <a:effectRef idx="0">
+            <a:schemeClr val="accent1"/>
+          </a:effectRef>
+          <a:fontRef idx="minor">
+            <a:schemeClr val="lt1"/>
+          </a:fontRef>
+        </p:style>
+        <p:txBody>
+          <a:bodyPr rtlCol="0" anchor="ctr"/>
+          <a:lstStyle/>
+          <a:p>
+            <a:pPr algn="ctr"/>
+            <a:r>
+              <a:rPr lang="fi-FI" sz="1600" dirty="0" smtClean="0">
+                <a:latin typeface="Yu Gothic Light" panose="020B0300000000000000" pitchFamily="34" charset="-128"/>
+                <a:ea typeface="Yu Gothic Light" panose="020B0300000000000000" pitchFamily="34" charset="-128"/>
+              </a:rPr>
+              <a:t>Ilmoittautuneet</a:t>
+            </a:r>
+            <a:endParaRPr lang="fi-FI" sz="1600" dirty="0">
+              <a:latin typeface="Yu Gothic Light" panose="020B0300000000000000" pitchFamily="34" charset="-128"/>
+              <a:ea typeface="Yu Gothic Light" panose="020B0300000000000000" pitchFamily="34" charset="-128"/>
+            </a:endParaRPr>
+          </a:p>
+        </p:txBody>
+      </p:sp>
+      <p:sp>
+        <p:nvSpPr>
+          <p:cNvPr id="13" name="Rectangle 12"/>
+          <p:cNvSpPr/>
+          <p:nvPr/>
+        </p:nvSpPr>
+        <p:spPr>
+          <a:xfrm>
+            <a:off x="0" y="3802011"/>
+            <a:ext cx="1911927" cy="432261"/>
+          </a:xfrm>
+          <a:prstGeom prst="rect">
+            <a:avLst/>
+          </a:prstGeom>
+          <a:solidFill>
+            <a:srgbClr val="2186BB"/>
+          </a:solidFill>
+          <a:ln>
+            <a:noFill/>
+          </a:ln>
+        </p:spPr>
+        <p:style>
+          <a:lnRef idx="2">
+            <a:schemeClr val="accent1">
+              <a:shade val="50000"/>
+            </a:schemeClr>
+          </a:lnRef>
+          <a:fillRef idx="1">
+            <a:schemeClr val="accent1"/>
+          </a:fillRef>
+          <a:effectRef idx="0">
+            <a:schemeClr val="accent1"/>
+          </a:effectRef>
+          <a:fontRef idx="minor">
+            <a:schemeClr val="lt1"/>
+          </a:fontRef>
+        </p:style>
+        <p:txBody>
+          <a:bodyPr rtlCol="0" anchor="ctr"/>
+          <a:lstStyle/>
+          <a:p>
+            <a:pPr algn="ctr"/>
+            <a:r>
+              <a:rPr lang="fi-FI" sz="1600" dirty="0" smtClean="0">
+                <a:latin typeface="Yu Gothic Light" panose="020B0300000000000000" pitchFamily="34" charset="-128"/>
+                <a:ea typeface="Yu Gothic Light" panose="020B0300000000000000" pitchFamily="34" charset="-128"/>
+              </a:rPr>
+              <a:t>Uutiset</a:t>
+            </a:r>
+            <a:endParaRPr lang="fi-FI" sz="1600" dirty="0">
+              <a:latin typeface="Yu Gothic Light" panose="020B0300000000000000" pitchFamily="34" charset="-128"/>
+              <a:ea typeface="Yu Gothic Light" panose="020B0300000000000000" pitchFamily="34" charset="-128"/>
+            </a:endParaRPr>
+          </a:p>
+        </p:txBody>
+      </p:sp>
+      <p:sp>
+        <p:nvSpPr>
+          <p:cNvPr id="14" name="Rectangle 13"/>
+          <p:cNvSpPr/>
+          <p:nvPr/>
+        </p:nvSpPr>
+        <p:spPr>
+          <a:xfrm>
+            <a:off x="0" y="4325714"/>
+            <a:ext cx="1911927" cy="432261"/>
+          </a:xfrm>
+          <a:prstGeom prst="rect">
+            <a:avLst/>
+          </a:prstGeom>
+          <a:solidFill>
+            <a:srgbClr val="2186BB"/>
+          </a:solidFill>
+          <a:ln>
+            <a:noFill/>
+          </a:ln>
+        </p:spPr>
+        <p:style>
+          <a:lnRef idx="2">
+            <a:schemeClr val="accent1">
+              <a:shade val="50000"/>
+            </a:schemeClr>
+          </a:lnRef>
+          <a:fillRef idx="1">
+            <a:schemeClr val="accent1"/>
+          </a:fillRef>
+          <a:effectRef idx="0">
+            <a:schemeClr val="accent1"/>
+          </a:effectRef>
+          <a:fontRef idx="minor">
+            <a:schemeClr val="lt1"/>
+          </a:fontRef>
+        </p:style>
+        <p:txBody>
+          <a:bodyPr rtlCol="0" anchor="ctr"/>
+          <a:lstStyle/>
+          <a:p>
+            <a:pPr algn="ctr"/>
+            <a:r>
+              <a:rPr lang="fi-FI" sz="1600" dirty="0" smtClean="0">
+                <a:latin typeface="Yu Gothic Light" panose="020B0300000000000000" pitchFamily="34" charset="-128"/>
+                <a:ea typeface="Yu Gothic Light" panose="020B0300000000000000" pitchFamily="34" charset="-128"/>
+              </a:rPr>
+              <a:t>Viestit</a:t>
+            </a:r>
+            <a:endParaRPr lang="fi-FI" sz="1600" dirty="0">
+              <a:latin typeface="Yu Gothic Light" panose="020B0300000000000000" pitchFamily="34" charset="-128"/>
+              <a:ea typeface="Yu Gothic Light" panose="020B0300000000000000" pitchFamily="34" charset="-128"/>
+            </a:endParaRPr>
+          </a:p>
+        </p:txBody>
+      </p:sp>
+      <p:sp>
+        <p:nvSpPr>
+          <p:cNvPr id="4" name="TextBox 3"/>
+          <p:cNvSpPr txBox="1"/>
+          <p:nvPr/>
+        </p:nvSpPr>
+        <p:spPr>
+          <a:xfrm>
+            <a:off x="141316" y="1587731"/>
+            <a:ext cx="1554480" cy="338554"/>
+          </a:xfrm>
+          <a:prstGeom prst="rect">
+            <a:avLst/>
+          </a:prstGeom>
+          <a:noFill/>
+        </p:spPr>
+        <p:txBody>
+          <a:bodyPr wrap="square" rtlCol="0">
+            <a:spAutoFit/>
+          </a:bodyPr>
+          <a:lstStyle/>
+          <a:p>
+            <a:r>
+              <a:rPr lang="fi-FI" sz="1600" b="1" dirty="0" smtClean="0">
+                <a:solidFill>
+                  <a:schemeClr val="bg1"/>
+                </a:solidFill>
+                <a:latin typeface="Yu Gothic Light" panose="020B0300000000000000" pitchFamily="34" charset="-128"/>
+                <a:ea typeface="Yu Gothic Light" panose="020B0300000000000000" pitchFamily="34" charset="-128"/>
+              </a:rPr>
+              <a:t>Käyttäjänimi</a:t>
+            </a:r>
+            <a:endParaRPr lang="fi-FI" sz="1600" b="1" dirty="0">
+              <a:solidFill>
+                <a:schemeClr val="bg1"/>
+              </a:solidFill>
+              <a:latin typeface="Yu Gothic Light" panose="020B0300000000000000" pitchFamily="34" charset="-128"/>
+              <a:ea typeface="Yu Gothic Light" panose="020B0300000000000000" pitchFamily="34" charset="-128"/>
+            </a:endParaRPr>
+          </a:p>
+        </p:txBody>
+      </p:sp>
+      <p:sp>
+        <p:nvSpPr>
+          <p:cNvPr id="5" name="TextBox 4"/>
+          <p:cNvSpPr txBox="1"/>
+          <p:nvPr/>
+        </p:nvSpPr>
+        <p:spPr>
+          <a:xfrm>
+            <a:off x="141316" y="1926285"/>
+            <a:ext cx="1379913" cy="246221"/>
+          </a:xfrm>
+          <a:prstGeom prst="rect">
+            <a:avLst/>
+          </a:prstGeom>
+          <a:noFill/>
+        </p:spPr>
+        <p:txBody>
+          <a:bodyPr wrap="square" rtlCol="0">
+            <a:spAutoFit/>
+          </a:bodyPr>
+          <a:lstStyle/>
+          <a:p>
+            <a:r>
+              <a:rPr lang="fi-FI" sz="1000" dirty="0" smtClean="0">
+                <a:solidFill>
+                  <a:srgbClr val="88D1D9"/>
+                </a:solidFill>
+                <a:latin typeface="Yu Gothic Light" panose="020B0300000000000000" pitchFamily="34" charset="-128"/>
+                <a:ea typeface="Yu Gothic Light" panose="020B0300000000000000" pitchFamily="34" charset="-128"/>
+              </a:rPr>
+              <a:t>Kirjaudu ulos</a:t>
+            </a:r>
+            <a:endParaRPr lang="fi-FI" sz="1000" dirty="0">
+              <a:solidFill>
+                <a:srgbClr val="88D1D9"/>
+              </a:solidFill>
+              <a:latin typeface="Yu Gothic Light" panose="020B0300000000000000" pitchFamily="34" charset="-128"/>
+              <a:ea typeface="Yu Gothic Light" panose="020B0300000000000000" pitchFamily="34" charset="-128"/>
+            </a:endParaRPr>
+          </a:p>
+        </p:txBody>
+      </p:sp>
+      <p:sp>
+        <p:nvSpPr>
+          <p:cNvPr id="10" name="Rectangle 9"/>
+          <p:cNvSpPr/>
+          <p:nvPr/>
+        </p:nvSpPr>
+        <p:spPr>
+          <a:xfrm>
+            <a:off x="0" y="4849417"/>
+            <a:ext cx="1911927" cy="349134"/>
+          </a:xfrm>
+          <a:prstGeom prst="rect">
+            <a:avLst/>
+          </a:prstGeom>
+          <a:solidFill>
+            <a:srgbClr val="307FB4"/>
+          </a:solidFill>
+          <a:ln>
+            <a:noFill/>
+          </a:ln>
+        </p:spPr>
+        <p:style>
+          <a:lnRef idx="2">
+            <a:schemeClr val="accent1">
+              <a:shade val="50000"/>
+            </a:schemeClr>
+          </a:lnRef>
+          <a:fillRef idx="1">
+            <a:schemeClr val="accent1"/>
+          </a:fillRef>
+          <a:effectRef idx="0">
+            <a:schemeClr val="accent1"/>
+          </a:effectRef>
+          <a:fontRef idx="minor">
+            <a:schemeClr val="lt1"/>
+          </a:fontRef>
+        </p:style>
+        <p:txBody>
+          <a:bodyPr rtlCol="0" anchor="ctr"/>
+          <a:lstStyle/>
+          <a:p>
+            <a:pPr algn="ctr"/>
+            <a:r>
+              <a:rPr lang="fi-FI" sz="1600" dirty="0" err="1" smtClean="0">
+                <a:latin typeface="Yu Gothic Light" panose="020B0300000000000000" pitchFamily="34" charset="-128"/>
+                <a:ea typeface="Yu Gothic Light" panose="020B0300000000000000" pitchFamily="34" charset="-128"/>
+              </a:rPr>
+              <a:t>Arvionnit</a:t>
+            </a:r>
+            <a:endParaRPr lang="fi-FI" sz="1600" dirty="0">
+              <a:latin typeface="Yu Gothic Light" panose="020B0300000000000000" pitchFamily="34" charset="-128"/>
+              <a:ea typeface="Yu Gothic Light" panose="020B0300000000000000" pitchFamily="34" charset="-128"/>
+            </a:endParaRPr>
+          </a:p>
+        </p:txBody>
+      </p:sp>
+      <p:sp>
+        <p:nvSpPr>
+          <p:cNvPr id="6" name="Rectangle 5"/>
+          <p:cNvSpPr/>
+          <p:nvPr/>
+        </p:nvSpPr>
+        <p:spPr>
+          <a:xfrm>
+            <a:off x="1911924" y="1521228"/>
+            <a:ext cx="10280076" cy="342789"/>
+          </a:xfrm>
+          <a:prstGeom prst="rect">
+            <a:avLst/>
+          </a:prstGeom>
+          <a:solidFill>
+            <a:schemeClr val="bg1">
+              <a:lumMod val="95000"/>
+            </a:schemeClr>
+          </a:solidFill>
+          <a:ln>
+            <a:noFill/>
+          </a:ln>
+        </p:spPr>
+        <p:style>
+          <a:lnRef idx="2">
+            <a:schemeClr val="accent1">
+              <a:shade val="50000"/>
+            </a:schemeClr>
+          </a:lnRef>
+          <a:fillRef idx="1">
+            <a:schemeClr val="accent1"/>
+          </a:fillRef>
+          <a:effectRef idx="0">
+            <a:schemeClr val="accent1"/>
+          </a:effectRef>
+          <a:fontRef idx="minor">
+            <a:schemeClr val="lt1"/>
+          </a:fontRef>
+        </p:style>
+        <p:txBody>
+          <a:bodyPr rtlCol="0" anchor="ctr"/>
+          <a:lstStyle/>
+          <a:p>
+            <a:endParaRPr lang="fi-FI" sz="1200" dirty="0">
+              <a:solidFill>
+                <a:schemeClr val="tx1"/>
+              </a:solidFill>
+              <a:latin typeface="Yu Gothic Light" panose="020B0300000000000000" pitchFamily="34" charset="-128"/>
+              <a:ea typeface="Yu Gothic Light" panose="020B0300000000000000" pitchFamily="34" charset="-128"/>
+            </a:endParaRPr>
+          </a:p>
+        </p:txBody>
+      </p:sp>
+      <p:sp>
+        <p:nvSpPr>
+          <p:cNvPr id="15" name="Rectangle 14"/>
+          <p:cNvSpPr/>
+          <p:nvPr/>
+        </p:nvSpPr>
+        <p:spPr>
+          <a:xfrm>
+            <a:off x="2053240" y="2012502"/>
+            <a:ext cx="9957783" cy="816915"/>
+          </a:xfrm>
+          <a:prstGeom prst="rect">
+            <a:avLst/>
+          </a:prstGeom>
+          <a:noFill/>
+        </p:spPr>
+        <p:style>
+          <a:lnRef idx="2">
+            <a:schemeClr val="accent1">
+              <a:shade val="50000"/>
+            </a:schemeClr>
+          </a:lnRef>
+          <a:fillRef idx="1">
+            <a:schemeClr val="accent1"/>
+          </a:fillRef>
+          <a:effectRef idx="0">
+            <a:schemeClr val="accent1"/>
+          </a:effectRef>
+          <a:fontRef idx="minor">
+            <a:schemeClr val="lt1"/>
+          </a:fontRef>
+        </p:style>
+        <p:txBody>
+          <a:bodyPr rtlCol="0" anchor="ctr"/>
+          <a:lstStyle/>
+          <a:p>
+            <a:pPr algn="ctr"/>
+            <a:endParaRPr lang="fi-FI">
+              <a:latin typeface="Yu Gothic Light" panose="020B0300000000000000" pitchFamily="34" charset="-128"/>
+              <a:ea typeface="Yu Gothic Light" panose="020B0300000000000000" pitchFamily="34" charset="-128"/>
+            </a:endParaRPr>
+          </a:p>
+        </p:txBody>
+      </p:sp>
+      <p:sp>
+        <p:nvSpPr>
+          <p:cNvPr id="16" name="Rectangle 15"/>
+          <p:cNvSpPr/>
+          <p:nvPr/>
+        </p:nvSpPr>
+        <p:spPr>
+          <a:xfrm>
+            <a:off x="2053240" y="2960153"/>
+            <a:ext cx="9957783" cy="816915"/>
+          </a:xfrm>
+          <a:prstGeom prst="rect">
+            <a:avLst/>
+          </a:prstGeom>
+          <a:noFill/>
+        </p:spPr>
+        <p:style>
+          <a:lnRef idx="2">
+            <a:schemeClr val="accent1">
+              <a:shade val="50000"/>
+            </a:schemeClr>
+          </a:lnRef>
+          <a:fillRef idx="1">
+            <a:schemeClr val="accent1"/>
+          </a:fillRef>
+          <a:effectRef idx="0">
+            <a:schemeClr val="accent1"/>
+          </a:effectRef>
+          <a:fontRef idx="minor">
+            <a:schemeClr val="lt1"/>
+          </a:fontRef>
+        </p:style>
+        <p:txBody>
+          <a:bodyPr rtlCol="0" anchor="ctr"/>
+          <a:lstStyle/>
+          <a:p>
+            <a:pPr algn="ctr"/>
+            <a:endParaRPr lang="fi-FI">
+              <a:latin typeface="Yu Gothic Light" panose="020B0300000000000000" pitchFamily="34" charset="-128"/>
+              <a:ea typeface="Yu Gothic Light" panose="020B0300000000000000" pitchFamily="34" charset="-128"/>
+            </a:endParaRPr>
+          </a:p>
+        </p:txBody>
+      </p:sp>
+      <p:sp>
+        <p:nvSpPr>
+          <p:cNvPr id="17" name="Rectangle 16"/>
+          <p:cNvSpPr/>
+          <p:nvPr/>
+        </p:nvSpPr>
+        <p:spPr>
+          <a:xfrm>
+            <a:off x="2053239" y="3912031"/>
+            <a:ext cx="9957783" cy="816915"/>
+          </a:xfrm>
+          <a:prstGeom prst="rect">
+            <a:avLst/>
+          </a:prstGeom>
+          <a:noFill/>
+        </p:spPr>
+        <p:style>
+          <a:lnRef idx="2">
+            <a:schemeClr val="accent1">
+              <a:shade val="50000"/>
+            </a:schemeClr>
+          </a:lnRef>
+          <a:fillRef idx="1">
+            <a:schemeClr val="accent1"/>
+          </a:fillRef>
+          <a:effectRef idx="0">
+            <a:schemeClr val="accent1"/>
+          </a:effectRef>
+          <a:fontRef idx="minor">
+            <a:schemeClr val="lt1"/>
+          </a:fontRef>
+        </p:style>
+        <p:txBody>
+          <a:bodyPr rtlCol="0" anchor="ctr"/>
+          <a:lstStyle/>
+          <a:p>
+            <a:pPr algn="ctr"/>
+            <a:endParaRPr lang="fi-FI">
+              <a:latin typeface="Yu Gothic Light" panose="020B0300000000000000" pitchFamily="34" charset="-128"/>
+              <a:ea typeface="Yu Gothic Light" panose="020B0300000000000000" pitchFamily="34" charset="-128"/>
+            </a:endParaRPr>
+          </a:p>
+        </p:txBody>
+      </p:sp>
+      <p:sp>
+        <p:nvSpPr>
+          <p:cNvPr id="18" name="Rectangle 17"/>
+          <p:cNvSpPr/>
+          <p:nvPr/>
+        </p:nvSpPr>
+        <p:spPr>
+          <a:xfrm>
+            <a:off x="2053236" y="4859682"/>
+            <a:ext cx="9957783" cy="816915"/>
+          </a:xfrm>
+          <a:prstGeom prst="rect">
+            <a:avLst/>
+          </a:prstGeom>
+          <a:noFill/>
+        </p:spPr>
+        <p:style>
+          <a:lnRef idx="2">
+            <a:schemeClr val="accent1">
+              <a:shade val="50000"/>
+            </a:schemeClr>
+          </a:lnRef>
+          <a:fillRef idx="1">
+            <a:schemeClr val="accent1"/>
+          </a:fillRef>
+          <a:effectRef idx="0">
+            <a:schemeClr val="accent1"/>
+          </a:effectRef>
+          <a:fontRef idx="minor">
+            <a:schemeClr val="lt1"/>
+          </a:fontRef>
+        </p:style>
+        <p:txBody>
+          <a:bodyPr rtlCol="0" anchor="ctr"/>
+          <a:lstStyle/>
+          <a:p>
+            <a:pPr algn="ctr"/>
+            <a:endParaRPr lang="fi-FI">
+              <a:latin typeface="Yu Gothic Light" panose="020B0300000000000000" pitchFamily="34" charset="-128"/>
+              <a:ea typeface="Yu Gothic Light" panose="020B0300000000000000" pitchFamily="34" charset="-128"/>
+            </a:endParaRPr>
+          </a:p>
+        </p:txBody>
+      </p:sp>
+      <p:sp>
+        <p:nvSpPr>
+          <p:cNvPr id="19" name="Rectangle 18"/>
+          <p:cNvSpPr/>
+          <p:nvPr/>
+        </p:nvSpPr>
+        <p:spPr>
+          <a:xfrm>
+            <a:off x="2053236" y="5807333"/>
+            <a:ext cx="9957783" cy="816915"/>
+          </a:xfrm>
+          <a:prstGeom prst="rect">
+            <a:avLst/>
+          </a:prstGeom>
+          <a:noFill/>
+        </p:spPr>
+        <p:style>
+          <a:lnRef idx="2">
+            <a:schemeClr val="accent1">
+              <a:shade val="50000"/>
+            </a:schemeClr>
+          </a:lnRef>
+          <a:fillRef idx="1">
+            <a:schemeClr val="accent1"/>
+          </a:fillRef>
+          <a:effectRef idx="0">
+            <a:schemeClr val="accent1"/>
+          </a:effectRef>
+          <a:fontRef idx="minor">
+            <a:schemeClr val="lt1"/>
+          </a:fontRef>
+        </p:style>
+        <p:txBody>
+          <a:bodyPr rtlCol="0" anchor="ctr"/>
+          <a:lstStyle/>
+          <a:p>
+            <a:pPr algn="ctr"/>
+            <a:endParaRPr lang="fi-FI">
+              <a:latin typeface="Yu Gothic Light" panose="020B0300000000000000" pitchFamily="34" charset="-128"/>
+              <a:ea typeface="Yu Gothic Light" panose="020B0300000000000000" pitchFamily="34" charset="-128"/>
+            </a:endParaRPr>
+          </a:p>
+        </p:txBody>
+      </p:sp>
+      <p:sp>
+        <p:nvSpPr>
+          <p:cNvPr id="20" name="TextBox 19"/>
+          <p:cNvSpPr txBox="1"/>
+          <p:nvPr/>
+        </p:nvSpPr>
+        <p:spPr>
+          <a:xfrm>
+            <a:off x="2053236" y="2012502"/>
+            <a:ext cx="4004662" cy="369332"/>
+          </a:xfrm>
+          <a:prstGeom prst="rect">
+            <a:avLst/>
+          </a:prstGeom>
+          <a:noFill/>
+        </p:spPr>
+        <p:txBody>
+          <a:bodyPr wrap="square" rtlCol="0">
+            <a:spAutoFit/>
+          </a:bodyPr>
+          <a:lstStyle/>
+          <a:p>
+            <a:r>
+              <a:rPr lang="fi-FI" dirty="0" smtClean="0">
+                <a:latin typeface="Yu Gothic Light" panose="020B0300000000000000" pitchFamily="34" charset="-128"/>
+                <a:ea typeface="Yu Gothic Light" panose="020B0300000000000000" pitchFamily="34" charset="-128"/>
+              </a:rPr>
+              <a:t>Oppilaan nimi</a:t>
+            </a:r>
+            <a:endParaRPr lang="fi-FI" dirty="0">
+              <a:latin typeface="Yu Gothic Light" panose="020B0300000000000000" pitchFamily="34" charset="-128"/>
+              <a:ea typeface="Yu Gothic Light" panose="020B0300000000000000" pitchFamily="34" charset="-128"/>
+            </a:endParaRPr>
+          </a:p>
+        </p:txBody>
+      </p:sp>
+      <p:sp>
+        <p:nvSpPr>
+          <p:cNvPr id="23" name="TextBox 22"/>
+          <p:cNvSpPr txBox="1"/>
+          <p:nvPr/>
+        </p:nvSpPr>
+        <p:spPr>
+          <a:xfrm>
+            <a:off x="2053236" y="2315446"/>
+            <a:ext cx="1421302" cy="276999"/>
+          </a:xfrm>
+          <a:prstGeom prst="rect">
+            <a:avLst/>
+          </a:prstGeom>
+          <a:noFill/>
+        </p:spPr>
+        <p:txBody>
+          <a:bodyPr wrap="square" rtlCol="0">
+            <a:spAutoFit/>
+          </a:bodyPr>
+          <a:lstStyle/>
+          <a:p>
+            <a:r>
+              <a:rPr lang="fi-FI" sz="1200" dirty="0" smtClean="0">
+                <a:latin typeface="Yu Gothic Light" panose="020B0300000000000000" pitchFamily="34" charset="-128"/>
+                <a:ea typeface="Yu Gothic Light" panose="020B0300000000000000" pitchFamily="34" charset="-128"/>
+              </a:rPr>
+              <a:t>Ryhmä</a:t>
+            </a:r>
+            <a:endParaRPr lang="fi-FI" sz="1200" dirty="0">
+              <a:latin typeface="Yu Gothic Light" panose="020B0300000000000000" pitchFamily="34" charset="-128"/>
+              <a:ea typeface="Yu Gothic Light" panose="020B0300000000000000" pitchFamily="34" charset="-128"/>
+            </a:endParaRPr>
+          </a:p>
+        </p:txBody>
+      </p:sp>
+      <p:sp>
+        <p:nvSpPr>
+          <p:cNvPr id="24" name="Rectangle 23"/>
+          <p:cNvSpPr/>
+          <p:nvPr/>
+        </p:nvSpPr>
+        <p:spPr>
+          <a:xfrm>
+            <a:off x="11296648" y="2012502"/>
+            <a:ext cx="714371" cy="816915"/>
+          </a:xfrm>
+          <a:prstGeom prst="rect">
+            <a:avLst/>
+          </a:prstGeom>
+          <a:solidFill>
+            <a:schemeClr val="bg1"/>
+          </a:solidFill>
+        </p:spPr>
+        <p:style>
+          <a:lnRef idx="2">
+            <a:schemeClr val="accent1">
+              <a:shade val="50000"/>
+            </a:schemeClr>
+          </a:lnRef>
+          <a:fillRef idx="1">
+            <a:schemeClr val="accent1"/>
+          </a:fillRef>
+          <a:effectRef idx="0">
+            <a:schemeClr val="accent1"/>
+          </a:effectRef>
+          <a:fontRef idx="minor">
+            <a:schemeClr val="lt1"/>
+          </a:fontRef>
+        </p:style>
+        <p:txBody>
+          <a:bodyPr rtlCol="0" anchor="ctr"/>
+          <a:lstStyle/>
+          <a:p>
+            <a:pPr algn="ctr"/>
+            <a:endParaRPr lang="fi-FI"/>
+          </a:p>
+        </p:txBody>
+      </p:sp>
+      <p:sp>
+        <p:nvSpPr>
+          <p:cNvPr id="25" name="Right Arrow 24"/>
+          <p:cNvSpPr/>
+          <p:nvPr/>
+        </p:nvSpPr>
+        <p:spPr>
+          <a:xfrm>
+            <a:off x="11429995" y="2265582"/>
+            <a:ext cx="447675" cy="316907"/>
+          </a:xfrm>
+          <a:prstGeom prst="rightArrow">
+            <a:avLst/>
+          </a:prstGeom>
+        </p:spPr>
+        <p:style>
+          <a:lnRef idx="2">
+            <a:schemeClr val="accent1">
+              <a:shade val="50000"/>
+            </a:schemeClr>
+          </a:lnRef>
+          <a:fillRef idx="1">
+            <a:schemeClr val="accent1"/>
+          </a:fillRef>
+          <a:effectRef idx="0">
+            <a:schemeClr val="accent1"/>
+          </a:effectRef>
+          <a:fontRef idx="minor">
+            <a:schemeClr val="lt1"/>
+          </a:fontRef>
+        </p:style>
+        <p:txBody>
+          <a:bodyPr rtlCol="0" anchor="ctr"/>
+          <a:lstStyle/>
+          <a:p>
+            <a:pPr algn="ctr"/>
+            <a:endParaRPr lang="fi-FI"/>
+          </a:p>
+        </p:txBody>
+      </p:sp>
+      <p:sp>
+        <p:nvSpPr>
+          <p:cNvPr id="29" name="Rectangle 28"/>
+          <p:cNvSpPr/>
+          <p:nvPr/>
+        </p:nvSpPr>
+        <p:spPr>
+          <a:xfrm>
+            <a:off x="11296648" y="2963372"/>
+            <a:ext cx="714371" cy="819622"/>
+          </a:xfrm>
+          <a:prstGeom prst="rect">
+            <a:avLst/>
+          </a:prstGeom>
+          <a:solidFill>
+            <a:schemeClr val="bg1"/>
+          </a:solidFill>
+        </p:spPr>
+        <p:style>
+          <a:lnRef idx="2">
+            <a:schemeClr val="accent1">
+              <a:shade val="50000"/>
+            </a:schemeClr>
+          </a:lnRef>
+          <a:fillRef idx="1">
+            <a:schemeClr val="accent1"/>
+          </a:fillRef>
+          <a:effectRef idx="0">
+            <a:schemeClr val="accent1"/>
+          </a:effectRef>
+          <a:fontRef idx="minor">
+            <a:schemeClr val="lt1"/>
+          </a:fontRef>
+        </p:style>
+        <p:txBody>
+          <a:bodyPr rtlCol="0" anchor="ctr"/>
+          <a:lstStyle/>
+          <a:p>
+            <a:pPr algn="ctr"/>
+            <a:endParaRPr lang="fi-FI"/>
+          </a:p>
+        </p:txBody>
+      </p:sp>
+      <p:sp>
+        <p:nvSpPr>
+          <p:cNvPr id="30" name="Right Arrow 29"/>
+          <p:cNvSpPr/>
+          <p:nvPr/>
+        </p:nvSpPr>
+        <p:spPr>
+          <a:xfrm>
+            <a:off x="11429995" y="3219159"/>
+            <a:ext cx="447675" cy="316907"/>
+          </a:xfrm>
+          <a:prstGeom prst="rightArrow">
+            <a:avLst/>
+          </a:prstGeom>
+        </p:spPr>
+        <p:style>
+          <a:lnRef idx="2">
+            <a:schemeClr val="accent1">
+              <a:shade val="50000"/>
+            </a:schemeClr>
+          </a:lnRef>
+          <a:fillRef idx="1">
+            <a:schemeClr val="accent1"/>
+          </a:fillRef>
+          <a:effectRef idx="0">
+            <a:schemeClr val="accent1"/>
+          </a:effectRef>
+          <a:fontRef idx="minor">
+            <a:schemeClr val="lt1"/>
+          </a:fontRef>
+        </p:style>
+        <p:txBody>
+          <a:bodyPr rtlCol="0" anchor="ctr"/>
+          <a:lstStyle/>
+          <a:p>
+            <a:pPr algn="ctr"/>
+            <a:endParaRPr lang="fi-FI"/>
+          </a:p>
+        </p:txBody>
+      </p:sp>
+      <p:sp>
+        <p:nvSpPr>
+          <p:cNvPr id="34" name="Rectangle 33"/>
+          <p:cNvSpPr/>
+          <p:nvPr/>
+        </p:nvSpPr>
+        <p:spPr>
+          <a:xfrm>
+            <a:off x="11296648" y="3916120"/>
+            <a:ext cx="714371" cy="810097"/>
+          </a:xfrm>
+          <a:prstGeom prst="rect">
+            <a:avLst/>
+          </a:prstGeom>
+          <a:solidFill>
+            <a:schemeClr val="bg1"/>
+          </a:solidFill>
+        </p:spPr>
+        <p:style>
+          <a:lnRef idx="2">
+            <a:schemeClr val="accent1">
+              <a:shade val="50000"/>
+            </a:schemeClr>
+          </a:lnRef>
+          <a:fillRef idx="1">
+            <a:schemeClr val="accent1"/>
+          </a:fillRef>
+          <a:effectRef idx="0">
+            <a:schemeClr val="accent1"/>
+          </a:effectRef>
+          <a:fontRef idx="minor">
+            <a:schemeClr val="lt1"/>
+          </a:fontRef>
+        </p:style>
+        <p:txBody>
+          <a:bodyPr rtlCol="0" anchor="ctr"/>
+          <a:lstStyle/>
+          <a:p>
+            <a:pPr algn="ctr"/>
+            <a:endParaRPr lang="fi-FI"/>
+          </a:p>
+        </p:txBody>
+      </p:sp>
+      <p:sp>
+        <p:nvSpPr>
+          <p:cNvPr id="35" name="Right Arrow 34"/>
+          <p:cNvSpPr/>
+          <p:nvPr/>
+        </p:nvSpPr>
+        <p:spPr>
+          <a:xfrm>
+            <a:off x="11429995" y="4171907"/>
+            <a:ext cx="447675" cy="316907"/>
+          </a:xfrm>
+          <a:prstGeom prst="rightArrow">
+            <a:avLst/>
+          </a:prstGeom>
+        </p:spPr>
+        <p:style>
+          <a:lnRef idx="2">
+            <a:schemeClr val="accent1">
+              <a:shade val="50000"/>
+            </a:schemeClr>
+          </a:lnRef>
+          <a:fillRef idx="1">
+            <a:schemeClr val="accent1"/>
+          </a:fillRef>
+          <a:effectRef idx="0">
+            <a:schemeClr val="accent1"/>
+          </a:effectRef>
+          <a:fontRef idx="minor">
+            <a:schemeClr val="lt1"/>
+          </a:fontRef>
+        </p:style>
+        <p:txBody>
+          <a:bodyPr rtlCol="0" anchor="ctr"/>
+          <a:lstStyle/>
+          <a:p>
+            <a:pPr algn="ctr"/>
+            <a:endParaRPr lang="fi-FI"/>
+          </a:p>
+        </p:txBody>
+      </p:sp>
+      <p:sp>
+        <p:nvSpPr>
+          <p:cNvPr id="39" name="Rectangle 38"/>
+          <p:cNvSpPr/>
+          <p:nvPr/>
+        </p:nvSpPr>
+        <p:spPr>
+          <a:xfrm>
+            <a:off x="11316482" y="4860172"/>
+            <a:ext cx="714371" cy="816915"/>
+          </a:xfrm>
+          <a:prstGeom prst="rect">
+            <a:avLst/>
+          </a:prstGeom>
+          <a:solidFill>
+            <a:schemeClr val="bg1"/>
+          </a:solidFill>
+        </p:spPr>
+        <p:style>
+          <a:lnRef idx="2">
+            <a:schemeClr val="accent1">
+              <a:shade val="50000"/>
+            </a:schemeClr>
+          </a:lnRef>
+          <a:fillRef idx="1">
+            <a:schemeClr val="accent1"/>
+          </a:fillRef>
+          <a:effectRef idx="0">
+            <a:schemeClr val="accent1"/>
+          </a:effectRef>
+          <a:fontRef idx="minor">
+            <a:schemeClr val="lt1"/>
+          </a:fontRef>
+        </p:style>
+        <p:txBody>
+          <a:bodyPr rtlCol="0" anchor="ctr"/>
+          <a:lstStyle/>
+          <a:p>
+            <a:pPr algn="ctr"/>
+            <a:endParaRPr lang="fi-FI"/>
+          </a:p>
+        </p:txBody>
+      </p:sp>
+      <p:sp>
+        <p:nvSpPr>
+          <p:cNvPr id="40" name="Right Arrow 39"/>
+          <p:cNvSpPr/>
+          <p:nvPr/>
+        </p:nvSpPr>
+        <p:spPr>
+          <a:xfrm>
+            <a:off x="11449829" y="5113252"/>
+            <a:ext cx="447675" cy="316907"/>
+          </a:xfrm>
+          <a:prstGeom prst="rightArrow">
+            <a:avLst/>
+          </a:prstGeom>
+        </p:spPr>
+        <p:style>
+          <a:lnRef idx="2">
+            <a:schemeClr val="accent1">
+              <a:shade val="50000"/>
+            </a:schemeClr>
+          </a:lnRef>
+          <a:fillRef idx="1">
+            <a:schemeClr val="accent1"/>
+          </a:fillRef>
+          <a:effectRef idx="0">
+            <a:schemeClr val="accent1"/>
+          </a:effectRef>
+          <a:fontRef idx="minor">
+            <a:schemeClr val="lt1"/>
+          </a:fontRef>
+        </p:style>
+        <p:txBody>
+          <a:bodyPr rtlCol="0" anchor="ctr"/>
+          <a:lstStyle/>
+          <a:p>
+            <a:pPr algn="ctr"/>
+            <a:endParaRPr lang="fi-FI"/>
+          </a:p>
+        </p:txBody>
+      </p:sp>
+      <p:sp>
+        <p:nvSpPr>
+          <p:cNvPr id="44" name="Rectangle 43"/>
+          <p:cNvSpPr/>
+          <p:nvPr/>
+        </p:nvSpPr>
+        <p:spPr>
+          <a:xfrm>
+            <a:off x="11296648" y="5813243"/>
+            <a:ext cx="714371" cy="811005"/>
+          </a:xfrm>
+          <a:prstGeom prst="rect">
+            <a:avLst/>
+          </a:prstGeom>
+          <a:solidFill>
+            <a:schemeClr val="bg1"/>
+          </a:solidFill>
+        </p:spPr>
+        <p:style>
+          <a:lnRef idx="2">
+            <a:schemeClr val="accent1">
+              <a:shade val="50000"/>
+            </a:schemeClr>
+          </a:lnRef>
+          <a:fillRef idx="1">
+            <a:schemeClr val="accent1"/>
+          </a:fillRef>
+          <a:effectRef idx="0">
+            <a:schemeClr val="accent1"/>
+          </a:effectRef>
+          <a:fontRef idx="minor">
+            <a:schemeClr val="lt1"/>
+          </a:fontRef>
+        </p:style>
+        <p:txBody>
+          <a:bodyPr rtlCol="0" anchor="ctr"/>
+          <a:lstStyle/>
+          <a:p>
+            <a:pPr algn="ctr"/>
+            <a:endParaRPr lang="fi-FI"/>
+          </a:p>
+        </p:txBody>
+      </p:sp>
+      <p:sp>
+        <p:nvSpPr>
+          <p:cNvPr id="45" name="Right Arrow 44"/>
+          <p:cNvSpPr/>
+          <p:nvPr/>
+        </p:nvSpPr>
+        <p:spPr>
+          <a:xfrm>
+            <a:off x="11429995" y="6066323"/>
+            <a:ext cx="447675" cy="316907"/>
+          </a:xfrm>
+          <a:prstGeom prst="rightArrow">
+            <a:avLst/>
+          </a:prstGeom>
+        </p:spPr>
+        <p:style>
+          <a:lnRef idx="2">
+            <a:schemeClr val="accent1">
+              <a:shade val="50000"/>
+            </a:schemeClr>
+          </a:lnRef>
+          <a:fillRef idx="1">
+            <a:schemeClr val="accent1"/>
+          </a:fillRef>
+          <a:effectRef idx="0">
+            <a:schemeClr val="accent1"/>
+          </a:effectRef>
+          <a:fontRef idx="minor">
+            <a:schemeClr val="lt1"/>
+          </a:fontRef>
+        </p:style>
+        <p:txBody>
+          <a:bodyPr rtlCol="0" anchor="ctr"/>
+          <a:lstStyle/>
+          <a:p>
+            <a:pPr algn="ctr"/>
+            <a:endParaRPr lang="fi-FI"/>
+          </a:p>
+        </p:txBody>
+      </p:sp>
+      <p:sp>
+        <p:nvSpPr>
+          <p:cNvPr id="46" name="Rectangle 45"/>
+          <p:cNvSpPr/>
+          <p:nvPr/>
+        </p:nvSpPr>
+        <p:spPr>
+          <a:xfrm>
+            <a:off x="1911924" y="6593487"/>
+            <a:ext cx="10280076" cy="274320"/>
+          </a:xfrm>
+          <a:prstGeom prst="rect">
+            <a:avLst/>
+          </a:prstGeom>
+          <a:solidFill>
+            <a:schemeClr val="bg1">
+              <a:lumMod val="95000"/>
+            </a:schemeClr>
+          </a:solidFill>
+          <a:ln>
+            <a:noFill/>
+          </a:ln>
+        </p:spPr>
+        <p:style>
+          <a:lnRef idx="2">
+            <a:schemeClr val="accent1">
+              <a:shade val="50000"/>
+            </a:schemeClr>
+          </a:lnRef>
+          <a:fillRef idx="1">
+            <a:schemeClr val="accent1"/>
+          </a:fillRef>
+          <a:effectRef idx="0">
+            <a:schemeClr val="accent1"/>
+          </a:effectRef>
+          <a:fontRef idx="minor">
+            <a:schemeClr val="lt1"/>
+          </a:fontRef>
+        </p:style>
+        <p:txBody>
+          <a:bodyPr rtlCol="0" anchor="ctr"/>
+          <a:lstStyle/>
+          <a:p>
+            <a:r>
+              <a:rPr lang="fi-FI" sz="1200" dirty="0" smtClean="0">
+                <a:solidFill>
+                  <a:schemeClr val="tx1"/>
+                </a:solidFill>
+                <a:latin typeface="Yu Gothic Light" panose="020B0300000000000000" pitchFamily="34" charset="-128"/>
+                <a:ea typeface="Yu Gothic Light" panose="020B0300000000000000" pitchFamily="34" charset="-128"/>
+              </a:rPr>
+              <a:t>Haun tuloksia</a:t>
+            </a:r>
+            <a:endParaRPr lang="fi-FI" sz="1200" dirty="0">
+              <a:solidFill>
+                <a:schemeClr val="tx1"/>
+              </a:solidFill>
+              <a:latin typeface="Yu Gothic Light" panose="020B0300000000000000" pitchFamily="34" charset="-128"/>
+              <a:ea typeface="Yu Gothic Light" panose="020B0300000000000000" pitchFamily="34" charset="-128"/>
+            </a:endParaRPr>
+          </a:p>
+        </p:txBody>
+      </p:sp>
+      <p:sp>
+        <p:nvSpPr>
+          <p:cNvPr id="47" name="Rectangle 46"/>
+          <p:cNvSpPr/>
+          <p:nvPr/>
+        </p:nvSpPr>
+        <p:spPr>
+          <a:xfrm>
+            <a:off x="10390989" y="1588070"/>
+            <a:ext cx="1620030" cy="209103"/>
+          </a:xfrm>
+          <a:prstGeom prst="rect">
+            <a:avLst/>
+          </a:prstGeom>
+          <a:solidFill>
+            <a:schemeClr val="bg1"/>
+          </a:solidFill>
+        </p:spPr>
+        <p:style>
+          <a:lnRef idx="2">
+            <a:schemeClr val="accent1">
+              <a:shade val="50000"/>
+            </a:schemeClr>
+          </a:lnRef>
+          <a:fillRef idx="1">
+            <a:schemeClr val="accent1"/>
+          </a:fillRef>
+          <a:effectRef idx="0">
+            <a:schemeClr val="accent1"/>
+          </a:effectRef>
+          <a:fontRef idx="minor">
+            <a:schemeClr val="lt1"/>
+          </a:fontRef>
+        </p:style>
+        <p:txBody>
+          <a:bodyPr rtlCol="0" anchor="ctr"/>
+          <a:lstStyle/>
+          <a:p>
+            <a:r>
+              <a:rPr lang="fi-FI" sz="1200" dirty="0" smtClean="0">
+                <a:solidFill>
+                  <a:schemeClr val="tx1"/>
+                </a:solidFill>
+                <a:latin typeface="Yu Gothic Light" panose="020B0300000000000000" pitchFamily="34" charset="-128"/>
+                <a:ea typeface="Yu Gothic Light" panose="020B0300000000000000" pitchFamily="34" charset="-128"/>
+              </a:rPr>
+              <a:t>Haku...</a:t>
+            </a:r>
+            <a:endParaRPr lang="fi-FI" sz="1200" dirty="0">
+              <a:solidFill>
+                <a:schemeClr val="tx1"/>
+              </a:solidFill>
+              <a:latin typeface="Yu Gothic Light" panose="020B0300000000000000" pitchFamily="34" charset="-128"/>
+              <a:ea typeface="Yu Gothic Light" panose="020B0300000000000000" pitchFamily="34" charset="-128"/>
+            </a:endParaRPr>
+          </a:p>
+        </p:txBody>
+      </p:sp>
+      <p:sp>
+        <p:nvSpPr>
+          <p:cNvPr id="7" name="TextBox 6"/>
+          <p:cNvSpPr txBox="1"/>
+          <p:nvPr/>
+        </p:nvSpPr>
+        <p:spPr>
+          <a:xfrm>
+            <a:off x="4067175" y="2012502"/>
+            <a:ext cx="7229473" cy="276999"/>
+          </a:xfrm>
+          <a:prstGeom prst="rect">
+            <a:avLst/>
+          </a:prstGeom>
+          <a:noFill/>
+        </p:spPr>
+        <p:txBody>
+          <a:bodyPr wrap="square" rtlCol="0">
+            <a:spAutoFit/>
+          </a:bodyPr>
+          <a:lstStyle/>
+          <a:p>
+            <a:r>
+              <a:rPr lang="fi-FI" sz="1200" dirty="0" smtClean="0">
+                <a:latin typeface="Yu Gothic Light" panose="020B0300000000000000" pitchFamily="34" charset="-128"/>
+                <a:ea typeface="Yu Gothic Light" panose="020B0300000000000000" pitchFamily="34" charset="-128"/>
+              </a:rPr>
+              <a:t>Tilanne</a:t>
+            </a:r>
+            <a:endParaRPr lang="fi-FI" sz="1200" dirty="0">
+              <a:latin typeface="Yu Gothic Light" panose="020B0300000000000000" pitchFamily="34" charset="-128"/>
+              <a:ea typeface="Yu Gothic Light" panose="020B0300000000000000" pitchFamily="34" charset="-128"/>
+            </a:endParaRPr>
+          </a:p>
+        </p:txBody>
+      </p:sp>
+      <p:sp>
+        <p:nvSpPr>
+          <p:cNvPr id="48" name="TextBox 47"/>
+          <p:cNvSpPr txBox="1"/>
+          <p:nvPr/>
+        </p:nvSpPr>
+        <p:spPr>
+          <a:xfrm>
+            <a:off x="2045271" y="2945508"/>
+            <a:ext cx="4004662" cy="369332"/>
+          </a:xfrm>
+          <a:prstGeom prst="rect">
+            <a:avLst/>
+          </a:prstGeom>
+          <a:noFill/>
+        </p:spPr>
+        <p:txBody>
+          <a:bodyPr wrap="square" rtlCol="0">
+            <a:spAutoFit/>
+          </a:bodyPr>
+          <a:lstStyle/>
+          <a:p>
+            <a:r>
+              <a:rPr lang="fi-FI" dirty="0">
+                <a:latin typeface="Yu Gothic Light" panose="020B0300000000000000" pitchFamily="34" charset="-128"/>
+                <a:ea typeface="Yu Gothic Light" panose="020B0300000000000000" pitchFamily="34" charset="-128"/>
+              </a:rPr>
+              <a:t>Oppilaan nimi</a:t>
+            </a:r>
+            <a:endParaRPr lang="fi-FI" dirty="0">
+              <a:latin typeface="Yu Gothic Light" panose="020B0300000000000000" pitchFamily="34" charset="-128"/>
+              <a:ea typeface="Yu Gothic Light" panose="020B0300000000000000" pitchFamily="34" charset="-128"/>
+            </a:endParaRPr>
+          </a:p>
+        </p:txBody>
+      </p:sp>
+      <p:sp>
+        <p:nvSpPr>
+          <p:cNvPr id="49" name="TextBox 48"/>
+          <p:cNvSpPr txBox="1"/>
+          <p:nvPr/>
+        </p:nvSpPr>
+        <p:spPr>
+          <a:xfrm>
+            <a:off x="2045271" y="3248452"/>
+            <a:ext cx="1421302" cy="276999"/>
+          </a:xfrm>
+          <a:prstGeom prst="rect">
+            <a:avLst/>
+          </a:prstGeom>
+          <a:noFill/>
+        </p:spPr>
+        <p:txBody>
+          <a:bodyPr wrap="square" rtlCol="0">
+            <a:spAutoFit/>
+          </a:bodyPr>
+          <a:lstStyle/>
+          <a:p>
+            <a:r>
+              <a:rPr lang="fi-FI" sz="1200" dirty="0" smtClean="0">
+                <a:latin typeface="Yu Gothic Light" panose="020B0300000000000000" pitchFamily="34" charset="-128"/>
+                <a:ea typeface="Yu Gothic Light" panose="020B0300000000000000" pitchFamily="34" charset="-128"/>
+              </a:rPr>
+              <a:t>Ryhmä</a:t>
+            </a:r>
+            <a:endParaRPr lang="fi-FI" sz="1200" dirty="0">
+              <a:latin typeface="Yu Gothic Light" panose="020B0300000000000000" pitchFamily="34" charset="-128"/>
+              <a:ea typeface="Yu Gothic Light" panose="020B0300000000000000" pitchFamily="34" charset="-128"/>
+            </a:endParaRPr>
+          </a:p>
+        </p:txBody>
+      </p:sp>
+      <p:sp>
+        <p:nvSpPr>
+          <p:cNvPr id="50" name="TextBox 49"/>
+          <p:cNvSpPr txBox="1"/>
+          <p:nvPr/>
+        </p:nvSpPr>
+        <p:spPr>
+          <a:xfrm>
+            <a:off x="4059210" y="2945508"/>
+            <a:ext cx="7229473" cy="276999"/>
+          </a:xfrm>
+          <a:prstGeom prst="rect">
+            <a:avLst/>
+          </a:prstGeom>
+          <a:noFill/>
+        </p:spPr>
+        <p:txBody>
+          <a:bodyPr wrap="square" rtlCol="0">
+            <a:spAutoFit/>
+          </a:bodyPr>
+          <a:lstStyle/>
+          <a:p>
+            <a:r>
+              <a:rPr lang="fi-FI" sz="1200" dirty="0">
+                <a:latin typeface="Yu Gothic Light" panose="020B0300000000000000" pitchFamily="34" charset="-128"/>
+                <a:ea typeface="Yu Gothic Light" panose="020B0300000000000000" pitchFamily="34" charset="-128"/>
+              </a:rPr>
+              <a:t>Tilanne</a:t>
+            </a:r>
+            <a:endParaRPr lang="fi-FI" sz="1200" dirty="0">
+              <a:latin typeface="Yu Gothic Light" panose="020B0300000000000000" pitchFamily="34" charset="-128"/>
+              <a:ea typeface="Yu Gothic Light" panose="020B0300000000000000" pitchFamily="34" charset="-128"/>
+            </a:endParaRPr>
+          </a:p>
+        </p:txBody>
+      </p:sp>
+      <p:sp>
+        <p:nvSpPr>
+          <p:cNvPr id="51" name="TextBox 50"/>
+          <p:cNvSpPr txBox="1"/>
+          <p:nvPr/>
+        </p:nvSpPr>
+        <p:spPr>
+          <a:xfrm>
+            <a:off x="2053236" y="3956584"/>
+            <a:ext cx="4004662" cy="369332"/>
+          </a:xfrm>
+          <a:prstGeom prst="rect">
+            <a:avLst/>
+          </a:prstGeom>
+          <a:noFill/>
+        </p:spPr>
+        <p:txBody>
+          <a:bodyPr wrap="square" rtlCol="0">
+            <a:spAutoFit/>
+          </a:bodyPr>
+          <a:lstStyle/>
+          <a:p>
+            <a:r>
+              <a:rPr lang="fi-FI" dirty="0">
+                <a:latin typeface="Yu Gothic Light" panose="020B0300000000000000" pitchFamily="34" charset="-128"/>
+                <a:ea typeface="Yu Gothic Light" panose="020B0300000000000000" pitchFamily="34" charset="-128"/>
+              </a:rPr>
+              <a:t>Oppilaan nimi</a:t>
+            </a:r>
+            <a:endParaRPr lang="fi-FI" dirty="0">
+              <a:latin typeface="Yu Gothic Light" panose="020B0300000000000000" pitchFamily="34" charset="-128"/>
+              <a:ea typeface="Yu Gothic Light" panose="020B0300000000000000" pitchFamily="34" charset="-128"/>
+            </a:endParaRPr>
+          </a:p>
+        </p:txBody>
+      </p:sp>
+      <p:sp>
+        <p:nvSpPr>
+          <p:cNvPr id="52" name="TextBox 51"/>
+          <p:cNvSpPr txBox="1"/>
+          <p:nvPr/>
+        </p:nvSpPr>
+        <p:spPr>
+          <a:xfrm>
+            <a:off x="2053236" y="4259528"/>
+            <a:ext cx="1421302" cy="276999"/>
+          </a:xfrm>
+          <a:prstGeom prst="rect">
+            <a:avLst/>
+          </a:prstGeom>
+          <a:noFill/>
+        </p:spPr>
+        <p:txBody>
+          <a:bodyPr wrap="square" rtlCol="0">
+            <a:spAutoFit/>
+          </a:bodyPr>
+          <a:lstStyle/>
+          <a:p>
+            <a:r>
+              <a:rPr lang="fi-FI" sz="1200" dirty="0" smtClean="0">
+                <a:latin typeface="Yu Gothic Light" panose="020B0300000000000000" pitchFamily="34" charset="-128"/>
+                <a:ea typeface="Yu Gothic Light" panose="020B0300000000000000" pitchFamily="34" charset="-128"/>
+              </a:rPr>
+              <a:t>Ryhmä</a:t>
+            </a:r>
+            <a:endParaRPr lang="fi-FI" sz="1200" dirty="0">
+              <a:latin typeface="Yu Gothic Light" panose="020B0300000000000000" pitchFamily="34" charset="-128"/>
+              <a:ea typeface="Yu Gothic Light" panose="020B0300000000000000" pitchFamily="34" charset="-128"/>
+            </a:endParaRPr>
+          </a:p>
+        </p:txBody>
+      </p:sp>
+      <p:sp>
+        <p:nvSpPr>
+          <p:cNvPr id="53" name="TextBox 52"/>
+          <p:cNvSpPr txBox="1"/>
+          <p:nvPr/>
+        </p:nvSpPr>
+        <p:spPr>
+          <a:xfrm>
+            <a:off x="4067175" y="3956584"/>
+            <a:ext cx="7229473" cy="276999"/>
+          </a:xfrm>
+          <a:prstGeom prst="rect">
+            <a:avLst/>
+          </a:prstGeom>
+          <a:noFill/>
+        </p:spPr>
+        <p:txBody>
+          <a:bodyPr wrap="square" rtlCol="0">
+            <a:spAutoFit/>
+          </a:bodyPr>
+          <a:lstStyle/>
+          <a:p>
+            <a:r>
+              <a:rPr lang="fi-FI" sz="1200" dirty="0">
+                <a:latin typeface="Yu Gothic Light" panose="020B0300000000000000" pitchFamily="34" charset="-128"/>
+                <a:ea typeface="Yu Gothic Light" panose="020B0300000000000000" pitchFamily="34" charset="-128"/>
+              </a:rPr>
+              <a:t>Tilanne</a:t>
+            </a:r>
+            <a:endParaRPr lang="fi-FI" sz="1200" dirty="0">
+              <a:latin typeface="Yu Gothic Light" panose="020B0300000000000000" pitchFamily="34" charset="-128"/>
+              <a:ea typeface="Yu Gothic Light" panose="020B0300000000000000" pitchFamily="34" charset="-128"/>
+            </a:endParaRPr>
+          </a:p>
+        </p:txBody>
+      </p:sp>
+      <p:sp>
+        <p:nvSpPr>
+          <p:cNvPr id="54" name="TextBox 53"/>
+          <p:cNvSpPr txBox="1"/>
+          <p:nvPr/>
+        </p:nvSpPr>
+        <p:spPr>
+          <a:xfrm>
+            <a:off x="2063153" y="4861249"/>
+            <a:ext cx="4004662" cy="369332"/>
+          </a:xfrm>
+          <a:prstGeom prst="rect">
+            <a:avLst/>
+          </a:prstGeom>
+          <a:noFill/>
+        </p:spPr>
+        <p:txBody>
+          <a:bodyPr wrap="square" rtlCol="0">
+            <a:spAutoFit/>
+          </a:bodyPr>
+          <a:lstStyle/>
+          <a:p>
+            <a:r>
+              <a:rPr lang="fi-FI" dirty="0">
+                <a:latin typeface="Yu Gothic Light" panose="020B0300000000000000" pitchFamily="34" charset="-128"/>
+                <a:ea typeface="Yu Gothic Light" panose="020B0300000000000000" pitchFamily="34" charset="-128"/>
+              </a:rPr>
+              <a:t>Oppilaan nimi</a:t>
+            </a:r>
+            <a:endParaRPr lang="fi-FI" dirty="0">
+              <a:latin typeface="Yu Gothic Light" panose="020B0300000000000000" pitchFamily="34" charset="-128"/>
+              <a:ea typeface="Yu Gothic Light" panose="020B0300000000000000" pitchFamily="34" charset="-128"/>
+            </a:endParaRPr>
+          </a:p>
+        </p:txBody>
+      </p:sp>
+      <p:sp>
+        <p:nvSpPr>
+          <p:cNvPr id="55" name="TextBox 54"/>
+          <p:cNvSpPr txBox="1"/>
+          <p:nvPr/>
+        </p:nvSpPr>
+        <p:spPr>
+          <a:xfrm>
+            <a:off x="2063153" y="5164193"/>
+            <a:ext cx="1421302" cy="276999"/>
+          </a:xfrm>
+          <a:prstGeom prst="rect">
+            <a:avLst/>
+          </a:prstGeom>
+          <a:noFill/>
+        </p:spPr>
+        <p:txBody>
+          <a:bodyPr wrap="square" rtlCol="0">
+            <a:spAutoFit/>
+          </a:bodyPr>
+          <a:lstStyle/>
+          <a:p>
+            <a:r>
+              <a:rPr lang="fi-FI" sz="1200" dirty="0" smtClean="0">
+                <a:latin typeface="Yu Gothic Light" panose="020B0300000000000000" pitchFamily="34" charset="-128"/>
+                <a:ea typeface="Yu Gothic Light" panose="020B0300000000000000" pitchFamily="34" charset="-128"/>
+              </a:rPr>
+              <a:t>Ryhmä</a:t>
+            </a:r>
+            <a:endParaRPr lang="fi-FI" sz="1200" dirty="0">
+              <a:latin typeface="Yu Gothic Light" panose="020B0300000000000000" pitchFamily="34" charset="-128"/>
+              <a:ea typeface="Yu Gothic Light" panose="020B0300000000000000" pitchFamily="34" charset="-128"/>
+            </a:endParaRPr>
+          </a:p>
+        </p:txBody>
+      </p:sp>
+      <p:sp>
+        <p:nvSpPr>
+          <p:cNvPr id="56" name="TextBox 55"/>
+          <p:cNvSpPr txBox="1"/>
+          <p:nvPr/>
+        </p:nvSpPr>
+        <p:spPr>
+          <a:xfrm>
+            <a:off x="4077092" y="4861249"/>
+            <a:ext cx="7229473" cy="276999"/>
+          </a:xfrm>
+          <a:prstGeom prst="rect">
+            <a:avLst/>
+          </a:prstGeom>
+          <a:noFill/>
+        </p:spPr>
+        <p:txBody>
+          <a:bodyPr wrap="square" rtlCol="0">
+            <a:spAutoFit/>
+          </a:bodyPr>
+          <a:lstStyle/>
+          <a:p>
+            <a:r>
+              <a:rPr lang="fi-FI" sz="1200" dirty="0">
+                <a:latin typeface="Yu Gothic Light" panose="020B0300000000000000" pitchFamily="34" charset="-128"/>
+                <a:ea typeface="Yu Gothic Light" panose="020B0300000000000000" pitchFamily="34" charset="-128"/>
+              </a:rPr>
+              <a:t>Tilanne</a:t>
+            </a:r>
+            <a:endParaRPr lang="fi-FI" sz="1200" dirty="0">
+              <a:latin typeface="Yu Gothic Light" panose="020B0300000000000000" pitchFamily="34" charset="-128"/>
+              <a:ea typeface="Yu Gothic Light" panose="020B0300000000000000" pitchFamily="34" charset="-128"/>
+            </a:endParaRPr>
+          </a:p>
+        </p:txBody>
+      </p:sp>
+      <p:sp>
+        <p:nvSpPr>
+          <p:cNvPr id="57" name="TextBox 56"/>
+          <p:cNvSpPr txBox="1"/>
+          <p:nvPr/>
+        </p:nvSpPr>
+        <p:spPr>
+          <a:xfrm>
+            <a:off x="2073070" y="5815338"/>
+            <a:ext cx="4004662" cy="369332"/>
+          </a:xfrm>
+          <a:prstGeom prst="rect">
+            <a:avLst/>
+          </a:prstGeom>
+          <a:noFill/>
+        </p:spPr>
+        <p:txBody>
+          <a:bodyPr wrap="square" rtlCol="0">
+            <a:spAutoFit/>
+          </a:bodyPr>
+          <a:lstStyle/>
+          <a:p>
+            <a:r>
+              <a:rPr lang="fi-FI" dirty="0">
+                <a:latin typeface="Yu Gothic Light" panose="020B0300000000000000" pitchFamily="34" charset="-128"/>
+                <a:ea typeface="Yu Gothic Light" panose="020B0300000000000000" pitchFamily="34" charset="-128"/>
+              </a:rPr>
+              <a:t>Oppilaan nimi</a:t>
+            </a:r>
+            <a:endParaRPr lang="fi-FI" dirty="0">
+              <a:latin typeface="Yu Gothic Light" panose="020B0300000000000000" pitchFamily="34" charset="-128"/>
+              <a:ea typeface="Yu Gothic Light" panose="020B0300000000000000" pitchFamily="34" charset="-128"/>
+            </a:endParaRPr>
+          </a:p>
+        </p:txBody>
+      </p:sp>
+      <p:sp>
+        <p:nvSpPr>
+          <p:cNvPr id="58" name="TextBox 57"/>
+          <p:cNvSpPr txBox="1"/>
+          <p:nvPr/>
+        </p:nvSpPr>
+        <p:spPr>
+          <a:xfrm>
+            <a:off x="2073070" y="6118282"/>
+            <a:ext cx="1421302" cy="276999"/>
+          </a:xfrm>
+          <a:prstGeom prst="rect">
+            <a:avLst/>
+          </a:prstGeom>
+          <a:noFill/>
+        </p:spPr>
+        <p:txBody>
+          <a:bodyPr wrap="square" rtlCol="0">
+            <a:spAutoFit/>
+          </a:bodyPr>
+          <a:lstStyle/>
+          <a:p>
+            <a:r>
+              <a:rPr lang="fi-FI" sz="1200" dirty="0" smtClean="0">
+                <a:latin typeface="Yu Gothic Light" panose="020B0300000000000000" pitchFamily="34" charset="-128"/>
+                <a:ea typeface="Yu Gothic Light" panose="020B0300000000000000" pitchFamily="34" charset="-128"/>
+              </a:rPr>
+              <a:t>Ryhmä</a:t>
+            </a:r>
+            <a:endParaRPr lang="fi-FI" sz="1200" dirty="0">
+              <a:latin typeface="Yu Gothic Light" panose="020B0300000000000000" pitchFamily="34" charset="-128"/>
+              <a:ea typeface="Yu Gothic Light" panose="020B0300000000000000" pitchFamily="34" charset="-128"/>
+            </a:endParaRPr>
+          </a:p>
+        </p:txBody>
+      </p:sp>
+      <p:sp>
+        <p:nvSpPr>
+          <p:cNvPr id="59" name="TextBox 58"/>
+          <p:cNvSpPr txBox="1"/>
+          <p:nvPr/>
+        </p:nvSpPr>
+        <p:spPr>
+          <a:xfrm>
+            <a:off x="4087009" y="5815338"/>
+            <a:ext cx="7229473" cy="276999"/>
+          </a:xfrm>
+          <a:prstGeom prst="rect">
+            <a:avLst/>
+          </a:prstGeom>
+          <a:noFill/>
+        </p:spPr>
+        <p:txBody>
+          <a:bodyPr wrap="square" rtlCol="0">
+            <a:spAutoFit/>
+          </a:bodyPr>
+          <a:lstStyle/>
+          <a:p>
+            <a:r>
+              <a:rPr lang="fi-FI" sz="1200" dirty="0">
+                <a:latin typeface="Yu Gothic Light" panose="020B0300000000000000" pitchFamily="34" charset="-128"/>
+                <a:ea typeface="Yu Gothic Light" panose="020B0300000000000000" pitchFamily="34" charset="-128"/>
+              </a:rPr>
+              <a:t>Tilanne</a:t>
+            </a:r>
+            <a:endParaRPr lang="fi-FI" sz="1200" dirty="0">
+              <a:latin typeface="Yu Gothic Light" panose="020B0300000000000000" pitchFamily="34" charset="-128"/>
+              <a:ea typeface="Yu Gothic Light" panose="020B0300000000000000" pitchFamily="34" charset="-128"/>
+            </a:endParaRPr>
+          </a:p>
+        </p:txBody>
+      </p:sp>
+      <p:sp>
+        <p:nvSpPr>
+          <p:cNvPr id="60" name="Rectangle 59"/>
+          <p:cNvSpPr/>
+          <p:nvPr/>
+        </p:nvSpPr>
+        <p:spPr>
+          <a:xfrm>
+            <a:off x="392" y="5266625"/>
+            <a:ext cx="1911927" cy="349134"/>
+          </a:xfrm>
+          <a:prstGeom prst="rect">
+            <a:avLst/>
+          </a:prstGeom>
+          <a:solidFill>
+            <a:srgbClr val="2186BB"/>
+          </a:solidFill>
+          <a:ln>
+            <a:noFill/>
+          </a:ln>
+        </p:spPr>
+        <p:style>
+          <a:lnRef idx="2">
+            <a:schemeClr val="accent1">
+              <a:shade val="50000"/>
+            </a:schemeClr>
+          </a:lnRef>
+          <a:fillRef idx="1">
+            <a:schemeClr val="accent1"/>
+          </a:fillRef>
+          <a:effectRef idx="0">
+            <a:schemeClr val="accent1"/>
+          </a:effectRef>
+          <a:fontRef idx="minor">
+            <a:schemeClr val="lt1"/>
+          </a:fontRef>
+        </p:style>
+        <p:txBody>
+          <a:bodyPr rtlCol="0" anchor="ctr"/>
+          <a:lstStyle/>
+          <a:p>
+            <a:pPr algn="ctr"/>
+            <a:r>
+              <a:rPr lang="fi-FI" sz="1600" dirty="0" smtClean="0">
+                <a:latin typeface="Yu Gothic Light" panose="020B0300000000000000" pitchFamily="34" charset="-128"/>
+                <a:ea typeface="Yu Gothic Light" panose="020B0300000000000000" pitchFamily="34" charset="-128"/>
+              </a:rPr>
+              <a:t>Turnaukset</a:t>
+            </a:r>
+            <a:endParaRPr lang="fi-FI" sz="1600" dirty="0">
+              <a:latin typeface="Yu Gothic Light" panose="020B0300000000000000" pitchFamily="34" charset="-128"/>
+              <a:ea typeface="Yu Gothic Light" panose="020B0300000000000000" pitchFamily="34" charset="-128"/>
+            </a:endParaRPr>
+          </a:p>
+        </p:txBody>
+      </p:sp>
+    </p:spTree>
+    <p:extLst>
+      <p:ext uri="{BB962C8B-B14F-4D97-AF65-F5344CB8AC3E}">
+        <p14:creationId xmlns:p14="http://schemas.microsoft.com/office/powerpoint/2010/main" val="3702503968"/>
+      </p:ext>
+    </p:extLst>
+  </p:cSld>
+  <p:clrMapOvr>
+    <a:masterClrMapping/>
+  </p:clrMapOvr>
+  <p:timing>
+    <p:tnLst>
+      <p:par>
+        <p:cTn id="1" dur="indefinite" restart="never" nodeType="tmRoot"/>
+      </p:par>
+    </p:tnLst>
+  </p:timing>
+</p:sld>
+</file>
+
 <file path=ppt/slides/slide2.xml><?xml version="1.0" encoding="utf-8"?>
 <p:sld xmlns:a="http://schemas.openxmlformats.org/drawingml/2006/main" xmlns:r="http://schemas.openxmlformats.org/officeDocument/2006/relationships" xmlns:p="http://schemas.openxmlformats.org/presentationml/2006/main">
   <p:cSld>
@@ -8802,7 +12570,7 @@
             <a:avLst/>
           </a:prstGeom>
           <a:solidFill>
-            <a:srgbClr val="2186BB"/>
+            <a:srgbClr val="307FB4"/>
           </a:solidFill>
           <a:ln>
             <a:noFill/>
@@ -8858,7 +12626,7 @@
             <a:avLst/>
           </a:prstGeom>
           <a:solidFill>
-            <a:srgbClr val="307FB4"/>
+            <a:srgbClr val="2186BB"/>
           </a:solidFill>
           <a:ln>
             <a:noFill/>
@@ -9097,26 +12865,278 @@
       </p:sp>
       <p:sp>
         <p:nvSpPr>
-          <p:cNvPr id="6" name="Rectangle 5"/>
+          <p:cNvPr id="60" name="Rounded Rectangle 59"/>
           <p:cNvSpPr/>
           <p:nvPr/>
         </p:nvSpPr>
         <p:spPr>
           <a:xfrm>
-            <a:off x="1911924" y="1521228"/>
-            <a:ext cx="10280076" cy="342789"/>
-          </a:xfrm>
-          <a:prstGeom prst="rect">
-            <a:avLst/>
+            <a:off x="4456487" y="5023984"/>
+            <a:ext cx="3352800" cy="361950"/>
+          </a:xfrm>
+          <a:prstGeom prst="roundRect">
+            <a:avLst>
+              <a:gd name="adj" fmla="val 11608"/>
+            </a:avLst>
           </a:prstGeom>
           <a:solidFill>
-            <a:schemeClr val="bg1">
-              <a:lumMod val="95000"/>
-            </a:schemeClr>
+            <a:srgbClr val="589DB8"/>
           </a:solidFill>
           <a:ln>
             <a:noFill/>
           </a:ln>
+        </p:spPr>
+        <p:style>
+          <a:lnRef idx="2">
+            <a:schemeClr val="dk1"/>
+          </a:lnRef>
+          <a:fillRef idx="1">
+            <a:schemeClr val="lt1"/>
+          </a:fillRef>
+          <a:effectRef idx="0">
+            <a:schemeClr val="dk1"/>
+          </a:effectRef>
+          <a:fontRef idx="minor">
+            <a:schemeClr val="dk1"/>
+          </a:fontRef>
+        </p:style>
+        <p:txBody>
+          <a:bodyPr rtlCol="0" anchor="ctr"/>
+          <a:lstStyle/>
+          <a:p>
+            <a:pPr algn="ctr"/>
+            <a:r>
+              <a:rPr lang="fi-FI" dirty="0" smtClean="0">
+                <a:latin typeface="Yu Gothic Light" panose="020B0300000000000000" pitchFamily="34" charset="-128"/>
+                <a:ea typeface="Yu Gothic Light" panose="020B0300000000000000" pitchFamily="34" charset="-128"/>
+              </a:rPr>
+              <a:t>Lähetä</a:t>
+            </a:r>
+            <a:endParaRPr lang="fi-FI" dirty="0">
+              <a:latin typeface="Yu Gothic Light" panose="020B0300000000000000" pitchFamily="34" charset="-128"/>
+              <a:ea typeface="Yu Gothic Light" panose="020B0300000000000000" pitchFamily="34" charset="-128"/>
+            </a:endParaRPr>
+          </a:p>
+        </p:txBody>
+      </p:sp>
+      <p:sp>
+        <p:nvSpPr>
+          <p:cNvPr id="61" name="Rounded Rectangle 60"/>
+          <p:cNvSpPr/>
+          <p:nvPr/>
+        </p:nvSpPr>
+        <p:spPr>
+          <a:xfrm>
+            <a:off x="4456487" y="2739884"/>
+            <a:ext cx="3352800" cy="361950"/>
+          </a:xfrm>
+          <a:prstGeom prst="roundRect">
+            <a:avLst>
+              <a:gd name="adj" fmla="val 11608"/>
+            </a:avLst>
+          </a:prstGeom>
+          <a:noFill/>
+          <a:ln>
+            <a:solidFill>
+              <a:srgbClr val="589DB8"/>
+            </a:solidFill>
+          </a:ln>
+        </p:spPr>
+        <p:style>
+          <a:lnRef idx="2">
+            <a:schemeClr val="dk1"/>
+          </a:lnRef>
+          <a:fillRef idx="1">
+            <a:schemeClr val="lt1"/>
+          </a:fillRef>
+          <a:effectRef idx="0">
+            <a:schemeClr val="dk1"/>
+          </a:effectRef>
+          <a:fontRef idx="minor">
+            <a:schemeClr val="dk1"/>
+          </a:fontRef>
+        </p:style>
+        <p:txBody>
+          <a:bodyPr rtlCol="0" anchor="ctr"/>
+          <a:lstStyle/>
+          <a:p>
+            <a:endParaRPr lang="fi-FI" sz="1000" dirty="0">
+              <a:solidFill>
+                <a:schemeClr val="bg1">
+                  <a:lumMod val="75000"/>
+                </a:schemeClr>
+              </a:solidFill>
+              <a:latin typeface="Yu Gothic Light" panose="020B0300000000000000" pitchFamily="34" charset="-128"/>
+              <a:ea typeface="Yu Gothic Light" panose="020B0300000000000000" pitchFamily="34" charset="-128"/>
+            </a:endParaRPr>
+          </a:p>
+        </p:txBody>
+      </p:sp>
+      <p:sp>
+        <p:nvSpPr>
+          <p:cNvPr id="62" name="Rounded Rectangle 61"/>
+          <p:cNvSpPr/>
+          <p:nvPr/>
+        </p:nvSpPr>
+        <p:spPr>
+          <a:xfrm>
+            <a:off x="4456487" y="4140238"/>
+            <a:ext cx="3352800" cy="361950"/>
+          </a:xfrm>
+          <a:prstGeom prst="roundRect">
+            <a:avLst>
+              <a:gd name="adj" fmla="val 11608"/>
+            </a:avLst>
+          </a:prstGeom>
+          <a:noFill/>
+          <a:ln>
+            <a:solidFill>
+              <a:schemeClr val="bg1">
+                <a:lumMod val="75000"/>
+              </a:schemeClr>
+            </a:solidFill>
+          </a:ln>
+        </p:spPr>
+        <p:style>
+          <a:lnRef idx="2">
+            <a:schemeClr val="dk1"/>
+          </a:lnRef>
+          <a:fillRef idx="1">
+            <a:schemeClr val="lt1"/>
+          </a:fillRef>
+          <a:effectRef idx="0">
+            <a:schemeClr val="dk1"/>
+          </a:effectRef>
+          <a:fontRef idx="minor">
+            <a:schemeClr val="dk1"/>
+          </a:fontRef>
+        </p:style>
+        <p:txBody>
+          <a:bodyPr rtlCol="0" anchor="ctr"/>
+          <a:lstStyle/>
+          <a:p>
+            <a:r>
+              <a:rPr lang="fi-FI" sz="1000" dirty="0" smtClean="0">
+                <a:latin typeface="Yu Gothic Light" panose="020B0300000000000000" pitchFamily="34" charset="-128"/>
+                <a:ea typeface="Yu Gothic Light" panose="020B0300000000000000" pitchFamily="34" charset="-128"/>
+              </a:rPr>
+              <a:t>Päiväys</a:t>
+            </a:r>
+            <a:endParaRPr lang="fi-FI" sz="1000" dirty="0">
+              <a:latin typeface="Yu Gothic Light" panose="020B0300000000000000" pitchFamily="34" charset="-128"/>
+              <a:ea typeface="Yu Gothic Light" panose="020B0300000000000000" pitchFamily="34" charset="-128"/>
+            </a:endParaRPr>
+          </a:p>
+        </p:txBody>
+      </p:sp>
+      <p:sp>
+        <p:nvSpPr>
+          <p:cNvPr id="63" name="TextBox 62"/>
+          <p:cNvSpPr txBox="1"/>
+          <p:nvPr/>
+        </p:nvSpPr>
+        <p:spPr>
+          <a:xfrm>
+            <a:off x="4921190" y="1897755"/>
+            <a:ext cx="2423395" cy="369332"/>
+          </a:xfrm>
+          <a:prstGeom prst="rect">
+            <a:avLst/>
+          </a:prstGeom>
+          <a:noFill/>
+        </p:spPr>
+        <p:txBody>
+          <a:bodyPr wrap="square" rtlCol="0">
+            <a:spAutoFit/>
+          </a:bodyPr>
+          <a:lstStyle/>
+          <a:p>
+            <a:pPr algn="ctr"/>
+            <a:r>
+              <a:rPr lang="fi-FI" dirty="0" smtClean="0">
+                <a:latin typeface="Yu Gothic Light" panose="020B0300000000000000" pitchFamily="34" charset="-128"/>
+                <a:ea typeface="Yu Gothic Light" panose="020B0300000000000000" pitchFamily="34" charset="-128"/>
+              </a:rPr>
+              <a:t>Lomake</a:t>
+            </a:r>
+            <a:endParaRPr lang="fi-FI" dirty="0">
+              <a:latin typeface="Yu Gothic Light" panose="020B0300000000000000" pitchFamily="34" charset="-128"/>
+              <a:ea typeface="Yu Gothic Light" panose="020B0300000000000000" pitchFamily="34" charset="-128"/>
+            </a:endParaRPr>
+          </a:p>
+        </p:txBody>
+      </p:sp>
+      <p:sp>
+        <p:nvSpPr>
+          <p:cNvPr id="64" name="Rounded Rectangle 63"/>
+          <p:cNvSpPr/>
+          <p:nvPr/>
+        </p:nvSpPr>
+        <p:spPr>
+          <a:xfrm>
+            <a:off x="4456487" y="3440061"/>
+            <a:ext cx="3352800" cy="361950"/>
+          </a:xfrm>
+          <a:prstGeom prst="roundRect">
+            <a:avLst>
+              <a:gd name="adj" fmla="val 11608"/>
+            </a:avLst>
+          </a:prstGeom>
+          <a:noFill/>
+          <a:ln>
+            <a:solidFill>
+              <a:schemeClr val="bg1">
+                <a:lumMod val="75000"/>
+              </a:schemeClr>
+            </a:solidFill>
+          </a:ln>
+        </p:spPr>
+        <p:style>
+          <a:lnRef idx="2">
+            <a:schemeClr val="dk1"/>
+          </a:lnRef>
+          <a:fillRef idx="1">
+            <a:schemeClr val="lt1"/>
+          </a:fillRef>
+          <a:effectRef idx="0">
+            <a:schemeClr val="dk1"/>
+          </a:effectRef>
+          <a:fontRef idx="minor">
+            <a:schemeClr val="dk1"/>
+          </a:fontRef>
+        </p:style>
+        <p:txBody>
+          <a:bodyPr rtlCol="0" anchor="ctr"/>
+          <a:lstStyle/>
+          <a:p>
+            <a:r>
+              <a:rPr lang="fi-FI" sz="1000" dirty="0" err="1" smtClean="0">
+                <a:latin typeface="Yu Gothic Light" panose="020B0300000000000000" pitchFamily="34" charset="-128"/>
+                <a:ea typeface="Yu Gothic Light" panose="020B0300000000000000" pitchFamily="34" charset="-128"/>
+              </a:rPr>
+              <a:t>Dropdown</a:t>
+            </a:r>
+            <a:endParaRPr lang="fi-FI" sz="1000" dirty="0">
+              <a:latin typeface="Yu Gothic Light" panose="020B0300000000000000" pitchFamily="34" charset="-128"/>
+              <a:ea typeface="Yu Gothic Light" panose="020B0300000000000000" pitchFamily="34" charset="-128"/>
+            </a:endParaRPr>
+          </a:p>
+        </p:txBody>
+      </p:sp>
+      <p:sp>
+        <p:nvSpPr>
+          <p:cNvPr id="8" name="Down Arrow 7"/>
+          <p:cNvSpPr/>
+          <p:nvPr/>
+        </p:nvSpPr>
+        <p:spPr>
+          <a:xfrm>
+            <a:off x="7467600" y="4234272"/>
+            <a:ext cx="219075" cy="175803"/>
+          </a:xfrm>
+          <a:prstGeom prst="downArrow">
+            <a:avLst/>
+          </a:prstGeom>
         </p:spPr>
         <p:style>
           <a:lnRef idx="2">
@@ -9138,41 +13158,25 @@
           <a:bodyPr rtlCol="0" anchor="ctr"/>
           <a:lstStyle/>
           <a:p>
-            <a:r>
-              <a:rPr lang="fi-FI" sz="1200" dirty="0" smtClean="0">
-                <a:solidFill>
-                  <a:schemeClr val="tx1"/>
-                </a:solidFill>
-                <a:latin typeface="Yu Gothic Light" panose="020B0300000000000000" pitchFamily="34" charset="-128"/>
-                <a:ea typeface="Yu Gothic Light" panose="020B0300000000000000" pitchFamily="34" charset="-128"/>
-              </a:rPr>
-              <a:t>Uutiset</a:t>
-            </a:r>
-            <a:endParaRPr lang="fi-FI" sz="1200" dirty="0">
-              <a:solidFill>
-                <a:schemeClr val="tx1"/>
-              </a:solidFill>
-              <a:latin typeface="Yu Gothic Light" panose="020B0300000000000000" pitchFamily="34" charset="-128"/>
-              <a:ea typeface="Yu Gothic Light" panose="020B0300000000000000" pitchFamily="34" charset="-128"/>
-            </a:endParaRPr>
-          </a:p>
-        </p:txBody>
-      </p:sp>
-      <p:sp>
-        <p:nvSpPr>
-          <p:cNvPr id="15" name="Rectangle 14"/>
+            <a:pPr algn="ctr"/>
+            <a:endParaRPr lang="fi-FI"/>
+          </a:p>
+        </p:txBody>
+      </p:sp>
+      <p:sp>
+        <p:nvSpPr>
+          <p:cNvPr id="65" name="Down Arrow 64"/>
           <p:cNvSpPr/>
           <p:nvPr/>
         </p:nvSpPr>
         <p:spPr>
           <a:xfrm>
-            <a:off x="2053239" y="1930220"/>
-            <a:ext cx="9957783" cy="1714357"/>
-          </a:xfrm>
-          <a:prstGeom prst="rect">
-            <a:avLst/>
-          </a:prstGeom>
-          <a:noFill/>
+            <a:off x="7477125" y="3558224"/>
+            <a:ext cx="219075" cy="175803"/>
+          </a:xfrm>
+          <a:prstGeom prst="downArrow">
+            <a:avLst/>
+          </a:prstGeom>
         </p:spPr>
         <p:style>
           <a:lnRef idx="2">
@@ -9195,564 +13199,14 @@
           <a:lstStyle/>
           <a:p>
             <a:pPr algn="ctr"/>
-            <a:endParaRPr lang="fi-FI">
-              <a:latin typeface="Yu Gothic Light" panose="020B0300000000000000" pitchFamily="34" charset="-128"/>
-              <a:ea typeface="Yu Gothic Light" panose="020B0300000000000000" pitchFamily="34" charset="-128"/>
-            </a:endParaRPr>
-          </a:p>
-        </p:txBody>
-      </p:sp>
-      <p:sp>
-        <p:nvSpPr>
-          <p:cNvPr id="16" name="Rectangle 15"/>
-          <p:cNvSpPr/>
-          <p:nvPr/>
-        </p:nvSpPr>
-        <p:spPr>
-          <a:xfrm>
-            <a:off x="2053238" y="3807750"/>
-            <a:ext cx="9957783" cy="1714357"/>
-          </a:xfrm>
-          <a:prstGeom prst="rect">
-            <a:avLst/>
-          </a:prstGeom>
-          <a:noFill/>
-        </p:spPr>
-        <p:style>
-          <a:lnRef idx="2">
-            <a:schemeClr val="accent1">
-              <a:shade val="50000"/>
-            </a:schemeClr>
-          </a:lnRef>
-          <a:fillRef idx="1">
-            <a:schemeClr val="accent1"/>
-          </a:fillRef>
-          <a:effectRef idx="0">
-            <a:schemeClr val="accent1"/>
-          </a:effectRef>
-          <a:fontRef idx="minor">
-            <a:schemeClr val="lt1"/>
-          </a:fontRef>
-        </p:style>
-        <p:txBody>
-          <a:bodyPr rtlCol="0" anchor="ctr"/>
-          <a:lstStyle/>
-          <a:p>
-            <a:pPr algn="ctr"/>
-            <a:endParaRPr lang="fi-FI">
-              <a:latin typeface="Yu Gothic Light" panose="020B0300000000000000" pitchFamily="34" charset="-128"/>
-              <a:ea typeface="Yu Gothic Light" panose="020B0300000000000000" pitchFamily="34" charset="-128"/>
-            </a:endParaRPr>
-          </a:p>
-        </p:txBody>
-      </p:sp>
-      <p:sp>
-        <p:nvSpPr>
-          <p:cNvPr id="20" name="TextBox 19"/>
-          <p:cNvSpPr txBox="1"/>
-          <p:nvPr/>
-        </p:nvSpPr>
-        <p:spPr>
-          <a:xfrm>
-            <a:off x="2053236" y="2012502"/>
-            <a:ext cx="4004662" cy="369332"/>
-          </a:xfrm>
-          <a:prstGeom prst="rect">
-            <a:avLst/>
-          </a:prstGeom>
-          <a:noFill/>
-        </p:spPr>
-        <p:txBody>
-          <a:bodyPr wrap="square" rtlCol="0">
-            <a:spAutoFit/>
-          </a:bodyPr>
-          <a:lstStyle/>
-          <a:p>
-            <a:r>
-              <a:rPr lang="fi-FI" dirty="0" smtClean="0">
-                <a:latin typeface="Yu Gothic Light" panose="020B0300000000000000" pitchFamily="34" charset="-128"/>
-                <a:ea typeface="Yu Gothic Light" panose="020B0300000000000000" pitchFamily="34" charset="-128"/>
-              </a:rPr>
-              <a:t>Otsikko</a:t>
-            </a:r>
-            <a:endParaRPr lang="fi-FI" dirty="0">
-              <a:latin typeface="Yu Gothic Light" panose="020B0300000000000000" pitchFamily="34" charset="-128"/>
-              <a:ea typeface="Yu Gothic Light" panose="020B0300000000000000" pitchFamily="34" charset="-128"/>
-            </a:endParaRPr>
-          </a:p>
-        </p:txBody>
-      </p:sp>
-      <p:sp>
-        <p:nvSpPr>
-          <p:cNvPr id="24" name="Rectangle 23"/>
-          <p:cNvSpPr/>
-          <p:nvPr/>
-        </p:nvSpPr>
-        <p:spPr>
-          <a:xfrm>
-            <a:off x="11296648" y="1926285"/>
-            <a:ext cx="714371" cy="1718292"/>
-          </a:xfrm>
-          <a:prstGeom prst="rect">
-            <a:avLst/>
-          </a:prstGeom>
-          <a:solidFill>
-            <a:schemeClr val="bg1"/>
-          </a:solidFill>
-        </p:spPr>
-        <p:style>
-          <a:lnRef idx="2">
-            <a:schemeClr val="accent1">
-              <a:shade val="50000"/>
-            </a:schemeClr>
-          </a:lnRef>
-          <a:fillRef idx="1">
-            <a:schemeClr val="accent1"/>
-          </a:fillRef>
-          <a:effectRef idx="0">
-            <a:schemeClr val="accent1"/>
-          </a:effectRef>
-          <a:fontRef idx="minor">
-            <a:schemeClr val="lt1"/>
-          </a:fontRef>
-        </p:style>
-        <p:txBody>
-          <a:bodyPr rtlCol="0" anchor="ctr"/>
-          <a:lstStyle/>
-          <a:p>
-            <a:pPr algn="ctr"/>
             <a:endParaRPr lang="fi-FI"/>
-          </a:p>
-        </p:txBody>
-      </p:sp>
-      <p:sp>
-        <p:nvSpPr>
-          <p:cNvPr id="25" name="Right Arrow 24"/>
-          <p:cNvSpPr/>
-          <p:nvPr/>
-        </p:nvSpPr>
-        <p:spPr>
-          <a:xfrm>
-            <a:off x="11429994" y="2631085"/>
-            <a:ext cx="447675" cy="316907"/>
-          </a:xfrm>
-          <a:prstGeom prst="rightArrow">
-            <a:avLst/>
-          </a:prstGeom>
-        </p:spPr>
-        <p:style>
-          <a:lnRef idx="2">
-            <a:schemeClr val="accent1">
-              <a:shade val="50000"/>
-            </a:schemeClr>
-          </a:lnRef>
-          <a:fillRef idx="1">
-            <a:schemeClr val="accent1"/>
-          </a:fillRef>
-          <a:effectRef idx="0">
-            <a:schemeClr val="accent1"/>
-          </a:effectRef>
-          <a:fontRef idx="minor">
-            <a:schemeClr val="lt1"/>
-          </a:fontRef>
-        </p:style>
-        <p:txBody>
-          <a:bodyPr rtlCol="0" anchor="ctr"/>
-          <a:lstStyle/>
-          <a:p>
-            <a:pPr algn="ctr"/>
-            <a:endParaRPr lang="fi-FI"/>
-          </a:p>
-        </p:txBody>
-      </p:sp>
-      <p:sp>
-        <p:nvSpPr>
-          <p:cNvPr id="26" name="TextBox 25"/>
-          <p:cNvSpPr txBox="1"/>
-          <p:nvPr/>
-        </p:nvSpPr>
-        <p:spPr>
-          <a:xfrm>
-            <a:off x="2053236" y="3775313"/>
-            <a:ext cx="4004662" cy="369332"/>
-          </a:xfrm>
-          <a:prstGeom prst="rect">
-            <a:avLst/>
-          </a:prstGeom>
-          <a:noFill/>
-        </p:spPr>
-        <p:txBody>
-          <a:bodyPr wrap="square" rtlCol="0">
-            <a:spAutoFit/>
-          </a:bodyPr>
-          <a:lstStyle/>
-          <a:p>
-            <a:r>
-              <a:rPr lang="fi-FI" dirty="0" smtClean="0">
-                <a:latin typeface="Yu Gothic Light" panose="020B0300000000000000" pitchFamily="34" charset="-128"/>
-                <a:ea typeface="Yu Gothic Light" panose="020B0300000000000000" pitchFamily="34" charset="-128"/>
-              </a:rPr>
-              <a:t>Otsikko</a:t>
-            </a:r>
-            <a:endParaRPr lang="fi-FI" dirty="0">
-              <a:latin typeface="Yu Gothic Light" panose="020B0300000000000000" pitchFamily="34" charset="-128"/>
-              <a:ea typeface="Yu Gothic Light" panose="020B0300000000000000" pitchFamily="34" charset="-128"/>
-            </a:endParaRPr>
-          </a:p>
-        </p:txBody>
-      </p:sp>
-      <p:sp>
-        <p:nvSpPr>
-          <p:cNvPr id="27" name="TextBox 26"/>
-          <p:cNvSpPr txBox="1"/>
-          <p:nvPr/>
-        </p:nvSpPr>
-        <p:spPr>
-          <a:xfrm>
-            <a:off x="2053236" y="4338441"/>
-            <a:ext cx="1421302" cy="276999"/>
-          </a:xfrm>
-          <a:prstGeom prst="rect">
-            <a:avLst/>
-          </a:prstGeom>
-          <a:noFill/>
-        </p:spPr>
-        <p:txBody>
-          <a:bodyPr wrap="square" rtlCol="0">
-            <a:spAutoFit/>
-          </a:bodyPr>
-          <a:lstStyle/>
-          <a:p>
-            <a:r>
-              <a:rPr lang="fi-FI" sz="1200" dirty="0" smtClean="0">
-                <a:latin typeface="Yu Gothic Light" panose="020B0300000000000000" pitchFamily="34" charset="-128"/>
-                <a:ea typeface="Yu Gothic Light" panose="020B0300000000000000" pitchFamily="34" charset="-128"/>
-              </a:rPr>
-              <a:t>Päivämäärä</a:t>
-            </a:r>
-            <a:endParaRPr lang="fi-FI" sz="1200" dirty="0">
-              <a:latin typeface="Yu Gothic Light" panose="020B0300000000000000" pitchFamily="34" charset="-128"/>
-              <a:ea typeface="Yu Gothic Light" panose="020B0300000000000000" pitchFamily="34" charset="-128"/>
-            </a:endParaRPr>
-          </a:p>
-        </p:txBody>
-      </p:sp>
-      <p:sp>
-        <p:nvSpPr>
-          <p:cNvPr id="28" name="TextBox 27"/>
-          <p:cNvSpPr txBox="1"/>
-          <p:nvPr/>
-        </p:nvSpPr>
-        <p:spPr>
-          <a:xfrm>
-            <a:off x="2053236" y="4068280"/>
-            <a:ext cx="1421302" cy="276999"/>
-          </a:xfrm>
-          <a:prstGeom prst="rect">
-            <a:avLst/>
-          </a:prstGeom>
-          <a:noFill/>
-        </p:spPr>
-        <p:txBody>
-          <a:bodyPr wrap="square" rtlCol="0">
-            <a:spAutoFit/>
-          </a:bodyPr>
-          <a:lstStyle/>
-          <a:p>
-            <a:r>
-              <a:rPr lang="fi-FI" sz="1200" dirty="0" smtClean="0">
-                <a:latin typeface="Yu Gothic Light" panose="020B0300000000000000" pitchFamily="34" charset="-128"/>
-                <a:ea typeface="Yu Gothic Light" panose="020B0300000000000000" pitchFamily="34" charset="-128"/>
-              </a:rPr>
-              <a:t>Kirjoittaja</a:t>
-            </a:r>
-            <a:endParaRPr lang="fi-FI" sz="1200" dirty="0">
-              <a:latin typeface="Yu Gothic Light" panose="020B0300000000000000" pitchFamily="34" charset="-128"/>
-              <a:ea typeface="Yu Gothic Light" panose="020B0300000000000000" pitchFamily="34" charset="-128"/>
-            </a:endParaRPr>
-          </a:p>
-        </p:txBody>
-      </p:sp>
-      <p:sp>
-        <p:nvSpPr>
-          <p:cNvPr id="29" name="Rectangle 28"/>
-          <p:cNvSpPr/>
-          <p:nvPr/>
-        </p:nvSpPr>
-        <p:spPr>
-          <a:xfrm>
-            <a:off x="11296648" y="3802011"/>
-            <a:ext cx="714371" cy="1720097"/>
-          </a:xfrm>
-          <a:prstGeom prst="rect">
-            <a:avLst/>
-          </a:prstGeom>
-          <a:solidFill>
-            <a:schemeClr val="bg1"/>
-          </a:solidFill>
-        </p:spPr>
-        <p:style>
-          <a:lnRef idx="2">
-            <a:schemeClr val="accent1">
-              <a:shade val="50000"/>
-            </a:schemeClr>
-          </a:lnRef>
-          <a:fillRef idx="1">
-            <a:schemeClr val="accent1"/>
-          </a:fillRef>
-          <a:effectRef idx="0">
-            <a:schemeClr val="accent1"/>
-          </a:effectRef>
-          <a:fontRef idx="minor">
-            <a:schemeClr val="lt1"/>
-          </a:fontRef>
-        </p:style>
-        <p:txBody>
-          <a:bodyPr rtlCol="0" anchor="ctr"/>
-          <a:lstStyle/>
-          <a:p>
-            <a:pPr algn="ctr"/>
-            <a:endParaRPr lang="fi-FI"/>
-          </a:p>
-        </p:txBody>
-      </p:sp>
-      <p:sp>
-        <p:nvSpPr>
-          <p:cNvPr id="30" name="Right Arrow 29"/>
-          <p:cNvSpPr/>
-          <p:nvPr/>
-        </p:nvSpPr>
-        <p:spPr>
-          <a:xfrm>
-            <a:off x="11429994" y="4413869"/>
-            <a:ext cx="447675" cy="316907"/>
-          </a:xfrm>
-          <a:prstGeom prst="rightArrow">
-            <a:avLst/>
-          </a:prstGeom>
-        </p:spPr>
-        <p:style>
-          <a:lnRef idx="2">
-            <a:schemeClr val="accent1">
-              <a:shade val="50000"/>
-            </a:schemeClr>
-          </a:lnRef>
-          <a:fillRef idx="1">
-            <a:schemeClr val="accent1"/>
-          </a:fillRef>
-          <a:effectRef idx="0">
-            <a:schemeClr val="accent1"/>
-          </a:effectRef>
-          <a:fontRef idx="minor">
-            <a:schemeClr val="lt1"/>
-          </a:fontRef>
-        </p:style>
-        <p:txBody>
-          <a:bodyPr rtlCol="0" anchor="ctr"/>
-          <a:lstStyle/>
-          <a:p>
-            <a:pPr algn="ctr"/>
-            <a:endParaRPr lang="fi-FI"/>
-          </a:p>
-        </p:txBody>
-      </p:sp>
-      <p:sp>
-        <p:nvSpPr>
-          <p:cNvPr id="46" name="Rectangle 45"/>
-          <p:cNvSpPr/>
-          <p:nvPr/>
-        </p:nvSpPr>
-        <p:spPr>
-          <a:xfrm>
-            <a:off x="1911924" y="6593487"/>
-            <a:ext cx="10280076" cy="274320"/>
-          </a:xfrm>
-          <a:prstGeom prst="rect">
-            <a:avLst/>
-          </a:prstGeom>
-          <a:solidFill>
-            <a:schemeClr val="bg1">
-              <a:lumMod val="95000"/>
-            </a:schemeClr>
-          </a:solidFill>
-          <a:ln>
-            <a:noFill/>
-          </a:ln>
-        </p:spPr>
-        <p:style>
-          <a:lnRef idx="2">
-            <a:schemeClr val="accent1">
-              <a:shade val="50000"/>
-            </a:schemeClr>
-          </a:lnRef>
-          <a:fillRef idx="1">
-            <a:schemeClr val="accent1"/>
-          </a:fillRef>
-          <a:effectRef idx="0">
-            <a:schemeClr val="accent1"/>
-          </a:effectRef>
-          <a:fontRef idx="minor">
-            <a:schemeClr val="lt1"/>
-          </a:fontRef>
-        </p:style>
-        <p:txBody>
-          <a:bodyPr rtlCol="0" anchor="ctr"/>
-          <a:lstStyle/>
-          <a:p>
-            <a:r>
-              <a:rPr lang="fi-FI" sz="1200" dirty="0" smtClean="0">
-                <a:solidFill>
-                  <a:schemeClr val="tx1"/>
-                </a:solidFill>
-                <a:latin typeface="Yu Gothic Light" panose="020B0300000000000000" pitchFamily="34" charset="-128"/>
-                <a:ea typeface="Yu Gothic Light" panose="020B0300000000000000" pitchFamily="34" charset="-128"/>
-              </a:rPr>
-              <a:t>Haun tuloksia</a:t>
-            </a:r>
-            <a:endParaRPr lang="fi-FI" sz="1200" dirty="0">
-              <a:solidFill>
-                <a:schemeClr val="tx1"/>
-              </a:solidFill>
-              <a:latin typeface="Yu Gothic Light" panose="020B0300000000000000" pitchFamily="34" charset="-128"/>
-              <a:ea typeface="Yu Gothic Light" panose="020B0300000000000000" pitchFamily="34" charset="-128"/>
-            </a:endParaRPr>
-          </a:p>
-        </p:txBody>
-      </p:sp>
-      <p:sp>
-        <p:nvSpPr>
-          <p:cNvPr id="47" name="Rectangle 46"/>
-          <p:cNvSpPr/>
-          <p:nvPr/>
-        </p:nvSpPr>
-        <p:spPr>
-          <a:xfrm>
-            <a:off x="10390989" y="1588070"/>
-            <a:ext cx="1620030" cy="209103"/>
-          </a:xfrm>
-          <a:prstGeom prst="rect">
-            <a:avLst/>
-          </a:prstGeom>
-          <a:solidFill>
-            <a:schemeClr val="bg1"/>
-          </a:solidFill>
-        </p:spPr>
-        <p:style>
-          <a:lnRef idx="2">
-            <a:schemeClr val="accent1">
-              <a:shade val="50000"/>
-            </a:schemeClr>
-          </a:lnRef>
-          <a:fillRef idx="1">
-            <a:schemeClr val="accent1"/>
-          </a:fillRef>
-          <a:effectRef idx="0">
-            <a:schemeClr val="accent1"/>
-          </a:effectRef>
-          <a:fontRef idx="minor">
-            <a:schemeClr val="lt1"/>
-          </a:fontRef>
-        </p:style>
-        <p:txBody>
-          <a:bodyPr rtlCol="0" anchor="ctr"/>
-          <a:lstStyle/>
-          <a:p>
-            <a:r>
-              <a:rPr lang="fi-FI" sz="1200" dirty="0" smtClean="0">
-                <a:solidFill>
-                  <a:schemeClr val="tx1"/>
-                </a:solidFill>
-                <a:latin typeface="Yu Gothic Light" panose="020B0300000000000000" pitchFamily="34" charset="-128"/>
-                <a:ea typeface="Yu Gothic Light" panose="020B0300000000000000" pitchFamily="34" charset="-128"/>
-              </a:rPr>
-              <a:t>Haku...</a:t>
-            </a:r>
-            <a:endParaRPr lang="fi-FI" sz="1200" dirty="0">
-              <a:solidFill>
-                <a:schemeClr val="tx1"/>
-              </a:solidFill>
-              <a:latin typeface="Yu Gothic Light" panose="020B0300000000000000" pitchFamily="34" charset="-128"/>
-              <a:ea typeface="Yu Gothic Light" panose="020B0300000000000000" pitchFamily="34" charset="-128"/>
-            </a:endParaRPr>
-          </a:p>
-        </p:txBody>
-      </p:sp>
-      <p:sp>
-        <p:nvSpPr>
-          <p:cNvPr id="49" name="TextBox 48"/>
-          <p:cNvSpPr txBox="1"/>
-          <p:nvPr/>
-        </p:nvSpPr>
-        <p:spPr>
-          <a:xfrm>
-            <a:off x="2045270" y="2655930"/>
-            <a:ext cx="1421302" cy="276999"/>
-          </a:xfrm>
-          <a:prstGeom prst="rect">
-            <a:avLst/>
-          </a:prstGeom>
-          <a:noFill/>
-        </p:spPr>
-        <p:txBody>
-          <a:bodyPr wrap="square" rtlCol="0">
-            <a:spAutoFit/>
-          </a:bodyPr>
-          <a:lstStyle/>
-          <a:p>
-            <a:r>
-              <a:rPr lang="fi-FI" sz="1200" dirty="0" smtClean="0">
-                <a:latin typeface="Yu Gothic Light" panose="020B0300000000000000" pitchFamily="34" charset="-128"/>
-                <a:ea typeface="Yu Gothic Light" panose="020B0300000000000000" pitchFamily="34" charset="-128"/>
-              </a:rPr>
-              <a:t>Päivämäärä</a:t>
-            </a:r>
-            <a:endParaRPr lang="fi-FI" sz="1200" dirty="0">
-              <a:latin typeface="Yu Gothic Light" panose="020B0300000000000000" pitchFamily="34" charset="-128"/>
-              <a:ea typeface="Yu Gothic Light" panose="020B0300000000000000" pitchFamily="34" charset="-128"/>
-            </a:endParaRPr>
-          </a:p>
-        </p:txBody>
-      </p:sp>
-      <p:sp>
-        <p:nvSpPr>
-          <p:cNvPr id="50" name="TextBox 49"/>
-          <p:cNvSpPr txBox="1"/>
-          <p:nvPr/>
-        </p:nvSpPr>
-        <p:spPr>
-          <a:xfrm>
-            <a:off x="2045270" y="2385769"/>
-            <a:ext cx="1421302" cy="276999"/>
-          </a:xfrm>
-          <a:prstGeom prst="rect">
-            <a:avLst/>
-          </a:prstGeom>
-          <a:noFill/>
-        </p:spPr>
-        <p:txBody>
-          <a:bodyPr wrap="square" rtlCol="0">
-            <a:spAutoFit/>
-          </a:bodyPr>
-          <a:lstStyle/>
-          <a:p>
-            <a:r>
-              <a:rPr lang="fi-FI" sz="1200" dirty="0" smtClean="0">
-                <a:latin typeface="Yu Gothic Light" panose="020B0300000000000000" pitchFamily="34" charset="-128"/>
-                <a:ea typeface="Yu Gothic Light" panose="020B0300000000000000" pitchFamily="34" charset="-128"/>
-              </a:rPr>
-              <a:t>Kirjoittaja</a:t>
-            </a:r>
-            <a:endParaRPr lang="fi-FI" sz="1200" dirty="0">
-              <a:latin typeface="Yu Gothic Light" panose="020B0300000000000000" pitchFamily="34" charset="-128"/>
-              <a:ea typeface="Yu Gothic Light" panose="020B0300000000000000" pitchFamily="34" charset="-128"/>
-            </a:endParaRPr>
           </a:p>
         </p:txBody>
       </p:sp>
     </p:spTree>
     <p:extLst>
       <p:ext uri="{BB962C8B-B14F-4D97-AF65-F5344CB8AC3E}">
-        <p14:creationId xmlns:p14="http://schemas.microsoft.com/office/powerpoint/2010/main" val="1187195815"/>
+        <p14:creationId xmlns:p14="http://schemas.microsoft.com/office/powerpoint/2010/main" val="47146079"/>
       </p:ext>
     </p:extLst>
   </p:cSld>
@@ -10018,7 +13472,7 @@
             <a:avLst/>
           </a:prstGeom>
           <a:solidFill>
-            <a:srgbClr val="2186BB"/>
+            <a:srgbClr val="307FB4"/>
           </a:solidFill>
           <a:ln>
             <a:noFill/>
@@ -10074,7 +13528,7 @@
             <a:avLst/>
           </a:prstGeom>
           <a:solidFill>
-            <a:srgbClr val="307FB4"/>
+            <a:srgbClr val="2186BB"/>
           </a:solidFill>
           <a:ln>
             <a:noFill/>
@@ -10306,7 +13760,7 @@
                 <a:latin typeface="Yu Gothic Light" panose="020B0300000000000000" pitchFamily="34" charset="-128"/>
                 <a:ea typeface="Yu Gothic Light" panose="020B0300000000000000" pitchFamily="34" charset="-128"/>
               </a:rPr>
-              <a:t>Viestit</a:t>
+              <a:t>Uutiset</a:t>
             </a:r>
             <a:endParaRPr lang="fi-FI" sz="1200" dirty="0">
               <a:solidFill>
@@ -10624,7 +14078,7 @@
                 <a:latin typeface="Yu Gothic Light" panose="020B0300000000000000" pitchFamily="34" charset="-128"/>
                 <a:ea typeface="Yu Gothic Light" panose="020B0300000000000000" pitchFamily="34" charset="-128"/>
               </a:rPr>
-              <a:t>Lähettäjä</a:t>
+              <a:t>Kirjoittaja</a:t>
             </a:r>
             <a:endParaRPr lang="fi-FI" sz="1200" dirty="0">
               <a:latin typeface="Yu Gothic Light" panose="020B0300000000000000" pitchFamily="34" charset="-128"/>
@@ -10900,98 +14354,9 @@
                 <a:latin typeface="Yu Gothic Light" panose="020B0300000000000000" pitchFamily="34" charset="-128"/>
                 <a:ea typeface="Yu Gothic Light" panose="020B0300000000000000" pitchFamily="34" charset="-128"/>
               </a:rPr>
-              <a:t>Lähettäjä</a:t>
+              <a:t>Kirjoittaja</a:t>
             </a:r>
             <a:endParaRPr lang="fi-FI" sz="1200" dirty="0">
-              <a:latin typeface="Yu Gothic Light" panose="020B0300000000000000" pitchFamily="34" charset="-128"/>
-              <a:ea typeface="Yu Gothic Light" panose="020B0300000000000000" pitchFamily="34" charset="-128"/>
-            </a:endParaRPr>
-          </a:p>
-        </p:txBody>
-      </p:sp>
-      <p:sp>
-        <p:nvSpPr>
-          <p:cNvPr id="31" name="Flowchart: Process 30"/>
-          <p:cNvSpPr/>
-          <p:nvPr/>
-        </p:nvSpPr>
-        <p:spPr>
-          <a:xfrm>
-            <a:off x="11582394" y="6166229"/>
-            <a:ext cx="409569" cy="360414"/>
-          </a:xfrm>
-          <a:prstGeom prst="flowChartProcess">
-            <a:avLst/>
-          </a:prstGeom>
-          <a:solidFill>
-            <a:srgbClr val="2186BB"/>
-          </a:solidFill>
-        </p:spPr>
-        <p:style>
-          <a:lnRef idx="2">
-            <a:schemeClr val="accent1">
-              <a:shade val="50000"/>
-            </a:schemeClr>
-          </a:lnRef>
-          <a:fillRef idx="1">
-            <a:schemeClr val="accent1"/>
-          </a:fillRef>
-          <a:effectRef idx="0">
-            <a:schemeClr val="accent1"/>
-          </a:effectRef>
-          <a:fontRef idx="minor">
-            <a:schemeClr val="lt1"/>
-          </a:fontRef>
-        </p:style>
-        <p:txBody>
-          <a:bodyPr rtlCol="0" anchor="ctr"/>
-          <a:lstStyle/>
-          <a:p>
-            <a:pPr algn="ctr"/>
-            <a:r>
-              <a:rPr lang="fi-FI" sz="3600" dirty="0" smtClean="0">
-                <a:latin typeface="Yu Gothic Light" panose="020B0300000000000000" pitchFamily="34" charset="-128"/>
-                <a:ea typeface="Yu Gothic Light" panose="020B0300000000000000" pitchFamily="34" charset="-128"/>
-              </a:rPr>
-              <a:t>+</a:t>
-            </a:r>
-            <a:endParaRPr lang="fi-FI" sz="3600" dirty="0">
-              <a:latin typeface="Yu Gothic Light" panose="020B0300000000000000" pitchFamily="34" charset="-128"/>
-              <a:ea typeface="Yu Gothic Light" panose="020B0300000000000000" pitchFamily="34" charset="-128"/>
-            </a:endParaRPr>
-          </a:p>
-        </p:txBody>
-      </p:sp>
-      <p:sp>
-        <p:nvSpPr>
-          <p:cNvPr id="7" name="TextBox 6"/>
-          <p:cNvSpPr txBox="1"/>
-          <p:nvPr/>
-        </p:nvSpPr>
-        <p:spPr>
-          <a:xfrm>
-            <a:off x="3314700" y="2022440"/>
-            <a:ext cx="6257925" cy="261610"/>
-          </a:xfrm>
-          <a:prstGeom prst="rect">
-            <a:avLst/>
-          </a:prstGeom>
-          <a:noFill/>
-        </p:spPr>
-        <p:txBody>
-          <a:bodyPr wrap="square" rtlCol="0">
-            <a:spAutoFit/>
-          </a:bodyPr>
-          <a:lstStyle/>
-          <a:p>
-            <a:r>
-              <a:rPr lang="fi-FI" sz="1100" dirty="0" smtClean="0">
-                <a:latin typeface="Yu Gothic Light" panose="020B0300000000000000" pitchFamily="34" charset="-128"/>
-                <a:ea typeface="Yu Gothic Light" panose="020B0300000000000000" pitchFamily="34" charset="-128"/>
-              </a:rPr>
-              <a:t>Sisältö</a:t>
-            </a:r>
-            <a:endParaRPr lang="fi-FI" sz="1100" dirty="0">
               <a:latin typeface="Yu Gothic Light" panose="020B0300000000000000" pitchFamily="34" charset="-128"/>
               <a:ea typeface="Yu Gothic Light" panose="020B0300000000000000" pitchFamily="34" charset="-128"/>
             </a:endParaRPr>
@@ -11001,7 +14366,7 @@
     </p:spTree>
     <p:extLst>
       <p:ext uri="{BB962C8B-B14F-4D97-AF65-F5344CB8AC3E}">
-        <p14:creationId xmlns:p14="http://schemas.microsoft.com/office/powerpoint/2010/main" val="45882614"/>
+        <p14:creationId xmlns:p14="http://schemas.microsoft.com/office/powerpoint/2010/main" val="1187195815"/>
       </p:ext>
     </p:extLst>
   </p:cSld>
@@ -11323,7 +14688,7 @@
             <a:avLst/>
           </a:prstGeom>
           <a:solidFill>
-            <a:srgbClr val="2186BB"/>
+            <a:srgbClr val="307FB4"/>
           </a:solidFill>
           <a:ln>
             <a:noFill/>
@@ -11463,7 +14828,7 @@
             <a:avLst/>
           </a:prstGeom>
           <a:solidFill>
-            <a:srgbClr val="307FB4"/>
+            <a:srgbClr val="2186BB"/>
           </a:solidFill>
           <a:ln>
             <a:noFill/>
@@ -11555,17 +14920,7 @@
                 <a:latin typeface="Yu Gothic Light" panose="020B0300000000000000" pitchFamily="34" charset="-128"/>
                 <a:ea typeface="Yu Gothic Light" panose="020B0300000000000000" pitchFamily="34" charset="-128"/>
               </a:rPr>
-              <a:t>Listaus kategorioista ja </a:t>
-            </a:r>
-            <a:r>
-              <a:rPr lang="fi-FI" sz="1200" dirty="0" err="1" smtClean="0">
-                <a:solidFill>
-                  <a:schemeClr val="tx1"/>
-                </a:solidFill>
-                <a:latin typeface="Yu Gothic Light" panose="020B0300000000000000" pitchFamily="34" charset="-128"/>
-                <a:ea typeface="Yu Gothic Light" panose="020B0300000000000000" pitchFamily="34" charset="-128"/>
-              </a:rPr>
-              <a:t>niiss</a:t>
+              <a:t>Viestit</a:t>
             </a:r>
             <a:endParaRPr lang="fi-FI" sz="1200" dirty="0">
               <a:solidFill>
@@ -11585,8 +14940,8 @@
         </p:nvSpPr>
         <p:spPr>
           <a:xfrm>
-            <a:off x="2053240" y="2012502"/>
-            <a:ext cx="9957783" cy="816915"/>
+            <a:off x="2053239" y="1930220"/>
+            <a:ext cx="9957783" cy="1714357"/>
           </a:xfrm>
           <a:prstGeom prst="rect">
             <a:avLst/>
@@ -11629,8 +14984,8 @@
         </p:nvSpPr>
         <p:spPr>
           <a:xfrm>
-            <a:off x="2053240" y="2960153"/>
-            <a:ext cx="9957783" cy="816915"/>
+            <a:off x="2053238" y="3807750"/>
+            <a:ext cx="9957783" cy="1714357"/>
           </a:xfrm>
           <a:prstGeom prst="rect">
             <a:avLst/>
@@ -11667,19 +15022,57 @@
       </p:sp>
       <p:sp>
         <p:nvSpPr>
-          <p:cNvPr id="17" name="Rectangle 16"/>
+          <p:cNvPr id="20" name="TextBox 19"/>
+          <p:cNvSpPr txBox="1"/>
+          <p:nvPr/>
+        </p:nvSpPr>
+        <p:spPr>
+          <a:xfrm>
+            <a:off x="2053236" y="2012502"/>
+            <a:ext cx="4004662" cy="369332"/>
+          </a:xfrm>
+          <a:prstGeom prst="rect">
+            <a:avLst/>
+          </a:prstGeom>
+          <a:noFill/>
+        </p:spPr>
+        <p:txBody>
+          <a:bodyPr wrap="square" rtlCol="0">
+            <a:spAutoFit/>
+          </a:bodyPr>
+          <a:lstStyle/>
+          <a:p>
+            <a:r>
+              <a:rPr lang="fi-FI" dirty="0" smtClean="0">
+                <a:latin typeface="Yu Gothic Light" panose="020B0300000000000000" pitchFamily="34" charset="-128"/>
+                <a:ea typeface="Yu Gothic Light" panose="020B0300000000000000" pitchFamily="34" charset="-128"/>
+              </a:rPr>
+              <a:t>Otsikko</a:t>
+            </a:r>
+            <a:endParaRPr lang="fi-FI" dirty="0">
+              <a:latin typeface="Yu Gothic Light" panose="020B0300000000000000" pitchFamily="34" charset="-128"/>
+              <a:ea typeface="Yu Gothic Light" panose="020B0300000000000000" pitchFamily="34" charset="-128"/>
+            </a:endParaRPr>
+          </a:p>
+        </p:txBody>
+      </p:sp>
+      <p:sp>
+        <p:nvSpPr>
+          <p:cNvPr id="24" name="Rectangle 23"/>
           <p:cNvSpPr/>
           <p:nvPr/>
         </p:nvSpPr>
         <p:spPr>
           <a:xfrm>
-            <a:off x="2053239" y="3912031"/>
-            <a:ext cx="9957783" cy="816915"/>
-          </a:xfrm>
-          <a:prstGeom prst="rect">
-            <a:avLst/>
-          </a:prstGeom>
-          <a:noFill/>
+            <a:off x="11296648" y="1926285"/>
+            <a:ext cx="714371" cy="1718292"/>
+          </a:xfrm>
+          <a:prstGeom prst="rect">
+            <a:avLst/>
+          </a:prstGeom>
+          <a:solidFill>
+            <a:schemeClr val="bg1"/>
+          </a:solidFill>
         </p:spPr>
         <p:style>
           <a:lnRef idx="2">
@@ -11702,28 +15095,24 @@
           <a:lstStyle/>
           <a:p>
             <a:pPr algn="ctr"/>
-            <a:endParaRPr lang="fi-FI">
-              <a:latin typeface="Yu Gothic Light" panose="020B0300000000000000" pitchFamily="34" charset="-128"/>
-              <a:ea typeface="Yu Gothic Light" panose="020B0300000000000000" pitchFamily="34" charset="-128"/>
-            </a:endParaRPr>
-          </a:p>
-        </p:txBody>
-      </p:sp>
-      <p:sp>
-        <p:nvSpPr>
-          <p:cNvPr id="18" name="Rectangle 17"/>
+            <a:endParaRPr lang="fi-FI"/>
+          </a:p>
+        </p:txBody>
+      </p:sp>
+      <p:sp>
+        <p:nvSpPr>
+          <p:cNvPr id="25" name="Right Arrow 24"/>
           <p:cNvSpPr/>
           <p:nvPr/>
         </p:nvSpPr>
         <p:spPr>
           <a:xfrm>
-            <a:off x="2053236" y="4859682"/>
-            <a:ext cx="9957783" cy="816915"/>
-          </a:xfrm>
-          <a:prstGeom prst="rect">
-            <a:avLst/>
-          </a:prstGeom>
-          <a:noFill/>
+            <a:off x="11429994" y="2631085"/>
+            <a:ext cx="447675" cy="316907"/>
+          </a:xfrm>
+          <a:prstGeom prst="rightArrow">
+            <a:avLst/>
+          </a:prstGeom>
         </p:spPr>
         <p:style>
           <a:lnRef idx="2">
@@ -11746,28 +15135,135 @@
           <a:lstStyle/>
           <a:p>
             <a:pPr algn="ctr"/>
-            <a:endParaRPr lang="fi-FI">
-              <a:latin typeface="Yu Gothic Light" panose="020B0300000000000000" pitchFamily="34" charset="-128"/>
-              <a:ea typeface="Yu Gothic Light" panose="020B0300000000000000" pitchFamily="34" charset="-128"/>
-            </a:endParaRPr>
-          </a:p>
-        </p:txBody>
-      </p:sp>
-      <p:sp>
-        <p:nvSpPr>
-          <p:cNvPr id="19" name="Rectangle 18"/>
+            <a:endParaRPr lang="fi-FI"/>
+          </a:p>
+        </p:txBody>
+      </p:sp>
+      <p:sp>
+        <p:nvSpPr>
+          <p:cNvPr id="26" name="TextBox 25"/>
+          <p:cNvSpPr txBox="1"/>
+          <p:nvPr/>
+        </p:nvSpPr>
+        <p:spPr>
+          <a:xfrm>
+            <a:off x="2053236" y="3775313"/>
+            <a:ext cx="4004662" cy="369332"/>
+          </a:xfrm>
+          <a:prstGeom prst="rect">
+            <a:avLst/>
+          </a:prstGeom>
+          <a:noFill/>
+        </p:spPr>
+        <p:txBody>
+          <a:bodyPr wrap="square" rtlCol="0">
+            <a:spAutoFit/>
+          </a:bodyPr>
+          <a:lstStyle/>
+          <a:p>
+            <a:r>
+              <a:rPr lang="fi-FI" dirty="0" smtClean="0">
+                <a:latin typeface="Yu Gothic Light" panose="020B0300000000000000" pitchFamily="34" charset="-128"/>
+                <a:ea typeface="Yu Gothic Light" panose="020B0300000000000000" pitchFamily="34" charset="-128"/>
+              </a:rPr>
+              <a:t>Otsikko</a:t>
+            </a:r>
+            <a:endParaRPr lang="fi-FI" dirty="0">
+              <a:latin typeface="Yu Gothic Light" panose="020B0300000000000000" pitchFamily="34" charset="-128"/>
+              <a:ea typeface="Yu Gothic Light" panose="020B0300000000000000" pitchFamily="34" charset="-128"/>
+            </a:endParaRPr>
+          </a:p>
+        </p:txBody>
+      </p:sp>
+      <p:sp>
+        <p:nvSpPr>
+          <p:cNvPr id="27" name="TextBox 26"/>
+          <p:cNvSpPr txBox="1"/>
+          <p:nvPr/>
+        </p:nvSpPr>
+        <p:spPr>
+          <a:xfrm>
+            <a:off x="2053236" y="4338441"/>
+            <a:ext cx="1421302" cy="276999"/>
+          </a:xfrm>
+          <a:prstGeom prst="rect">
+            <a:avLst/>
+          </a:prstGeom>
+          <a:noFill/>
+        </p:spPr>
+        <p:txBody>
+          <a:bodyPr wrap="square" rtlCol="0">
+            <a:spAutoFit/>
+          </a:bodyPr>
+          <a:lstStyle/>
+          <a:p>
+            <a:r>
+              <a:rPr lang="fi-FI" sz="1200" dirty="0" smtClean="0">
+                <a:latin typeface="Yu Gothic Light" panose="020B0300000000000000" pitchFamily="34" charset="-128"/>
+                <a:ea typeface="Yu Gothic Light" panose="020B0300000000000000" pitchFamily="34" charset="-128"/>
+              </a:rPr>
+              <a:t>Päivämäärä</a:t>
+            </a:r>
+            <a:endParaRPr lang="fi-FI" sz="1200" dirty="0">
+              <a:latin typeface="Yu Gothic Light" panose="020B0300000000000000" pitchFamily="34" charset="-128"/>
+              <a:ea typeface="Yu Gothic Light" panose="020B0300000000000000" pitchFamily="34" charset="-128"/>
+            </a:endParaRPr>
+          </a:p>
+        </p:txBody>
+      </p:sp>
+      <p:sp>
+        <p:nvSpPr>
+          <p:cNvPr id="28" name="TextBox 27"/>
+          <p:cNvSpPr txBox="1"/>
+          <p:nvPr/>
+        </p:nvSpPr>
+        <p:spPr>
+          <a:xfrm>
+            <a:off x="2053236" y="4068280"/>
+            <a:ext cx="1421302" cy="276999"/>
+          </a:xfrm>
+          <a:prstGeom prst="rect">
+            <a:avLst/>
+          </a:prstGeom>
+          <a:noFill/>
+        </p:spPr>
+        <p:txBody>
+          <a:bodyPr wrap="square" rtlCol="0">
+            <a:spAutoFit/>
+          </a:bodyPr>
+          <a:lstStyle/>
+          <a:p>
+            <a:r>
+              <a:rPr lang="fi-FI" sz="1200" dirty="0" smtClean="0">
+                <a:latin typeface="Yu Gothic Light" panose="020B0300000000000000" pitchFamily="34" charset="-128"/>
+                <a:ea typeface="Yu Gothic Light" panose="020B0300000000000000" pitchFamily="34" charset="-128"/>
+              </a:rPr>
+              <a:t>Lähettäjä</a:t>
+            </a:r>
+            <a:endParaRPr lang="fi-FI" sz="1200" dirty="0">
+              <a:latin typeface="Yu Gothic Light" panose="020B0300000000000000" pitchFamily="34" charset="-128"/>
+              <a:ea typeface="Yu Gothic Light" panose="020B0300000000000000" pitchFamily="34" charset="-128"/>
+            </a:endParaRPr>
+          </a:p>
+        </p:txBody>
+      </p:sp>
+      <p:sp>
+        <p:nvSpPr>
+          <p:cNvPr id="29" name="Rectangle 28"/>
           <p:cNvSpPr/>
           <p:nvPr/>
         </p:nvSpPr>
         <p:spPr>
           <a:xfrm>
-            <a:off x="2053236" y="5807333"/>
-            <a:ext cx="9957783" cy="816915"/>
-          </a:xfrm>
-          <a:prstGeom prst="rect">
-            <a:avLst/>
-          </a:prstGeom>
-          <a:noFill/>
+            <a:off x="11296648" y="3802011"/>
+            <a:ext cx="714371" cy="1720097"/>
+          </a:xfrm>
+          <a:prstGeom prst="rect">
+            <a:avLst/>
+          </a:prstGeom>
+          <a:solidFill>
+            <a:schemeClr val="bg1"/>
+          </a:solidFill>
         </p:spPr>
         <p:style>
           <a:lnRef idx="2">
@@ -11790,207 +15286,6 @@
           <a:lstStyle/>
           <a:p>
             <a:pPr algn="ctr"/>
-            <a:endParaRPr lang="fi-FI">
-              <a:latin typeface="Yu Gothic Light" panose="020B0300000000000000" pitchFamily="34" charset="-128"/>
-              <a:ea typeface="Yu Gothic Light" panose="020B0300000000000000" pitchFamily="34" charset="-128"/>
-            </a:endParaRPr>
-          </a:p>
-        </p:txBody>
-      </p:sp>
-      <p:sp>
-        <p:nvSpPr>
-          <p:cNvPr id="20" name="TextBox 19"/>
-          <p:cNvSpPr txBox="1"/>
-          <p:nvPr/>
-        </p:nvSpPr>
-        <p:spPr>
-          <a:xfrm>
-            <a:off x="2053236" y="2012502"/>
-            <a:ext cx="4004662" cy="369332"/>
-          </a:xfrm>
-          <a:prstGeom prst="rect">
-            <a:avLst/>
-          </a:prstGeom>
-          <a:noFill/>
-        </p:spPr>
-        <p:txBody>
-          <a:bodyPr wrap="square" rtlCol="0">
-            <a:spAutoFit/>
-          </a:bodyPr>
-          <a:lstStyle/>
-          <a:p>
-            <a:r>
-              <a:rPr lang="fi-FI" dirty="0" smtClean="0">
-                <a:latin typeface="Yu Gothic Light" panose="020B0300000000000000" pitchFamily="34" charset="-128"/>
-                <a:ea typeface="Yu Gothic Light" panose="020B0300000000000000" pitchFamily="34" charset="-128"/>
-              </a:rPr>
-              <a:t>Tiimin nimi</a:t>
-            </a:r>
-            <a:endParaRPr lang="fi-FI" dirty="0">
-              <a:latin typeface="Yu Gothic Light" panose="020B0300000000000000" pitchFamily="34" charset="-128"/>
-              <a:ea typeface="Yu Gothic Light" panose="020B0300000000000000" pitchFamily="34" charset="-128"/>
-            </a:endParaRPr>
-          </a:p>
-        </p:txBody>
-      </p:sp>
-      <p:sp>
-        <p:nvSpPr>
-          <p:cNvPr id="23" name="TextBox 22"/>
-          <p:cNvSpPr txBox="1"/>
-          <p:nvPr/>
-        </p:nvSpPr>
-        <p:spPr>
-          <a:xfrm>
-            <a:off x="2053236" y="2315446"/>
-            <a:ext cx="1421302" cy="276999"/>
-          </a:xfrm>
-          <a:prstGeom prst="rect">
-            <a:avLst/>
-          </a:prstGeom>
-          <a:noFill/>
-        </p:spPr>
-        <p:txBody>
-          <a:bodyPr wrap="square" rtlCol="0">
-            <a:spAutoFit/>
-          </a:bodyPr>
-          <a:lstStyle/>
-          <a:p>
-            <a:r>
-              <a:rPr lang="fi-FI" sz="1200" dirty="0" smtClean="0">
-                <a:latin typeface="Yu Gothic Light" panose="020B0300000000000000" pitchFamily="34" charset="-128"/>
-                <a:ea typeface="Yu Gothic Light" panose="020B0300000000000000" pitchFamily="34" charset="-128"/>
-              </a:rPr>
-              <a:t>Johtaja</a:t>
-            </a:r>
-            <a:endParaRPr lang="fi-FI" sz="1200" dirty="0">
-              <a:latin typeface="Yu Gothic Light" panose="020B0300000000000000" pitchFamily="34" charset="-128"/>
-              <a:ea typeface="Yu Gothic Light" panose="020B0300000000000000" pitchFamily="34" charset="-128"/>
-            </a:endParaRPr>
-          </a:p>
-        </p:txBody>
-      </p:sp>
-      <p:sp>
-        <p:nvSpPr>
-          <p:cNvPr id="24" name="Rectangle 23"/>
-          <p:cNvSpPr/>
-          <p:nvPr/>
-        </p:nvSpPr>
-        <p:spPr>
-          <a:xfrm>
-            <a:off x="11296648" y="2012502"/>
-            <a:ext cx="714371" cy="816915"/>
-          </a:xfrm>
-          <a:prstGeom prst="rect">
-            <a:avLst/>
-          </a:prstGeom>
-          <a:solidFill>
-            <a:schemeClr val="bg1"/>
-          </a:solidFill>
-        </p:spPr>
-        <p:style>
-          <a:lnRef idx="2">
-            <a:schemeClr val="accent1">
-              <a:shade val="50000"/>
-            </a:schemeClr>
-          </a:lnRef>
-          <a:fillRef idx="1">
-            <a:schemeClr val="accent1"/>
-          </a:fillRef>
-          <a:effectRef idx="0">
-            <a:schemeClr val="accent1"/>
-          </a:effectRef>
-          <a:fontRef idx="minor">
-            <a:schemeClr val="lt1"/>
-          </a:fontRef>
-        </p:style>
-        <p:txBody>
-          <a:bodyPr rtlCol="0" anchor="ctr"/>
-          <a:lstStyle/>
-          <a:p>
-            <a:pPr algn="ctr"/>
-            <a:endParaRPr lang="fi-FI"/>
-          </a:p>
-        </p:txBody>
-      </p:sp>
-      <p:sp>
-        <p:nvSpPr>
-          <p:cNvPr id="25" name="Right Arrow 24"/>
-          <p:cNvSpPr/>
-          <p:nvPr/>
-        </p:nvSpPr>
-        <p:spPr>
-          <a:xfrm>
-            <a:off x="11429995" y="2265582"/>
-            <a:ext cx="447675" cy="316907"/>
-          </a:xfrm>
-          <a:prstGeom prst="rightArrow">
-            <a:avLst/>
-          </a:prstGeom>
-        </p:spPr>
-        <p:style>
-          <a:lnRef idx="2">
-            <a:schemeClr val="accent1">
-              <a:shade val="50000"/>
-            </a:schemeClr>
-          </a:lnRef>
-          <a:fillRef idx="1">
-            <a:schemeClr val="accent1"/>
-          </a:fillRef>
-          <a:effectRef idx="0">
-            <a:schemeClr val="accent1"/>
-          </a:effectRef>
-          <a:fontRef idx="minor">
-            <a:schemeClr val="lt1"/>
-          </a:fontRef>
-        </p:style>
-        <p:txBody>
-          <a:bodyPr rtlCol="0" anchor="ctr"/>
-          <a:lstStyle/>
-          <a:p>
-            <a:pPr algn="ctr"/>
-            <a:endParaRPr lang="fi-FI"/>
-          </a:p>
-        </p:txBody>
-      </p:sp>
-      <p:sp>
-        <p:nvSpPr>
-          <p:cNvPr id="29" name="Rectangle 28"/>
-          <p:cNvSpPr/>
-          <p:nvPr/>
-        </p:nvSpPr>
-        <p:spPr>
-          <a:xfrm>
-            <a:off x="11296648" y="2963372"/>
-            <a:ext cx="714371" cy="819622"/>
-          </a:xfrm>
-          <a:prstGeom prst="rect">
-            <a:avLst/>
-          </a:prstGeom>
-          <a:solidFill>
-            <a:schemeClr val="bg1"/>
-          </a:solidFill>
-        </p:spPr>
-        <p:style>
-          <a:lnRef idx="2">
-            <a:schemeClr val="accent1">
-              <a:shade val="50000"/>
-            </a:schemeClr>
-          </a:lnRef>
-          <a:fillRef idx="1">
-            <a:schemeClr val="accent1"/>
-          </a:fillRef>
-          <a:effectRef idx="0">
-            <a:schemeClr val="accent1"/>
-          </a:effectRef>
-          <a:fontRef idx="minor">
-            <a:schemeClr val="lt1"/>
-          </a:fontRef>
-        </p:style>
-        <p:txBody>
-          <a:bodyPr rtlCol="0" anchor="ctr"/>
-          <a:lstStyle/>
-          <a:p>
-            <a:pPr algn="ctr"/>
             <a:endParaRPr lang="fi-FI"/>
           </a:p>
         </p:txBody>
@@ -12003,256 +15298,7 @@
         </p:nvSpPr>
         <p:spPr>
           <a:xfrm>
-            <a:off x="11429995" y="3219159"/>
-            <a:ext cx="447675" cy="316907"/>
-          </a:xfrm>
-          <a:prstGeom prst="rightArrow">
-            <a:avLst/>
-          </a:prstGeom>
-        </p:spPr>
-        <p:style>
-          <a:lnRef idx="2">
-            <a:schemeClr val="accent1">
-              <a:shade val="50000"/>
-            </a:schemeClr>
-          </a:lnRef>
-          <a:fillRef idx="1">
-            <a:schemeClr val="accent1"/>
-          </a:fillRef>
-          <a:effectRef idx="0">
-            <a:schemeClr val="accent1"/>
-          </a:effectRef>
-          <a:fontRef idx="minor">
-            <a:schemeClr val="lt1"/>
-          </a:fontRef>
-        </p:style>
-        <p:txBody>
-          <a:bodyPr rtlCol="0" anchor="ctr"/>
-          <a:lstStyle/>
-          <a:p>
-            <a:pPr algn="ctr"/>
-            <a:endParaRPr lang="fi-FI"/>
-          </a:p>
-        </p:txBody>
-      </p:sp>
-      <p:sp>
-        <p:nvSpPr>
-          <p:cNvPr id="34" name="Rectangle 33"/>
-          <p:cNvSpPr/>
-          <p:nvPr/>
-        </p:nvSpPr>
-        <p:spPr>
-          <a:xfrm>
-            <a:off x="11296648" y="3916120"/>
-            <a:ext cx="714371" cy="810097"/>
-          </a:xfrm>
-          <a:prstGeom prst="rect">
-            <a:avLst/>
-          </a:prstGeom>
-          <a:solidFill>
-            <a:schemeClr val="bg1"/>
-          </a:solidFill>
-        </p:spPr>
-        <p:style>
-          <a:lnRef idx="2">
-            <a:schemeClr val="accent1">
-              <a:shade val="50000"/>
-            </a:schemeClr>
-          </a:lnRef>
-          <a:fillRef idx="1">
-            <a:schemeClr val="accent1"/>
-          </a:fillRef>
-          <a:effectRef idx="0">
-            <a:schemeClr val="accent1"/>
-          </a:effectRef>
-          <a:fontRef idx="minor">
-            <a:schemeClr val="lt1"/>
-          </a:fontRef>
-        </p:style>
-        <p:txBody>
-          <a:bodyPr rtlCol="0" anchor="ctr"/>
-          <a:lstStyle/>
-          <a:p>
-            <a:pPr algn="ctr"/>
-            <a:endParaRPr lang="fi-FI"/>
-          </a:p>
-        </p:txBody>
-      </p:sp>
-      <p:sp>
-        <p:nvSpPr>
-          <p:cNvPr id="35" name="Right Arrow 34"/>
-          <p:cNvSpPr/>
-          <p:nvPr/>
-        </p:nvSpPr>
-        <p:spPr>
-          <a:xfrm>
-            <a:off x="11429995" y="4171907"/>
-            <a:ext cx="447675" cy="316907"/>
-          </a:xfrm>
-          <a:prstGeom prst="rightArrow">
-            <a:avLst/>
-          </a:prstGeom>
-        </p:spPr>
-        <p:style>
-          <a:lnRef idx="2">
-            <a:schemeClr val="accent1">
-              <a:shade val="50000"/>
-            </a:schemeClr>
-          </a:lnRef>
-          <a:fillRef idx="1">
-            <a:schemeClr val="accent1"/>
-          </a:fillRef>
-          <a:effectRef idx="0">
-            <a:schemeClr val="accent1"/>
-          </a:effectRef>
-          <a:fontRef idx="minor">
-            <a:schemeClr val="lt1"/>
-          </a:fontRef>
-        </p:style>
-        <p:txBody>
-          <a:bodyPr rtlCol="0" anchor="ctr"/>
-          <a:lstStyle/>
-          <a:p>
-            <a:pPr algn="ctr"/>
-            <a:endParaRPr lang="fi-FI"/>
-          </a:p>
-        </p:txBody>
-      </p:sp>
-      <p:sp>
-        <p:nvSpPr>
-          <p:cNvPr id="39" name="Rectangle 38"/>
-          <p:cNvSpPr/>
-          <p:nvPr/>
-        </p:nvSpPr>
-        <p:spPr>
-          <a:xfrm>
-            <a:off x="11316482" y="4860172"/>
-            <a:ext cx="714371" cy="816915"/>
-          </a:xfrm>
-          <a:prstGeom prst="rect">
-            <a:avLst/>
-          </a:prstGeom>
-          <a:solidFill>
-            <a:schemeClr val="bg1"/>
-          </a:solidFill>
-        </p:spPr>
-        <p:style>
-          <a:lnRef idx="2">
-            <a:schemeClr val="accent1">
-              <a:shade val="50000"/>
-            </a:schemeClr>
-          </a:lnRef>
-          <a:fillRef idx="1">
-            <a:schemeClr val="accent1"/>
-          </a:fillRef>
-          <a:effectRef idx="0">
-            <a:schemeClr val="accent1"/>
-          </a:effectRef>
-          <a:fontRef idx="minor">
-            <a:schemeClr val="lt1"/>
-          </a:fontRef>
-        </p:style>
-        <p:txBody>
-          <a:bodyPr rtlCol="0" anchor="ctr"/>
-          <a:lstStyle/>
-          <a:p>
-            <a:pPr algn="ctr"/>
-            <a:endParaRPr lang="fi-FI"/>
-          </a:p>
-        </p:txBody>
-      </p:sp>
-      <p:sp>
-        <p:nvSpPr>
-          <p:cNvPr id="40" name="Right Arrow 39"/>
-          <p:cNvSpPr/>
-          <p:nvPr/>
-        </p:nvSpPr>
-        <p:spPr>
-          <a:xfrm>
-            <a:off x="11449829" y="5113252"/>
-            <a:ext cx="447675" cy="316907"/>
-          </a:xfrm>
-          <a:prstGeom prst="rightArrow">
-            <a:avLst/>
-          </a:prstGeom>
-        </p:spPr>
-        <p:style>
-          <a:lnRef idx="2">
-            <a:schemeClr val="accent1">
-              <a:shade val="50000"/>
-            </a:schemeClr>
-          </a:lnRef>
-          <a:fillRef idx="1">
-            <a:schemeClr val="accent1"/>
-          </a:fillRef>
-          <a:effectRef idx="0">
-            <a:schemeClr val="accent1"/>
-          </a:effectRef>
-          <a:fontRef idx="minor">
-            <a:schemeClr val="lt1"/>
-          </a:fontRef>
-        </p:style>
-        <p:txBody>
-          <a:bodyPr rtlCol="0" anchor="ctr"/>
-          <a:lstStyle/>
-          <a:p>
-            <a:pPr algn="ctr"/>
-            <a:endParaRPr lang="fi-FI"/>
-          </a:p>
-        </p:txBody>
-      </p:sp>
-      <p:sp>
-        <p:nvSpPr>
-          <p:cNvPr id="44" name="Rectangle 43"/>
-          <p:cNvSpPr/>
-          <p:nvPr/>
-        </p:nvSpPr>
-        <p:spPr>
-          <a:xfrm>
-            <a:off x="11296648" y="5813243"/>
-            <a:ext cx="714371" cy="811005"/>
-          </a:xfrm>
-          <a:prstGeom prst="rect">
-            <a:avLst/>
-          </a:prstGeom>
-          <a:solidFill>
-            <a:schemeClr val="bg1"/>
-          </a:solidFill>
-        </p:spPr>
-        <p:style>
-          <a:lnRef idx="2">
-            <a:schemeClr val="accent1">
-              <a:shade val="50000"/>
-            </a:schemeClr>
-          </a:lnRef>
-          <a:fillRef idx="1">
-            <a:schemeClr val="accent1"/>
-          </a:fillRef>
-          <a:effectRef idx="0">
-            <a:schemeClr val="accent1"/>
-          </a:effectRef>
-          <a:fontRef idx="minor">
-            <a:schemeClr val="lt1"/>
-          </a:fontRef>
-        </p:style>
-        <p:txBody>
-          <a:bodyPr rtlCol="0" anchor="ctr"/>
-          <a:lstStyle/>
-          <a:p>
-            <a:pPr algn="ctr"/>
-            <a:endParaRPr lang="fi-FI"/>
-          </a:p>
-        </p:txBody>
-      </p:sp>
-      <p:sp>
-        <p:nvSpPr>
-          <p:cNvPr id="45" name="Right Arrow 44"/>
-          <p:cNvSpPr/>
-          <p:nvPr/>
-        </p:nvSpPr>
-        <p:spPr>
-          <a:xfrm>
-            <a:off x="11429995" y="6066323"/>
+            <a:off x="11429994" y="4413869"/>
             <a:ext cx="447675" cy="316907"/>
           </a:xfrm>
           <a:prstGeom prst="rightArrow">
@@ -12407,14 +15453,14 @@
       </p:sp>
       <p:sp>
         <p:nvSpPr>
-          <p:cNvPr id="7" name="TextBox 6"/>
+          <p:cNvPr id="49" name="TextBox 48"/>
           <p:cNvSpPr txBox="1"/>
           <p:nvPr/>
         </p:nvSpPr>
         <p:spPr>
           <a:xfrm>
-            <a:off x="4067175" y="2012502"/>
-            <a:ext cx="7229473" cy="276999"/>
+            <a:off x="2045270" y="2655930"/>
+            <a:ext cx="1421302" cy="276999"/>
           </a:xfrm>
           <a:prstGeom prst="rect">
             <a:avLst/>
@@ -12432,7 +15478,7 @@
                 <a:latin typeface="Yu Gothic Light" panose="020B0300000000000000" pitchFamily="34" charset="-128"/>
                 <a:ea typeface="Yu Gothic Light" panose="020B0300000000000000" pitchFamily="34" charset="-128"/>
               </a:rPr>
-              <a:t>Kuvaus</a:t>
+              <a:t>Päivämäärä</a:t>
             </a:r>
             <a:endParaRPr lang="fi-FI" sz="1200" dirty="0">
               <a:latin typeface="Yu Gothic Light" panose="020B0300000000000000" pitchFamily="34" charset="-128"/>
@@ -12443,14 +15489,14 @@
       </p:sp>
       <p:sp>
         <p:nvSpPr>
-          <p:cNvPr id="48" name="TextBox 47"/>
+          <p:cNvPr id="50" name="TextBox 49"/>
           <p:cNvSpPr txBox="1"/>
           <p:nvPr/>
         </p:nvSpPr>
         <p:spPr>
           <a:xfrm>
-            <a:off x="2045271" y="2945508"/>
-            <a:ext cx="4004662" cy="369332"/>
+            <a:off x="2045270" y="2385769"/>
+            <a:ext cx="1421302" cy="276999"/>
           </a:xfrm>
           <a:prstGeom prst="rect">
             <a:avLst/>
@@ -12464,29 +15510,82 @@
           <a:lstStyle/>
           <a:p>
             <a:r>
-              <a:rPr lang="fi-FI" dirty="0" smtClean="0">
-                <a:latin typeface="Yu Gothic Light" panose="020B0300000000000000" pitchFamily="34" charset="-128"/>
-                <a:ea typeface="Yu Gothic Light" panose="020B0300000000000000" pitchFamily="34" charset="-128"/>
-              </a:rPr>
-              <a:t>Tiimin nimi</a:t>
-            </a:r>
-            <a:endParaRPr lang="fi-FI" dirty="0">
-              <a:latin typeface="Yu Gothic Light" panose="020B0300000000000000" pitchFamily="34" charset="-128"/>
-              <a:ea typeface="Yu Gothic Light" panose="020B0300000000000000" pitchFamily="34" charset="-128"/>
-            </a:endParaRPr>
-          </a:p>
-        </p:txBody>
-      </p:sp>
-      <p:sp>
-        <p:nvSpPr>
-          <p:cNvPr id="49" name="TextBox 48"/>
+              <a:rPr lang="fi-FI" sz="1200" dirty="0" smtClean="0">
+                <a:latin typeface="Yu Gothic Light" panose="020B0300000000000000" pitchFamily="34" charset="-128"/>
+                <a:ea typeface="Yu Gothic Light" panose="020B0300000000000000" pitchFamily="34" charset="-128"/>
+              </a:rPr>
+              <a:t>Lähettäjä</a:t>
+            </a:r>
+            <a:endParaRPr lang="fi-FI" sz="1200" dirty="0">
+              <a:latin typeface="Yu Gothic Light" panose="020B0300000000000000" pitchFamily="34" charset="-128"/>
+              <a:ea typeface="Yu Gothic Light" panose="020B0300000000000000" pitchFamily="34" charset="-128"/>
+            </a:endParaRPr>
+          </a:p>
+        </p:txBody>
+      </p:sp>
+      <p:sp>
+        <p:nvSpPr>
+          <p:cNvPr id="31" name="Flowchart: Process 30"/>
+          <p:cNvSpPr/>
+          <p:nvPr/>
+        </p:nvSpPr>
+        <p:spPr>
+          <a:xfrm>
+            <a:off x="11582394" y="6166229"/>
+            <a:ext cx="409569" cy="360414"/>
+          </a:xfrm>
+          <a:prstGeom prst="flowChartProcess">
+            <a:avLst/>
+          </a:prstGeom>
+          <a:solidFill>
+            <a:srgbClr val="2186BB"/>
+          </a:solidFill>
+        </p:spPr>
+        <p:style>
+          <a:lnRef idx="2">
+            <a:schemeClr val="accent1">
+              <a:shade val="50000"/>
+            </a:schemeClr>
+          </a:lnRef>
+          <a:fillRef idx="1">
+            <a:schemeClr val="accent1"/>
+          </a:fillRef>
+          <a:effectRef idx="0">
+            <a:schemeClr val="accent1"/>
+          </a:effectRef>
+          <a:fontRef idx="minor">
+            <a:schemeClr val="lt1"/>
+          </a:fontRef>
+        </p:style>
+        <p:txBody>
+          <a:bodyPr rtlCol="0" anchor="ctr"/>
+          <a:lstStyle/>
+          <a:p>
+            <a:pPr algn="ctr"/>
+            <a:r>
+              <a:rPr lang="fi-FI" sz="3600" dirty="0" smtClean="0">
+                <a:latin typeface="Yu Gothic Light" panose="020B0300000000000000" pitchFamily="34" charset="-128"/>
+                <a:ea typeface="Yu Gothic Light" panose="020B0300000000000000" pitchFamily="34" charset="-128"/>
+              </a:rPr>
+              <a:t>+</a:t>
+            </a:r>
+            <a:endParaRPr lang="fi-FI" sz="3600" dirty="0">
+              <a:latin typeface="Yu Gothic Light" panose="020B0300000000000000" pitchFamily="34" charset="-128"/>
+              <a:ea typeface="Yu Gothic Light" panose="020B0300000000000000" pitchFamily="34" charset="-128"/>
+            </a:endParaRPr>
+          </a:p>
+        </p:txBody>
+      </p:sp>
+      <p:sp>
+        <p:nvSpPr>
+          <p:cNvPr id="7" name="TextBox 6"/>
           <p:cNvSpPr txBox="1"/>
           <p:nvPr/>
         </p:nvSpPr>
         <p:spPr>
           <a:xfrm>
-            <a:off x="2045271" y="3248452"/>
-            <a:ext cx="1421302" cy="276999"/>
+            <a:off x="3314700" y="2022440"/>
+            <a:ext cx="6257925" cy="261610"/>
           </a:xfrm>
           <a:prstGeom prst="rect">
             <a:avLst/>
@@ -12500,373 +15599,13 @@
           <a:lstStyle/>
           <a:p>
             <a:r>
-              <a:rPr lang="fi-FI" sz="1200" dirty="0" smtClean="0">
-                <a:latin typeface="Yu Gothic Light" panose="020B0300000000000000" pitchFamily="34" charset="-128"/>
-                <a:ea typeface="Yu Gothic Light" panose="020B0300000000000000" pitchFamily="34" charset="-128"/>
-              </a:rPr>
-              <a:t>Johtaja</a:t>
-            </a:r>
-            <a:endParaRPr lang="fi-FI" sz="1200" dirty="0">
-              <a:latin typeface="Yu Gothic Light" panose="020B0300000000000000" pitchFamily="34" charset="-128"/>
-              <a:ea typeface="Yu Gothic Light" panose="020B0300000000000000" pitchFamily="34" charset="-128"/>
-            </a:endParaRPr>
-          </a:p>
-        </p:txBody>
-      </p:sp>
-      <p:sp>
-        <p:nvSpPr>
-          <p:cNvPr id="50" name="TextBox 49"/>
-          <p:cNvSpPr txBox="1"/>
-          <p:nvPr/>
-        </p:nvSpPr>
-        <p:spPr>
-          <a:xfrm>
-            <a:off x="4059210" y="2945508"/>
-            <a:ext cx="7229473" cy="276999"/>
-          </a:xfrm>
-          <a:prstGeom prst="rect">
-            <a:avLst/>
-          </a:prstGeom>
-          <a:noFill/>
-        </p:spPr>
-        <p:txBody>
-          <a:bodyPr wrap="square" rtlCol="0">
-            <a:spAutoFit/>
-          </a:bodyPr>
-          <a:lstStyle/>
-          <a:p>
-            <a:r>
-              <a:rPr lang="fi-FI" sz="1200" dirty="0" smtClean="0">
-                <a:latin typeface="Yu Gothic Light" panose="020B0300000000000000" pitchFamily="34" charset="-128"/>
-                <a:ea typeface="Yu Gothic Light" panose="020B0300000000000000" pitchFamily="34" charset="-128"/>
-              </a:rPr>
-              <a:t>Kuvaus</a:t>
-            </a:r>
-            <a:endParaRPr lang="fi-FI" sz="1200" dirty="0">
-              <a:latin typeface="Yu Gothic Light" panose="020B0300000000000000" pitchFamily="34" charset="-128"/>
-              <a:ea typeface="Yu Gothic Light" panose="020B0300000000000000" pitchFamily="34" charset="-128"/>
-            </a:endParaRPr>
-          </a:p>
-        </p:txBody>
-      </p:sp>
-      <p:sp>
-        <p:nvSpPr>
-          <p:cNvPr id="51" name="TextBox 50"/>
-          <p:cNvSpPr txBox="1"/>
-          <p:nvPr/>
-        </p:nvSpPr>
-        <p:spPr>
-          <a:xfrm>
-            <a:off x="2053236" y="3956584"/>
-            <a:ext cx="4004662" cy="369332"/>
-          </a:xfrm>
-          <a:prstGeom prst="rect">
-            <a:avLst/>
-          </a:prstGeom>
-          <a:noFill/>
-        </p:spPr>
-        <p:txBody>
-          <a:bodyPr wrap="square" rtlCol="0">
-            <a:spAutoFit/>
-          </a:bodyPr>
-          <a:lstStyle/>
-          <a:p>
-            <a:r>
-              <a:rPr lang="fi-FI" dirty="0" smtClean="0">
-                <a:latin typeface="Yu Gothic Light" panose="020B0300000000000000" pitchFamily="34" charset="-128"/>
-                <a:ea typeface="Yu Gothic Light" panose="020B0300000000000000" pitchFamily="34" charset="-128"/>
-              </a:rPr>
-              <a:t>Tiimin nimi</a:t>
-            </a:r>
-            <a:endParaRPr lang="fi-FI" dirty="0">
-              <a:latin typeface="Yu Gothic Light" panose="020B0300000000000000" pitchFamily="34" charset="-128"/>
-              <a:ea typeface="Yu Gothic Light" panose="020B0300000000000000" pitchFamily="34" charset="-128"/>
-            </a:endParaRPr>
-          </a:p>
-        </p:txBody>
-      </p:sp>
-      <p:sp>
-        <p:nvSpPr>
-          <p:cNvPr id="52" name="TextBox 51"/>
-          <p:cNvSpPr txBox="1"/>
-          <p:nvPr/>
-        </p:nvSpPr>
-        <p:spPr>
-          <a:xfrm>
-            <a:off x="2053236" y="4259528"/>
-            <a:ext cx="1421302" cy="276999"/>
-          </a:xfrm>
-          <a:prstGeom prst="rect">
-            <a:avLst/>
-          </a:prstGeom>
-          <a:noFill/>
-        </p:spPr>
-        <p:txBody>
-          <a:bodyPr wrap="square" rtlCol="0">
-            <a:spAutoFit/>
-          </a:bodyPr>
-          <a:lstStyle/>
-          <a:p>
-            <a:r>
-              <a:rPr lang="fi-FI" sz="1200" dirty="0" smtClean="0">
-                <a:latin typeface="Yu Gothic Light" panose="020B0300000000000000" pitchFamily="34" charset="-128"/>
-                <a:ea typeface="Yu Gothic Light" panose="020B0300000000000000" pitchFamily="34" charset="-128"/>
-              </a:rPr>
-              <a:t>Johtaja</a:t>
-            </a:r>
-            <a:endParaRPr lang="fi-FI" sz="1200" dirty="0">
-              <a:latin typeface="Yu Gothic Light" panose="020B0300000000000000" pitchFamily="34" charset="-128"/>
-              <a:ea typeface="Yu Gothic Light" panose="020B0300000000000000" pitchFamily="34" charset="-128"/>
-            </a:endParaRPr>
-          </a:p>
-        </p:txBody>
-      </p:sp>
-      <p:sp>
-        <p:nvSpPr>
-          <p:cNvPr id="53" name="TextBox 52"/>
-          <p:cNvSpPr txBox="1"/>
-          <p:nvPr/>
-        </p:nvSpPr>
-        <p:spPr>
-          <a:xfrm>
-            <a:off x="4067175" y="3956584"/>
-            <a:ext cx="7229473" cy="276999"/>
-          </a:xfrm>
-          <a:prstGeom prst="rect">
-            <a:avLst/>
-          </a:prstGeom>
-          <a:noFill/>
-        </p:spPr>
-        <p:txBody>
-          <a:bodyPr wrap="square" rtlCol="0">
-            <a:spAutoFit/>
-          </a:bodyPr>
-          <a:lstStyle/>
-          <a:p>
-            <a:r>
-              <a:rPr lang="fi-FI" sz="1200" dirty="0" smtClean="0">
-                <a:latin typeface="Yu Gothic Light" panose="020B0300000000000000" pitchFamily="34" charset="-128"/>
-                <a:ea typeface="Yu Gothic Light" panose="020B0300000000000000" pitchFamily="34" charset="-128"/>
-              </a:rPr>
-              <a:t>Kuvaus</a:t>
-            </a:r>
-            <a:endParaRPr lang="fi-FI" sz="1200" dirty="0">
-              <a:latin typeface="Yu Gothic Light" panose="020B0300000000000000" pitchFamily="34" charset="-128"/>
-              <a:ea typeface="Yu Gothic Light" panose="020B0300000000000000" pitchFamily="34" charset="-128"/>
-            </a:endParaRPr>
-          </a:p>
-        </p:txBody>
-      </p:sp>
-      <p:sp>
-        <p:nvSpPr>
-          <p:cNvPr id="54" name="TextBox 53"/>
-          <p:cNvSpPr txBox="1"/>
-          <p:nvPr/>
-        </p:nvSpPr>
-        <p:spPr>
-          <a:xfrm>
-            <a:off x="2063153" y="4861249"/>
-            <a:ext cx="4004662" cy="369332"/>
-          </a:xfrm>
-          <a:prstGeom prst="rect">
-            <a:avLst/>
-          </a:prstGeom>
-          <a:noFill/>
-        </p:spPr>
-        <p:txBody>
-          <a:bodyPr wrap="square" rtlCol="0">
-            <a:spAutoFit/>
-          </a:bodyPr>
-          <a:lstStyle/>
-          <a:p>
-            <a:r>
-              <a:rPr lang="fi-FI" dirty="0" smtClean="0">
-                <a:latin typeface="Yu Gothic Light" panose="020B0300000000000000" pitchFamily="34" charset="-128"/>
-                <a:ea typeface="Yu Gothic Light" panose="020B0300000000000000" pitchFamily="34" charset="-128"/>
-              </a:rPr>
-              <a:t>Tiimin nimi</a:t>
-            </a:r>
-            <a:endParaRPr lang="fi-FI" dirty="0">
-              <a:latin typeface="Yu Gothic Light" panose="020B0300000000000000" pitchFamily="34" charset="-128"/>
-              <a:ea typeface="Yu Gothic Light" panose="020B0300000000000000" pitchFamily="34" charset="-128"/>
-            </a:endParaRPr>
-          </a:p>
-        </p:txBody>
-      </p:sp>
-      <p:sp>
-        <p:nvSpPr>
-          <p:cNvPr id="55" name="TextBox 54"/>
-          <p:cNvSpPr txBox="1"/>
-          <p:nvPr/>
-        </p:nvSpPr>
-        <p:spPr>
-          <a:xfrm>
-            <a:off x="2063153" y="5164193"/>
-            <a:ext cx="1421302" cy="276999"/>
-          </a:xfrm>
-          <a:prstGeom prst="rect">
-            <a:avLst/>
-          </a:prstGeom>
-          <a:noFill/>
-        </p:spPr>
-        <p:txBody>
-          <a:bodyPr wrap="square" rtlCol="0">
-            <a:spAutoFit/>
-          </a:bodyPr>
-          <a:lstStyle/>
-          <a:p>
-            <a:r>
-              <a:rPr lang="fi-FI" sz="1200" dirty="0" smtClean="0">
-                <a:latin typeface="Yu Gothic Light" panose="020B0300000000000000" pitchFamily="34" charset="-128"/>
-                <a:ea typeface="Yu Gothic Light" panose="020B0300000000000000" pitchFamily="34" charset="-128"/>
-              </a:rPr>
-              <a:t>Johtaja</a:t>
-            </a:r>
-            <a:endParaRPr lang="fi-FI" sz="1200" dirty="0">
-              <a:latin typeface="Yu Gothic Light" panose="020B0300000000000000" pitchFamily="34" charset="-128"/>
-              <a:ea typeface="Yu Gothic Light" panose="020B0300000000000000" pitchFamily="34" charset="-128"/>
-            </a:endParaRPr>
-          </a:p>
-        </p:txBody>
-      </p:sp>
-      <p:sp>
-        <p:nvSpPr>
-          <p:cNvPr id="56" name="TextBox 55"/>
-          <p:cNvSpPr txBox="1"/>
-          <p:nvPr/>
-        </p:nvSpPr>
-        <p:spPr>
-          <a:xfrm>
-            <a:off x="4077092" y="4861249"/>
-            <a:ext cx="7229473" cy="276999"/>
-          </a:xfrm>
-          <a:prstGeom prst="rect">
-            <a:avLst/>
-          </a:prstGeom>
-          <a:noFill/>
-        </p:spPr>
-        <p:txBody>
-          <a:bodyPr wrap="square" rtlCol="0">
-            <a:spAutoFit/>
-          </a:bodyPr>
-          <a:lstStyle/>
-          <a:p>
-            <a:r>
-              <a:rPr lang="fi-FI" sz="1200" dirty="0" smtClean="0">
-                <a:latin typeface="Yu Gothic Light" panose="020B0300000000000000" pitchFamily="34" charset="-128"/>
-                <a:ea typeface="Yu Gothic Light" panose="020B0300000000000000" pitchFamily="34" charset="-128"/>
-              </a:rPr>
-              <a:t>Kuvaus</a:t>
-            </a:r>
-            <a:endParaRPr lang="fi-FI" sz="1200" dirty="0">
-              <a:latin typeface="Yu Gothic Light" panose="020B0300000000000000" pitchFamily="34" charset="-128"/>
-              <a:ea typeface="Yu Gothic Light" panose="020B0300000000000000" pitchFamily="34" charset="-128"/>
-            </a:endParaRPr>
-          </a:p>
-        </p:txBody>
-      </p:sp>
-      <p:sp>
-        <p:nvSpPr>
-          <p:cNvPr id="57" name="TextBox 56"/>
-          <p:cNvSpPr txBox="1"/>
-          <p:nvPr/>
-        </p:nvSpPr>
-        <p:spPr>
-          <a:xfrm>
-            <a:off x="2073070" y="5815338"/>
-            <a:ext cx="4004662" cy="369332"/>
-          </a:xfrm>
-          <a:prstGeom prst="rect">
-            <a:avLst/>
-          </a:prstGeom>
-          <a:noFill/>
-        </p:spPr>
-        <p:txBody>
-          <a:bodyPr wrap="square" rtlCol="0">
-            <a:spAutoFit/>
-          </a:bodyPr>
-          <a:lstStyle/>
-          <a:p>
-            <a:r>
-              <a:rPr lang="fi-FI" dirty="0" smtClean="0">
-                <a:latin typeface="Yu Gothic Light" panose="020B0300000000000000" pitchFamily="34" charset="-128"/>
-                <a:ea typeface="Yu Gothic Light" panose="020B0300000000000000" pitchFamily="34" charset="-128"/>
-              </a:rPr>
-              <a:t>Tiimin nimi</a:t>
-            </a:r>
-            <a:endParaRPr lang="fi-FI" dirty="0">
-              <a:latin typeface="Yu Gothic Light" panose="020B0300000000000000" pitchFamily="34" charset="-128"/>
-              <a:ea typeface="Yu Gothic Light" panose="020B0300000000000000" pitchFamily="34" charset="-128"/>
-            </a:endParaRPr>
-          </a:p>
-        </p:txBody>
-      </p:sp>
-      <p:sp>
-        <p:nvSpPr>
-          <p:cNvPr id="58" name="TextBox 57"/>
-          <p:cNvSpPr txBox="1"/>
-          <p:nvPr/>
-        </p:nvSpPr>
-        <p:spPr>
-          <a:xfrm>
-            <a:off x="2073070" y="6118282"/>
-            <a:ext cx="1421302" cy="276999"/>
-          </a:xfrm>
-          <a:prstGeom prst="rect">
-            <a:avLst/>
-          </a:prstGeom>
-          <a:noFill/>
-        </p:spPr>
-        <p:txBody>
-          <a:bodyPr wrap="square" rtlCol="0">
-            <a:spAutoFit/>
-          </a:bodyPr>
-          <a:lstStyle/>
-          <a:p>
-            <a:r>
-              <a:rPr lang="fi-FI" sz="1200" dirty="0" smtClean="0">
-                <a:latin typeface="Yu Gothic Light" panose="020B0300000000000000" pitchFamily="34" charset="-128"/>
-                <a:ea typeface="Yu Gothic Light" panose="020B0300000000000000" pitchFamily="34" charset="-128"/>
-              </a:rPr>
-              <a:t>Johtaja</a:t>
-            </a:r>
-            <a:endParaRPr lang="fi-FI" sz="1200" dirty="0">
-              <a:latin typeface="Yu Gothic Light" panose="020B0300000000000000" pitchFamily="34" charset="-128"/>
-              <a:ea typeface="Yu Gothic Light" panose="020B0300000000000000" pitchFamily="34" charset="-128"/>
-            </a:endParaRPr>
-          </a:p>
-        </p:txBody>
-      </p:sp>
-      <p:sp>
-        <p:nvSpPr>
-          <p:cNvPr id="59" name="TextBox 58"/>
-          <p:cNvSpPr txBox="1"/>
-          <p:nvPr/>
-        </p:nvSpPr>
-        <p:spPr>
-          <a:xfrm>
-            <a:off x="4087009" y="5815338"/>
-            <a:ext cx="7229473" cy="276999"/>
-          </a:xfrm>
-          <a:prstGeom prst="rect">
-            <a:avLst/>
-          </a:prstGeom>
-          <a:noFill/>
-        </p:spPr>
-        <p:txBody>
-          <a:bodyPr wrap="square" rtlCol="0">
-            <a:spAutoFit/>
-          </a:bodyPr>
-          <a:lstStyle/>
-          <a:p>
-            <a:r>
-              <a:rPr lang="fi-FI" sz="1200" dirty="0" smtClean="0">
-                <a:latin typeface="Yu Gothic Light" panose="020B0300000000000000" pitchFamily="34" charset="-128"/>
-                <a:ea typeface="Yu Gothic Light" panose="020B0300000000000000" pitchFamily="34" charset="-128"/>
-              </a:rPr>
-              <a:t>Kuvaus</a:t>
-            </a:r>
-            <a:endParaRPr lang="fi-FI" sz="1200" dirty="0">
+              <a:rPr lang="fi-FI" sz="1100" dirty="0" smtClean="0">
+                <a:latin typeface="Yu Gothic Light" panose="020B0300000000000000" pitchFamily="34" charset="-128"/>
+                <a:ea typeface="Yu Gothic Light" panose="020B0300000000000000" pitchFamily="34" charset="-128"/>
+              </a:rPr>
+              <a:t>Sisältö</a:t>
+            </a:r>
+            <a:endParaRPr lang="fi-FI" sz="1100" dirty="0">
               <a:latin typeface="Yu Gothic Light" panose="020B0300000000000000" pitchFamily="34" charset="-128"/>
               <a:ea typeface="Yu Gothic Light" panose="020B0300000000000000" pitchFamily="34" charset="-128"/>
             </a:endParaRPr>
@@ -12876,7 +15615,7 @@
     </p:spTree>
     <p:extLst>
       <p:ext uri="{BB962C8B-B14F-4D97-AF65-F5344CB8AC3E}">
-        <p14:creationId xmlns:p14="http://schemas.microsoft.com/office/powerpoint/2010/main" val="1046872507"/>
+        <p14:creationId xmlns:p14="http://schemas.microsoft.com/office/powerpoint/2010/main" val="45882614"/>
       </p:ext>
     </p:extLst>
   </p:cSld>
